--- a/Prezentace/1_uvod_do_analyzy_dat.pptx
+++ b/Prezentace/1_uvod_do_analyzy_dat.pptx
@@ -393,7 +393,7 @@
               <a:pPr>
                 <a:defRPr/>
               </a:pPr>
-              <a:t>26.11.2024</a:t>
+              <a:t>30.11.2024</a:t>
             </a:fld>
             <a:endParaRPr lang="cs-CZ"/>
           </a:p>
@@ -3589,7 +3589,7 @@
               <a:pPr>
                 <a:defRPr/>
               </a:pPr>
-              <a:t>26.11.2024</a:t>
+              <a:t>30.11.2024</a:t>
             </a:fld>
             <a:endParaRPr lang="cs-CZ"/>
           </a:p>
@@ -4726,8 +4726,8 @@
             <a:chExt cx="3354840" cy="3471480"/>
           </a:xfrm>
         </p:grpSpPr>
-        <mc:AlternateContent xmlns:mc="http://schemas.openxmlformats.org/markup-compatibility/2006">
-          <mc:Choice xmlns:p14="http://schemas.microsoft.com/office/powerpoint/2010/main" Requires="p14">
+        <mc:AlternateContent xmlns:mc="http://schemas.openxmlformats.org/markup-compatibility/2006" xmlns:p14="http://schemas.microsoft.com/office/powerpoint/2010/main">
+          <mc:Choice Requires="p14">
             <p:contentPart p14:bwMode="auto" r:id="rId3">
               <p14:nvContentPartPr>
                 <p14:cNvPr id="2" name="Ink 1">
@@ -4746,7 +4746,7 @@
               </p14:xfrm>
             </p:contentPart>
           </mc:Choice>
-          <mc:Fallback>
+          <mc:Fallback xmlns="">
             <p:pic>
               <p:nvPicPr>
                 <p:cNvPr id="2" name="Ink 1">
@@ -4777,8 +4777,8 @@
             </p:pic>
           </mc:Fallback>
         </mc:AlternateContent>
-        <mc:AlternateContent xmlns:mc="http://schemas.openxmlformats.org/markup-compatibility/2006">
-          <mc:Choice xmlns:p14="http://schemas.microsoft.com/office/powerpoint/2010/main" Requires="p14">
+        <mc:AlternateContent xmlns:mc="http://schemas.openxmlformats.org/markup-compatibility/2006" xmlns:p14="http://schemas.microsoft.com/office/powerpoint/2010/main">
+          <mc:Choice Requires="p14">
             <p:contentPart p14:bwMode="auto" r:id="rId5">
               <p14:nvContentPartPr>
                 <p14:cNvPr id="4" name="Ink 3">
@@ -4797,7 +4797,7 @@
               </p14:xfrm>
             </p:contentPart>
           </mc:Choice>
-          <mc:Fallback>
+          <mc:Fallback xmlns="">
             <p:pic>
               <p:nvPicPr>
                 <p:cNvPr id="4" name="Ink 3">
@@ -4828,8 +4828,8 @@
             </p:pic>
           </mc:Fallback>
         </mc:AlternateContent>
-        <mc:AlternateContent xmlns:mc="http://schemas.openxmlformats.org/markup-compatibility/2006">
-          <mc:Choice xmlns:p14="http://schemas.microsoft.com/office/powerpoint/2010/main" Requires="p14">
+        <mc:AlternateContent xmlns:mc="http://schemas.openxmlformats.org/markup-compatibility/2006" xmlns:p14="http://schemas.microsoft.com/office/powerpoint/2010/main">
+          <mc:Choice Requires="p14">
             <p:contentPart p14:bwMode="auto" r:id="rId7">
               <p14:nvContentPartPr>
                 <p14:cNvPr id="5" name="Ink 4">
@@ -4848,7 +4848,7 @@
               </p14:xfrm>
             </p:contentPart>
           </mc:Choice>
-          <mc:Fallback>
+          <mc:Fallback xmlns="">
             <p:pic>
               <p:nvPicPr>
                 <p:cNvPr id="5" name="Ink 4">
@@ -6167,7 +6167,7 @@
           <a:p>
             <a:r>
               <a:rPr lang="cs-CZ" dirty="0"/>
-              <a:t>Charakteristiky Variability</a:t>
+              <a:t>Charakteristiky variability</a:t>
             </a:r>
             <a:endParaRPr lang="en-US" dirty="0"/>
           </a:p>
@@ -9562,8 +9562,8 @@
           </a:p>
         </p:txBody>
       </p:sp>
-      <mc:AlternateContent xmlns:mc="http://schemas.openxmlformats.org/markup-compatibility/2006">
-        <mc:Choice xmlns:a14="http://schemas.microsoft.com/office/drawing/2010/main" Requires="a14">
+      <mc:AlternateContent xmlns:mc="http://schemas.openxmlformats.org/markup-compatibility/2006" xmlns:a14="http://schemas.microsoft.com/office/drawing/2010/main">
+        <mc:Choice Requires="a14">
           <p:sp>
             <p:nvSpPr>
               <p:cNvPr id="6" name="TextBox 5">
@@ -9592,6 +9592,7 @@
               </a:bodyPr>
               <a:lstStyle/>
               <a:p>
+                <a:pPr/>
                 <a14:m>
                   <m:oMathPara xmlns:m="http://schemas.openxmlformats.org/officeDocument/2006/math">
                     <m:oMathParaPr>
@@ -9724,7 +9725,7 @@
             </p:txBody>
           </p:sp>
         </mc:Choice>
-        <mc:Fallback>
+        <mc:Fallback xmlns="">
           <p:sp>
             <p:nvSpPr>
               <p:cNvPr id="6" name="TextBox 5">
@@ -15489,6 +15490,15 @@
 </file>
 
 <file path=customXml/item2.xml><?xml version="1.0" encoding="utf-8"?>
+<?mso-contentType ?>
+<FormTemplates xmlns="http://schemas.microsoft.com/sharepoint/v3/contenttype/forms">
+  <Display>DocumentLibraryForm</Display>
+  <Edit>DocumentLibraryForm</Edit>
+  <New>DocumentLibraryForm</New>
+</FormTemplates>
+</file>
+
+<file path=customXml/item3.xml><?xml version="1.0" encoding="utf-8"?>
 <ct:contentTypeSchema xmlns:ct="http://schemas.microsoft.com/office/2006/metadata/contentType" xmlns:ma="http://schemas.microsoft.com/office/2006/metadata/properties/metaAttributes" ct:_="" ma:_="" ma:contentTypeName="Dokument" ma:contentTypeID="0x010100483762EB5A18C04DBFA29C99AD83F26B" ma:contentTypeVersion="15" ma:contentTypeDescription="Vytvoří nový dokument" ma:contentTypeScope="" ma:versionID="d9ef6691753f8d1d5aac364a0a95b869">
   <xsd:schema xmlns:xsd="http://www.w3.org/2001/XMLSchema" xmlns:xs="http://www.w3.org/2001/XMLSchema" xmlns:p="http://schemas.microsoft.com/office/2006/metadata/properties" xmlns:ns2="b5e40aea-b4ae-4b94-9008-c1fed4a5c359" xmlns:ns3="c95f7331-2dea-4b91-a62c-a2ea58dcbe03" targetNamespace="http://schemas.microsoft.com/office/2006/metadata/properties" ma:root="true" ma:fieldsID="8ffb3d0fa66fdebc604d2e8eddcb4819" ns2:_="" ns3:_="">
     <xsd:import namespace="b5e40aea-b4ae-4b94-9008-c1fed4a5c359"/>
@@ -15723,15 +15733,6 @@
 </ct:contentTypeSchema>
 </file>
 
-<file path=customXml/item3.xml><?xml version="1.0" encoding="utf-8"?>
-<?mso-contentType ?>
-<FormTemplates xmlns="http://schemas.microsoft.com/sharepoint/v3/contenttype/forms">
-  <Display>DocumentLibraryForm</Display>
-  <Edit>DocumentLibraryForm</Edit>
-  <New>DocumentLibraryForm</New>
-</FormTemplates>
-</file>
-
 <file path=customXml/itemProps1.xml><?xml version="1.0" encoding="utf-8"?>
 <ds:datastoreItem xmlns:ds="http://schemas.openxmlformats.org/officeDocument/2006/customXml" ds:itemID="{E33785A2-D7CE-4CE1-98CE-0E3D5DDB8231}">
   <ds:schemaRefs>
@@ -15744,6 +15745,14 @@
 </file>
 
 <file path=customXml/itemProps2.xml><?xml version="1.0" encoding="utf-8"?>
+<ds:datastoreItem xmlns:ds="http://schemas.openxmlformats.org/officeDocument/2006/customXml" ds:itemID="{35AAFBE4-E0F2-46C8-9B9D-C83397D2F04E}">
+  <ds:schemaRefs>
+    <ds:schemaRef ds:uri="http://schemas.microsoft.com/sharepoint/v3/contenttype/forms"/>
+  </ds:schemaRefs>
+</ds:datastoreItem>
+</file>
+
+<file path=customXml/itemProps3.xml><?xml version="1.0" encoding="utf-8"?>
 <ds:datastoreItem xmlns:ds="http://schemas.openxmlformats.org/officeDocument/2006/customXml" ds:itemID="{9FF36B38-92E1-4434-B928-0B6896AEBC4E}">
   <ds:schemaRefs>
     <ds:schemaRef ds:uri="http://schemas.microsoft.com/office/2006/metadata/contentType"/>
@@ -15760,12 +15769,4 @@
     <ds:schemaRef ds:uri="http://schemas.microsoft.com/internal/obd"/>
   </ds:schemaRefs>
 </ds:datastoreItem>
-</file>
-
-<file path=customXml/itemProps3.xml><?xml version="1.0" encoding="utf-8"?>
-<ds:datastoreItem xmlns:ds="http://schemas.openxmlformats.org/officeDocument/2006/customXml" ds:itemID="{35AAFBE4-E0F2-46C8-9B9D-C83397D2F04E}">
-  <ds:schemaRefs>
-    <ds:schemaRef ds:uri="http://schemas.microsoft.com/sharepoint/v3/contenttype/forms"/>
-  </ds:schemaRefs>
-</ds:datastoreItem>
 </file>
--- a/Prezentace/1_uvod_do_analyzy_dat.pptx
+++ b/Prezentace/1_uvod_do_analyzy_dat.pptx
@@ -5,7 +5,7 @@
     <p:sldMasterId id="2147483660" r:id="rId4"/>
   </p:sldMasterIdLst>
   <p:notesMasterIdLst>
-    <p:notesMasterId r:id="rId35"/>
+    <p:notesMasterId r:id="rId36"/>
   </p:notesMasterIdLst>
   <p:sldIdLst>
     <p:sldId id="404" r:id="rId5"/>
@@ -13,31 +13,32 @@
     <p:sldId id="323" r:id="rId7"/>
     <p:sldId id="415" r:id="rId8"/>
     <p:sldId id="406" r:id="rId9"/>
-    <p:sldId id="407" r:id="rId10"/>
-    <p:sldId id="408" r:id="rId11"/>
-    <p:sldId id="409" r:id="rId12"/>
-    <p:sldId id="410" r:id="rId13"/>
-    <p:sldId id="411" r:id="rId14"/>
-    <p:sldId id="416" r:id="rId15"/>
-    <p:sldId id="422" r:id="rId16"/>
-    <p:sldId id="428" r:id="rId17"/>
-    <p:sldId id="431" r:id="rId18"/>
-    <p:sldId id="429" r:id="rId19"/>
-    <p:sldId id="430" r:id="rId20"/>
-    <p:sldId id="432" r:id="rId21"/>
-    <p:sldId id="412" r:id="rId22"/>
-    <p:sldId id="413" r:id="rId23"/>
-    <p:sldId id="417" r:id="rId24"/>
-    <p:sldId id="419" r:id="rId25"/>
-    <p:sldId id="418" r:id="rId26"/>
-    <p:sldId id="420" r:id="rId27"/>
-    <p:sldId id="421" r:id="rId28"/>
-    <p:sldId id="423" r:id="rId29"/>
-    <p:sldId id="424" r:id="rId30"/>
-    <p:sldId id="425" r:id="rId31"/>
-    <p:sldId id="426" r:id="rId32"/>
-    <p:sldId id="427" r:id="rId33"/>
-    <p:sldId id="433" r:id="rId34"/>
+    <p:sldId id="434" r:id="rId10"/>
+    <p:sldId id="407" r:id="rId11"/>
+    <p:sldId id="408" r:id="rId12"/>
+    <p:sldId id="409" r:id="rId13"/>
+    <p:sldId id="410" r:id="rId14"/>
+    <p:sldId id="411" r:id="rId15"/>
+    <p:sldId id="416" r:id="rId16"/>
+    <p:sldId id="422" r:id="rId17"/>
+    <p:sldId id="428" r:id="rId18"/>
+    <p:sldId id="431" r:id="rId19"/>
+    <p:sldId id="429" r:id="rId20"/>
+    <p:sldId id="430" r:id="rId21"/>
+    <p:sldId id="432" r:id="rId22"/>
+    <p:sldId id="412" r:id="rId23"/>
+    <p:sldId id="413" r:id="rId24"/>
+    <p:sldId id="417" r:id="rId25"/>
+    <p:sldId id="419" r:id="rId26"/>
+    <p:sldId id="418" r:id="rId27"/>
+    <p:sldId id="420" r:id="rId28"/>
+    <p:sldId id="421" r:id="rId29"/>
+    <p:sldId id="423" r:id="rId30"/>
+    <p:sldId id="424" r:id="rId31"/>
+    <p:sldId id="425" r:id="rId32"/>
+    <p:sldId id="426" r:id="rId33"/>
+    <p:sldId id="427" r:id="rId34"/>
+    <p:sldId id="433" r:id="rId35"/>
   </p:sldIdLst>
   <p:sldSz cx="11522075" cy="6858000"/>
   <p:notesSz cx="6858000" cy="9144000"/>
@@ -393,7 +394,7 @@
               <a:pPr>
                 <a:defRPr/>
               </a:pPr>
-              <a:t>30.11.2024</a:t>
+              <a:t>03.12.2024</a:t>
             </a:fld>
             <a:endParaRPr lang="cs-CZ"/>
           </a:p>
@@ -3589,7 +3590,7 @@
               <a:pPr>
                 <a:defRPr/>
               </a:pPr>
-              <a:t>30.11.2024</a:t>
+              <a:t>03.12.2024</a:t>
             </a:fld>
             <a:endParaRPr lang="cs-CZ"/>
           </a:p>
@@ -4426,6 +4427,568 @@
         <p:cNvPr id="1" name="">
           <a:extLst>
             <a:ext uri="{FF2B5EF4-FFF2-40B4-BE49-F238E27FC236}">
+              <a16:creationId xmlns:a16="http://schemas.microsoft.com/office/drawing/2014/main" id="{7390FB0D-FAF3-E8EC-9672-2F4E1DA22B51}"/>
+            </a:ext>
+          </a:extLst>
+        </p:cNvPr>
+        <p:cNvGrpSpPr/>
+        <p:nvPr/>
+      </p:nvGrpSpPr>
+      <p:grpSpPr>
+        <a:xfrm>
+          <a:off x="0" y="0"/>
+          <a:ext cx="0" cy="0"/>
+          <a:chOff x="0" y="0"/>
+          <a:chExt cx="0" cy="0"/>
+        </a:xfrm>
+      </p:grpSpPr>
+      <p:sp>
+        <p:nvSpPr>
+          <p:cNvPr id="14338" name="Rectangle 2">
+            <a:extLst>
+              <a:ext uri="{FF2B5EF4-FFF2-40B4-BE49-F238E27FC236}">
+                <a16:creationId xmlns:a16="http://schemas.microsoft.com/office/drawing/2014/main" id="{628117EF-68F1-F371-3288-9E7111C37BFF}"/>
+              </a:ext>
+            </a:extLst>
+          </p:cNvPr>
+          <p:cNvSpPr>
+            <a:spLocks noGrp="1"/>
+          </p:cNvSpPr>
+          <p:nvPr>
+            <p:ph type="title" idx="4294967295"/>
+          </p:nvPr>
+        </p:nvSpPr>
+        <p:spPr>
+          <a:xfrm>
+            <a:off x="972175" y="1967266"/>
+            <a:ext cx="2484447" cy="2547257"/>
+          </a:xfrm>
+          <a:noFill/>
+        </p:spPr>
+        <p:txBody>
+          <a:bodyPr vert="horz" lIns="91440" tIns="45720" rIns="91440" bIns="45720" rtlCol="0" anchor="ctr">
+            <a:normAutofit/>
+          </a:bodyPr>
+          <a:lstStyle/>
+          <a:p>
+            <a:pPr algn="ctr" eaLnBrk="1" hangingPunct="1"/>
+            <a:r>
+              <a:rPr lang="en-US" altLang="cs-CZ" sz="3500" kern="1200" dirty="0">
+                <a:solidFill>
+                  <a:srgbClr val="FFFFFF"/>
+                </a:solidFill>
+                <a:latin typeface="+mj-lt"/>
+                <a:ea typeface="+mj-ea"/>
+                <a:cs typeface="+mj-cs"/>
+              </a:rPr>
+              <a:t>CRISP-DM</a:t>
+            </a:r>
+          </a:p>
+        </p:txBody>
+      </p:sp>
+      <p:pic>
+        <p:nvPicPr>
+          <p:cNvPr id="1030" name="Picture 6" descr="CRISP-DM (data mining framework). | Download Scientific Diagram">
+            <a:extLst>
+              <a:ext uri="{FF2B5EF4-FFF2-40B4-BE49-F238E27FC236}">
+                <a16:creationId xmlns:a16="http://schemas.microsoft.com/office/drawing/2014/main" id="{E59DAF89-FA6E-B742-A645-472648ED6AA1}"/>
+              </a:ext>
+            </a:extLst>
+          </p:cNvPr>
+          <p:cNvPicPr>
+            <a:picLocks noChangeAspect="1" noChangeArrowheads="1"/>
+          </p:cNvPicPr>
+          <p:nvPr/>
+        </p:nvPicPr>
+        <p:blipFill>
+          <a:blip r:embed="rId2">
+            <a:extLst>
+              <a:ext uri="{28A0092B-C50C-407E-A947-70E740481C1C}">
+                <a14:useLocalDpi xmlns:a14="http://schemas.microsoft.com/office/drawing/2010/main" val="0"/>
+              </a:ext>
+            </a:extLst>
+          </a:blip>
+          <a:stretch>
+            <a:fillRect/>
+          </a:stretch>
+        </p:blipFill>
+        <p:spPr bwMode="auto">
+          <a:xfrm>
+            <a:off x="4909188" y="643466"/>
+            <a:ext cx="5619363" cy="5568739"/>
+          </a:xfrm>
+          <a:prstGeom prst="rect">
+            <a:avLst/>
+          </a:prstGeom>
+          <a:noFill/>
+          <a:extLst>
+            <a:ext uri="{909E8E84-426E-40DD-AFC4-6F175D3DCCD1}">
+              <a14:hiddenFill xmlns:a14="http://schemas.microsoft.com/office/drawing/2010/main">
+                <a:solidFill>
+                  <a:srgbClr val="FFFFFF"/>
+                </a:solidFill>
+              </a14:hiddenFill>
+            </a:ext>
+          </a:extLst>
+        </p:spPr>
+      </p:pic>
+      <p:sp>
+        <p:nvSpPr>
+          <p:cNvPr id="2" name="TextBox 1">
+            <a:extLst>
+              <a:ext uri="{FF2B5EF4-FFF2-40B4-BE49-F238E27FC236}">
+                <a16:creationId xmlns:a16="http://schemas.microsoft.com/office/drawing/2014/main" id="{1E1D7D13-9364-50D9-5A16-B602726CE8EE}"/>
+              </a:ext>
+            </a:extLst>
+          </p:cNvPr>
+          <p:cNvSpPr txBox="1"/>
+          <p:nvPr/>
+        </p:nvSpPr>
+        <p:spPr>
+          <a:xfrm>
+            <a:off x="460353" y="643466"/>
+            <a:ext cx="4792717" cy="1061829"/>
+          </a:xfrm>
+          <a:prstGeom prst="rect">
+            <a:avLst/>
+          </a:prstGeom>
+          <a:noFill/>
+          <a:ln>
+            <a:noFill/>
+          </a:ln>
+          <a:extLst>
+            <a:ext uri="{909E8E84-426E-40DD-AFC4-6F175D3DCCD1}">
+              <a14:hiddenFill xmlns:a14="http://schemas.microsoft.com/office/drawing/2010/main">
+                <a:solidFill>
+                  <a:srgbClr val="FFFFFF"/>
+                </a:solidFill>
+              </a14:hiddenFill>
+            </a:ext>
+            <a:ext uri="{91240B29-F687-4F45-9708-019B960494DF}">
+              <a14:hiddenLine xmlns:a14="http://schemas.microsoft.com/office/drawing/2010/main" w="9525">
+                <a:solidFill>
+                  <a:srgbClr val="000000"/>
+                </a:solidFill>
+                <a:miter lim="800000"/>
+                <a:headEnd/>
+                <a:tailEnd/>
+              </a14:hiddenLine>
+            </a:ext>
+          </a:extLst>
+        </p:spPr>
+        <p:txBody>
+          <a:bodyPr vert="horz" wrap="square" lIns="91440" tIns="45720" rIns="91440" bIns="45720" numCol="1" rtlCol="0" anchor="ctr" anchorCtr="0" compatLnSpc="1">
+            <a:prstTxWarp prst="textNoShape">
+              <a:avLst/>
+            </a:prstTxWarp>
+            <a:normAutofit/>
+          </a:bodyPr>
+          <a:lstStyle>
+            <a:lvl1pPr algn="ctr" eaLnBrk="1" hangingPunct="1">
+              <a:lnSpc>
+                <a:spcPct val="90000"/>
+              </a:lnSpc>
+              <a:defRPr sz="3500">
+                <a:solidFill>
+                  <a:srgbClr val="FFFFFF"/>
+                </a:solidFill>
+                <a:latin typeface="+mj-lt"/>
+                <a:ea typeface="+mj-ea"/>
+                <a:cs typeface="+mj-cs"/>
+              </a:defRPr>
+            </a:lvl1pPr>
+            <a:lvl2pPr>
+              <a:lnSpc>
+                <a:spcPct val="90000"/>
+              </a:lnSpc>
+              <a:defRPr sz="4400">
+                <a:latin typeface="Century Gothic" panose="020B0502020202020204" pitchFamily="34" charset="0"/>
+              </a:defRPr>
+            </a:lvl2pPr>
+            <a:lvl3pPr>
+              <a:lnSpc>
+                <a:spcPct val="90000"/>
+              </a:lnSpc>
+              <a:defRPr sz="4400">
+                <a:latin typeface="Century Gothic" panose="020B0502020202020204" pitchFamily="34" charset="0"/>
+              </a:defRPr>
+            </a:lvl3pPr>
+            <a:lvl4pPr>
+              <a:lnSpc>
+                <a:spcPct val="90000"/>
+              </a:lnSpc>
+              <a:defRPr sz="4400">
+                <a:latin typeface="Century Gothic" panose="020B0502020202020204" pitchFamily="34" charset="0"/>
+              </a:defRPr>
+            </a:lvl4pPr>
+            <a:lvl5pPr>
+              <a:lnSpc>
+                <a:spcPct val="90000"/>
+              </a:lnSpc>
+              <a:defRPr sz="4400">
+                <a:latin typeface="Century Gothic" panose="020B0502020202020204" pitchFamily="34" charset="0"/>
+              </a:defRPr>
+            </a:lvl5pPr>
+            <a:lvl6pPr marL="457200" fontAlgn="base">
+              <a:lnSpc>
+                <a:spcPct val="90000"/>
+              </a:lnSpc>
+              <a:spcBef>
+                <a:spcPct val="0"/>
+              </a:spcBef>
+              <a:spcAft>
+                <a:spcPct val="0"/>
+              </a:spcAft>
+              <a:defRPr sz="4400">
+                <a:latin typeface="Century Gothic" panose="020B0502020202020204" pitchFamily="34" charset="0"/>
+              </a:defRPr>
+            </a:lvl6pPr>
+            <a:lvl7pPr marL="914400" fontAlgn="base">
+              <a:lnSpc>
+                <a:spcPct val="90000"/>
+              </a:lnSpc>
+              <a:spcBef>
+                <a:spcPct val="0"/>
+              </a:spcBef>
+              <a:spcAft>
+                <a:spcPct val="0"/>
+              </a:spcAft>
+              <a:defRPr sz="4400">
+                <a:latin typeface="Century Gothic" panose="020B0502020202020204" pitchFamily="34" charset="0"/>
+              </a:defRPr>
+            </a:lvl7pPr>
+            <a:lvl8pPr marL="1371600" fontAlgn="base">
+              <a:lnSpc>
+                <a:spcPct val="90000"/>
+              </a:lnSpc>
+              <a:spcBef>
+                <a:spcPct val="0"/>
+              </a:spcBef>
+              <a:spcAft>
+                <a:spcPct val="0"/>
+              </a:spcAft>
+              <a:defRPr sz="4400">
+                <a:latin typeface="Century Gothic" panose="020B0502020202020204" pitchFamily="34" charset="0"/>
+              </a:defRPr>
+            </a:lvl8pPr>
+            <a:lvl9pPr marL="1828800" fontAlgn="base">
+              <a:lnSpc>
+                <a:spcPct val="90000"/>
+              </a:lnSpc>
+              <a:spcBef>
+                <a:spcPct val="0"/>
+              </a:spcBef>
+              <a:spcAft>
+                <a:spcPct val="0"/>
+              </a:spcAft>
+              <a:defRPr sz="4400">
+                <a:latin typeface="Century Gothic" panose="020B0502020202020204" pitchFamily="34" charset="0"/>
+              </a:defRPr>
+            </a:lvl9pPr>
+          </a:lstStyle>
+          <a:p>
+            <a:r>
+              <a:rPr lang="cs-CZ" dirty="0">
+                <a:solidFill>
+                  <a:srgbClr val="292929"/>
+                </a:solidFill>
+              </a:rPr>
+              <a:t>Vyhodnocení</a:t>
+            </a:r>
+            <a:endParaRPr lang="en-US" dirty="0">
+              <a:solidFill>
+                <a:srgbClr val="292929"/>
+              </a:solidFill>
+            </a:endParaRPr>
+          </a:p>
+        </p:txBody>
+      </p:sp>
+      <p:sp>
+        <p:nvSpPr>
+          <p:cNvPr id="4" name="TextBox 3">
+            <a:extLst>
+              <a:ext uri="{FF2B5EF4-FFF2-40B4-BE49-F238E27FC236}">
+                <a16:creationId xmlns:a16="http://schemas.microsoft.com/office/drawing/2014/main" id="{63202D03-3644-3591-CFB3-E69D454FDD5D}"/>
+              </a:ext>
+            </a:extLst>
+          </p:cNvPr>
+          <p:cNvSpPr txBox="1"/>
+          <p:nvPr/>
+        </p:nvSpPr>
+        <p:spPr>
+          <a:xfrm>
+            <a:off x="756744" y="1848130"/>
+            <a:ext cx="4597225" cy="3159409"/>
+          </a:xfrm>
+          <a:prstGeom prst="rect">
+            <a:avLst/>
+          </a:prstGeom>
+          <a:noFill/>
+          <a:ln>
+            <a:noFill/>
+          </a:ln>
+          <a:extLst>
+            <a:ext uri="{909E8E84-426E-40DD-AFC4-6F175D3DCCD1}">
+              <a14:hiddenFill xmlns:a14="http://schemas.microsoft.com/office/drawing/2010/main">
+                <a:solidFill>
+                  <a:srgbClr val="FFFFFF"/>
+                </a:solidFill>
+              </a14:hiddenFill>
+            </a:ext>
+            <a:ext uri="{91240B29-F687-4F45-9708-019B960494DF}">
+              <a14:hiddenLine xmlns:a14="http://schemas.microsoft.com/office/drawing/2010/main" w="9525">
+                <a:solidFill>
+                  <a:srgbClr val="000000"/>
+                </a:solidFill>
+                <a:miter lim="800000"/>
+                <a:headEnd/>
+                <a:tailEnd/>
+              </a14:hiddenLine>
+            </a:ext>
+          </a:extLst>
+        </p:spPr>
+        <p:txBody>
+          <a:bodyPr vert="horz" wrap="square" lIns="91440" tIns="45720" rIns="91440" bIns="45720" numCol="1" rtlCol="0" anchor="ctr" anchorCtr="0" compatLnSpc="1">
+            <a:prstTxWarp prst="textNoShape">
+              <a:avLst/>
+            </a:prstTxWarp>
+            <a:normAutofit/>
+          </a:bodyPr>
+          <a:lstStyle>
+            <a:lvl1pPr algn="ctr" eaLnBrk="1" hangingPunct="1">
+              <a:lnSpc>
+                <a:spcPct val="90000"/>
+              </a:lnSpc>
+              <a:defRPr sz="3500">
+                <a:solidFill>
+                  <a:srgbClr val="FFFFFF"/>
+                </a:solidFill>
+                <a:latin typeface="+mj-lt"/>
+                <a:ea typeface="+mj-ea"/>
+                <a:cs typeface="+mj-cs"/>
+              </a:defRPr>
+            </a:lvl1pPr>
+            <a:lvl2pPr>
+              <a:lnSpc>
+                <a:spcPct val="90000"/>
+              </a:lnSpc>
+              <a:defRPr sz="4400">
+                <a:latin typeface="Century Gothic" panose="020B0502020202020204" pitchFamily="34" charset="0"/>
+              </a:defRPr>
+            </a:lvl2pPr>
+            <a:lvl3pPr>
+              <a:lnSpc>
+                <a:spcPct val="90000"/>
+              </a:lnSpc>
+              <a:defRPr sz="4400">
+                <a:latin typeface="Century Gothic" panose="020B0502020202020204" pitchFamily="34" charset="0"/>
+              </a:defRPr>
+            </a:lvl3pPr>
+            <a:lvl4pPr>
+              <a:lnSpc>
+                <a:spcPct val="90000"/>
+              </a:lnSpc>
+              <a:defRPr sz="4400">
+                <a:latin typeface="Century Gothic" panose="020B0502020202020204" pitchFamily="34" charset="0"/>
+              </a:defRPr>
+            </a:lvl4pPr>
+            <a:lvl5pPr>
+              <a:lnSpc>
+                <a:spcPct val="90000"/>
+              </a:lnSpc>
+              <a:defRPr sz="4400">
+                <a:latin typeface="Century Gothic" panose="020B0502020202020204" pitchFamily="34" charset="0"/>
+              </a:defRPr>
+            </a:lvl5pPr>
+            <a:lvl6pPr marL="457200" fontAlgn="base">
+              <a:lnSpc>
+                <a:spcPct val="90000"/>
+              </a:lnSpc>
+              <a:spcBef>
+                <a:spcPct val="0"/>
+              </a:spcBef>
+              <a:spcAft>
+                <a:spcPct val="0"/>
+              </a:spcAft>
+              <a:defRPr sz="4400">
+                <a:latin typeface="Century Gothic" panose="020B0502020202020204" pitchFamily="34" charset="0"/>
+              </a:defRPr>
+            </a:lvl6pPr>
+            <a:lvl7pPr marL="914400" fontAlgn="base">
+              <a:lnSpc>
+                <a:spcPct val="90000"/>
+              </a:lnSpc>
+              <a:spcBef>
+                <a:spcPct val="0"/>
+              </a:spcBef>
+              <a:spcAft>
+                <a:spcPct val="0"/>
+              </a:spcAft>
+              <a:defRPr sz="4400">
+                <a:latin typeface="Century Gothic" panose="020B0502020202020204" pitchFamily="34" charset="0"/>
+              </a:defRPr>
+            </a:lvl7pPr>
+            <a:lvl8pPr marL="1371600" fontAlgn="base">
+              <a:lnSpc>
+                <a:spcPct val="90000"/>
+              </a:lnSpc>
+              <a:spcBef>
+                <a:spcPct val="0"/>
+              </a:spcBef>
+              <a:spcAft>
+                <a:spcPct val="0"/>
+              </a:spcAft>
+              <a:defRPr sz="4400">
+                <a:latin typeface="Century Gothic" panose="020B0502020202020204" pitchFamily="34" charset="0"/>
+              </a:defRPr>
+            </a:lvl8pPr>
+            <a:lvl9pPr marL="1828800" fontAlgn="base">
+              <a:lnSpc>
+                <a:spcPct val="90000"/>
+              </a:lnSpc>
+              <a:spcBef>
+                <a:spcPct val="0"/>
+              </a:spcBef>
+              <a:spcAft>
+                <a:spcPct val="0"/>
+              </a:spcAft>
+              <a:defRPr sz="4400">
+                <a:latin typeface="Century Gothic" panose="020B0502020202020204" pitchFamily="34" charset="0"/>
+              </a:defRPr>
+            </a:lvl9pPr>
+          </a:lstStyle>
+          <a:p>
+            <a:pPr algn="l">
+              <a:spcAft>
+                <a:spcPts val="1200"/>
+              </a:spcAft>
+            </a:pPr>
+            <a:r>
+              <a:rPr lang="cs-CZ" sz="2400" b="0" dirty="0">
+                <a:solidFill>
+                  <a:srgbClr val="292929"/>
+                </a:solidFill>
+              </a:rPr>
+              <a:t>Odpověď na výzkumné otázky</a:t>
+            </a:r>
+          </a:p>
+          <a:p>
+            <a:pPr algn="l">
+              <a:spcAft>
+                <a:spcPts val="1200"/>
+              </a:spcAft>
+            </a:pPr>
+            <a:r>
+              <a:rPr lang="cs-CZ" sz="2400" b="0" dirty="0">
+                <a:solidFill>
+                  <a:srgbClr val="292929"/>
+                </a:solidFill>
+              </a:rPr>
+              <a:t>Limitace studie</a:t>
+            </a:r>
+          </a:p>
+          <a:p>
+            <a:pPr algn="l">
+              <a:spcAft>
+                <a:spcPts val="1200"/>
+              </a:spcAft>
+            </a:pPr>
+            <a:r>
+              <a:rPr lang="cs-CZ" sz="2400" b="0" dirty="0">
+                <a:solidFill>
+                  <a:srgbClr val="292929"/>
+                </a:solidFill>
+              </a:rPr>
+              <a:t>Souhlasí výsledky s aktuálním poznáním?</a:t>
+            </a:r>
+          </a:p>
+          <a:p>
+            <a:pPr algn="l">
+              <a:spcAft>
+                <a:spcPts val="1200"/>
+              </a:spcAft>
+            </a:pPr>
+            <a:endParaRPr lang="cs-CZ" sz="2400" b="0" dirty="0">
+              <a:solidFill>
+                <a:srgbClr val="292929"/>
+              </a:solidFill>
+            </a:endParaRPr>
+          </a:p>
+        </p:txBody>
+      </p:sp>
+      <p:sp>
+        <p:nvSpPr>
+          <p:cNvPr id="5" name="Rectangle 4">
+            <a:extLst>
+              <a:ext uri="{FF2B5EF4-FFF2-40B4-BE49-F238E27FC236}">
+                <a16:creationId xmlns:a16="http://schemas.microsoft.com/office/drawing/2014/main" id="{372F2041-CBAC-E079-559C-ABB8B05A9071}"/>
+              </a:ext>
+            </a:extLst>
+          </p:cNvPr>
+          <p:cNvSpPr/>
+          <p:nvPr/>
+        </p:nvSpPr>
+        <p:spPr>
+          <a:xfrm>
+            <a:off x="6897516" y="4612922"/>
+            <a:ext cx="1589165" cy="908094"/>
+          </a:xfrm>
+          <a:prstGeom prst="rect">
+            <a:avLst/>
+          </a:prstGeom>
+          <a:noFill/>
+          <a:ln w="57150">
+            <a:solidFill>
+              <a:srgbClr val="993300"/>
+            </a:solidFill>
+          </a:ln>
+        </p:spPr>
+        <p:style>
+          <a:lnRef idx="2">
+            <a:schemeClr val="accent1">
+              <a:shade val="15000"/>
+            </a:schemeClr>
+          </a:lnRef>
+          <a:fillRef idx="1">
+            <a:schemeClr val="accent1"/>
+          </a:fillRef>
+          <a:effectRef idx="0">
+            <a:schemeClr val="accent1"/>
+          </a:effectRef>
+          <a:fontRef idx="minor">
+            <a:schemeClr val="lt1"/>
+          </a:fontRef>
+        </p:style>
+        <p:txBody>
+          <a:bodyPr rtlCol="0" anchor="ctr"/>
+          <a:lstStyle/>
+          <a:p>
+            <a:pPr algn="ctr"/>
+            <a:endParaRPr lang="en-US"/>
+          </a:p>
+        </p:txBody>
+      </p:sp>
+    </p:spTree>
+    <p:extLst>
+      <p:ext uri="{BB962C8B-B14F-4D97-AF65-F5344CB8AC3E}">
+        <p14:creationId xmlns:p14="http://schemas.microsoft.com/office/powerpoint/2010/main" val="4198741578"/>
+      </p:ext>
+    </p:extLst>
+  </p:cSld>
+  <p:clrMapOvr>
+    <a:masterClrMapping/>
+  </p:clrMapOvr>
+</p:sld>
+</file>
+
+<file path=ppt/slides/slide11.xml><?xml version="1.0" encoding="utf-8"?>
+<p:sld xmlns:a="http://schemas.openxmlformats.org/drawingml/2006/main" xmlns:r="http://schemas.openxmlformats.org/officeDocument/2006/relationships" xmlns:p="http://schemas.openxmlformats.org/presentationml/2006/main">
+  <p:cSld>
+    <p:spTree>
+      <p:nvGrpSpPr>
+        <p:cNvPr id="1" name="">
+          <a:extLst>
+            <a:ext uri="{FF2B5EF4-FFF2-40B4-BE49-F238E27FC236}">
               <a16:creationId xmlns:a16="http://schemas.microsoft.com/office/drawing/2014/main" id="{59EB6D95-BDB6-4EF2-CF1F-1528C18D3B27}"/>
             </a:ext>
           </a:extLst>
@@ -4593,7 +5156,7 @@
 </p:sld>
 </file>
 
-<file path=ppt/slides/slide11.xml><?xml version="1.0" encoding="utf-8"?>
+<file path=ppt/slides/slide12.xml><?xml version="1.0" encoding="utf-8"?>
 <p:sld xmlns:a="http://schemas.openxmlformats.org/drawingml/2006/main" xmlns:r="http://schemas.openxmlformats.org/officeDocument/2006/relationships" xmlns:p="http://schemas.openxmlformats.org/presentationml/2006/main">
   <p:cSld>
     <p:spTree>
@@ -5310,7 +5873,7 @@
 </p:sld>
 </file>
 
-<file path=ppt/slides/slide12.xml><?xml version="1.0" encoding="utf-8"?>
+<file path=ppt/slides/slide13.xml><?xml version="1.0" encoding="utf-8"?>
 <p:sld xmlns:a="http://schemas.openxmlformats.org/drawingml/2006/main" xmlns:r="http://schemas.openxmlformats.org/officeDocument/2006/relationships" xmlns:p="http://schemas.openxmlformats.org/presentationml/2006/main">
   <p:cSld>
     <p:spTree>
@@ -5558,7 +6121,7 @@
 </p:sld>
 </file>
 
-<file path=ppt/slides/slide13.xml><?xml version="1.0" encoding="utf-8"?>
+<file path=ppt/slides/slide14.xml><?xml version="1.0" encoding="utf-8"?>
 <p:sld xmlns:a="http://schemas.openxmlformats.org/drawingml/2006/main" xmlns:r="http://schemas.openxmlformats.org/officeDocument/2006/relationships" xmlns:p="http://schemas.openxmlformats.org/presentationml/2006/main">
   <p:cSld>
     <p:spTree>
@@ -5762,7 +6325,7 @@
 </p:sld>
 </file>
 
-<file path=ppt/slides/slide14.xml><?xml version="1.0" encoding="utf-8"?>
+<file path=ppt/slides/slide15.xml><?xml version="1.0" encoding="utf-8"?>
 <p:sld xmlns:a="http://schemas.openxmlformats.org/drawingml/2006/main" xmlns:r="http://schemas.openxmlformats.org/officeDocument/2006/relationships" xmlns:p="http://schemas.openxmlformats.org/presentationml/2006/main">
   <p:cSld>
     <p:spTree>
@@ -5917,7 +6480,7 @@
 </p:sld>
 </file>
 
-<file path=ppt/slides/slide15.xml><?xml version="1.0" encoding="utf-8"?>
+<file path=ppt/slides/slide16.xml><?xml version="1.0" encoding="utf-8"?>
 <p:sld xmlns:a="http://schemas.openxmlformats.org/drawingml/2006/main" xmlns:r="http://schemas.openxmlformats.org/officeDocument/2006/relationships" xmlns:p="http://schemas.openxmlformats.org/presentationml/2006/main">
   <p:cSld>
     <p:spTree>
@@ -6121,7 +6684,7 @@
 </p:sld>
 </file>
 
-<file path=ppt/slides/slide16.xml><?xml version="1.0" encoding="utf-8"?>
+<file path=ppt/slides/slide17.xml><?xml version="1.0" encoding="utf-8"?>
 <p:sld xmlns:a="http://schemas.openxmlformats.org/drawingml/2006/main" xmlns:r="http://schemas.openxmlformats.org/officeDocument/2006/relationships" xmlns:p="http://schemas.openxmlformats.org/presentationml/2006/main">
   <p:cSld>
     <p:spTree>
@@ -6273,7 +6836,7 @@
 </p:sld>
 </file>
 
-<file path=ppt/slides/slide17.xml><?xml version="1.0" encoding="utf-8"?>
+<file path=ppt/slides/slide18.xml><?xml version="1.0" encoding="utf-8"?>
 <p:sld xmlns:a="http://schemas.openxmlformats.org/drawingml/2006/main" xmlns:r="http://schemas.openxmlformats.org/officeDocument/2006/relationships" xmlns:p="http://schemas.openxmlformats.org/presentationml/2006/main">
   <p:cSld>
     <p:spTree>
@@ -6346,7 +6909,7 @@
 </p:sld>
 </file>
 
-<file path=ppt/slides/slide18.xml><?xml version="1.0" encoding="utf-8"?>
+<file path=ppt/slides/slide19.xml><?xml version="1.0" encoding="utf-8"?>
 <p:sld xmlns:a="http://schemas.openxmlformats.org/drawingml/2006/main" xmlns:r="http://schemas.openxmlformats.org/officeDocument/2006/relationships" xmlns:p="http://schemas.openxmlformats.org/presentationml/2006/main">
   <p:cSld>
     <p:spTree>
@@ -6585,201 +7148,6 @@
     <p:extLst>
       <p:ext uri="{BB962C8B-B14F-4D97-AF65-F5344CB8AC3E}">
         <p14:creationId xmlns:p14="http://schemas.microsoft.com/office/powerpoint/2010/main" val="1040437070"/>
-      </p:ext>
-    </p:extLst>
-  </p:cSld>
-  <p:clrMapOvr>
-    <a:masterClrMapping/>
-  </p:clrMapOvr>
-</p:sld>
-</file>
-
-<file path=ppt/slides/slide19.xml><?xml version="1.0" encoding="utf-8"?>
-<p:sld xmlns:a="http://schemas.openxmlformats.org/drawingml/2006/main" xmlns:r="http://schemas.openxmlformats.org/officeDocument/2006/relationships" xmlns:p="http://schemas.openxmlformats.org/presentationml/2006/main">
-  <p:cSld>
-    <p:spTree>
-      <p:nvGrpSpPr>
-        <p:cNvPr id="1" name=""/>
-        <p:cNvGrpSpPr/>
-        <p:nvPr/>
-      </p:nvGrpSpPr>
-      <p:grpSpPr>
-        <a:xfrm>
-          <a:off x="0" y="0"/>
-          <a:ext cx="0" cy="0"/>
-          <a:chOff x="0" y="0"/>
-          <a:chExt cx="0" cy="0"/>
-        </a:xfrm>
-      </p:grpSpPr>
-      <p:sp>
-        <p:nvSpPr>
-          <p:cNvPr id="2" name="Title 1">
-            <a:extLst>
-              <a:ext uri="{FF2B5EF4-FFF2-40B4-BE49-F238E27FC236}">
-                <a16:creationId xmlns:a16="http://schemas.microsoft.com/office/drawing/2014/main" id="{475FFD62-1E13-5755-262B-849A1D121AC0}"/>
-              </a:ext>
-            </a:extLst>
-          </p:cNvPr>
-          <p:cNvSpPr>
-            <a:spLocks noGrp="1"/>
-          </p:cNvSpPr>
-          <p:nvPr>
-            <p:ph type="title"/>
-          </p:nvPr>
-        </p:nvSpPr>
-        <p:spPr/>
-        <p:txBody>
-          <a:bodyPr/>
-          <a:lstStyle/>
-          <a:p>
-            <a:r>
-              <a:rPr lang="cs-CZ" dirty="0"/>
-              <a:t>Příprava dat</a:t>
-            </a:r>
-            <a:endParaRPr lang="en-US" dirty="0"/>
-          </a:p>
-        </p:txBody>
-      </p:sp>
-      <p:sp>
-        <p:nvSpPr>
-          <p:cNvPr id="3" name="Content Placeholder 2">
-            <a:extLst>
-              <a:ext uri="{FF2B5EF4-FFF2-40B4-BE49-F238E27FC236}">
-                <a16:creationId xmlns:a16="http://schemas.microsoft.com/office/drawing/2014/main" id="{1B9682DB-47B0-1EBB-E8BE-25275A38FFB9}"/>
-              </a:ext>
-            </a:extLst>
-          </p:cNvPr>
-          <p:cNvSpPr>
-            <a:spLocks noGrp="1"/>
-          </p:cNvSpPr>
-          <p:nvPr>
-            <p:ph idx="1"/>
-          </p:nvPr>
-        </p:nvSpPr>
-        <p:spPr/>
-        <p:txBody>
-          <a:bodyPr/>
-          <a:lstStyle/>
-          <a:p>
-            <a:pPr marL="0" indent="0">
-              <a:spcBef>
-                <a:spcPts val="0"/>
-              </a:spcBef>
-              <a:spcAft>
-                <a:spcPts val="1200"/>
-              </a:spcAft>
-              <a:buNone/>
-            </a:pPr>
-            <a:r>
-              <a:rPr lang="cs-CZ" dirty="0"/>
-              <a:t>= průzkumová analýza dat</a:t>
-            </a:r>
-          </a:p>
-          <a:p>
-            <a:pPr marL="0" indent="0">
-              <a:spcBef>
-                <a:spcPts val="0"/>
-              </a:spcBef>
-              <a:spcAft>
-                <a:spcPts val="1200"/>
-              </a:spcAft>
-              <a:buNone/>
-            </a:pPr>
-            <a:r>
-              <a:rPr lang="cs-CZ" dirty="0"/>
-              <a:t>Jaký máme hlavní identifikátor (primární klíč) ?</a:t>
-            </a:r>
-          </a:p>
-          <a:p>
-            <a:pPr marL="0" indent="0">
-              <a:spcBef>
-                <a:spcPts val="0"/>
-              </a:spcBef>
-              <a:spcAft>
-                <a:spcPts val="1200"/>
-              </a:spcAft>
-              <a:buNone/>
-            </a:pPr>
-            <a:r>
-              <a:rPr lang="cs-CZ" dirty="0"/>
-              <a:t>Jaké proměnné máme k dispozici?</a:t>
-            </a:r>
-          </a:p>
-          <a:p>
-            <a:pPr marL="0" indent="0">
-              <a:spcBef>
-                <a:spcPts val="0"/>
-              </a:spcBef>
-              <a:spcAft>
-                <a:spcPts val="1200"/>
-              </a:spcAft>
-              <a:buNone/>
-            </a:pPr>
-            <a:r>
-              <a:rPr lang="cs-CZ" dirty="0"/>
-              <a:t>Máme nějaké odlehlé proměnné? Dávají smysl?</a:t>
-            </a:r>
-          </a:p>
-          <a:p>
-            <a:pPr marL="0" indent="0">
-              <a:spcBef>
-                <a:spcPts val="0"/>
-              </a:spcBef>
-              <a:spcAft>
-                <a:spcPts val="1200"/>
-              </a:spcAft>
-              <a:buNone/>
-            </a:pPr>
-            <a:r>
-              <a:rPr lang="cs-CZ" dirty="0"/>
-              <a:t>Dávají data smyslnou věc?</a:t>
-            </a:r>
-          </a:p>
-          <a:p>
-            <a:pPr marL="0" indent="0">
-              <a:spcBef>
-                <a:spcPts val="0"/>
-              </a:spcBef>
-              <a:spcAft>
-                <a:spcPts val="1200"/>
-              </a:spcAft>
-              <a:buNone/>
-            </a:pPr>
-            <a:r>
-              <a:rPr lang="cs-CZ" dirty="0"/>
-              <a:t>Existují chybějící hodnoty?</a:t>
-            </a:r>
-          </a:p>
-          <a:p>
-            <a:pPr marL="0" indent="0">
-              <a:spcBef>
-                <a:spcPts val="0"/>
-              </a:spcBef>
-              <a:spcAft>
-                <a:spcPts val="1200"/>
-              </a:spcAft>
-              <a:buNone/>
-            </a:pPr>
-            <a:endParaRPr lang="cs-CZ" dirty="0"/>
-          </a:p>
-          <a:p>
-            <a:pPr marL="0" indent="0">
-              <a:spcBef>
-                <a:spcPts val="0"/>
-              </a:spcBef>
-              <a:spcAft>
-                <a:spcPts val="1200"/>
-              </a:spcAft>
-              <a:buNone/>
-            </a:pPr>
-            <a:endParaRPr lang="en-US" dirty="0"/>
-          </a:p>
-        </p:txBody>
-      </p:sp>
-    </p:spTree>
-    <p:extLst>
-      <p:ext uri="{BB962C8B-B14F-4D97-AF65-F5344CB8AC3E}">
-        <p14:creationId xmlns:p14="http://schemas.microsoft.com/office/powerpoint/2010/main" val="833984232"/>
       </p:ext>
     </p:extLst>
   </p:cSld>
@@ -7031,6 +7399,201 @@
   <p:cSld>
     <p:spTree>
       <p:nvGrpSpPr>
+        <p:cNvPr id="1" name=""/>
+        <p:cNvGrpSpPr/>
+        <p:nvPr/>
+      </p:nvGrpSpPr>
+      <p:grpSpPr>
+        <a:xfrm>
+          <a:off x="0" y="0"/>
+          <a:ext cx="0" cy="0"/>
+          <a:chOff x="0" y="0"/>
+          <a:chExt cx="0" cy="0"/>
+        </a:xfrm>
+      </p:grpSpPr>
+      <p:sp>
+        <p:nvSpPr>
+          <p:cNvPr id="2" name="Title 1">
+            <a:extLst>
+              <a:ext uri="{FF2B5EF4-FFF2-40B4-BE49-F238E27FC236}">
+                <a16:creationId xmlns:a16="http://schemas.microsoft.com/office/drawing/2014/main" id="{475FFD62-1E13-5755-262B-849A1D121AC0}"/>
+              </a:ext>
+            </a:extLst>
+          </p:cNvPr>
+          <p:cNvSpPr>
+            <a:spLocks noGrp="1"/>
+          </p:cNvSpPr>
+          <p:nvPr>
+            <p:ph type="title"/>
+          </p:nvPr>
+        </p:nvSpPr>
+        <p:spPr/>
+        <p:txBody>
+          <a:bodyPr/>
+          <a:lstStyle/>
+          <a:p>
+            <a:r>
+              <a:rPr lang="cs-CZ" dirty="0"/>
+              <a:t>Příprava dat</a:t>
+            </a:r>
+            <a:endParaRPr lang="en-US" dirty="0"/>
+          </a:p>
+        </p:txBody>
+      </p:sp>
+      <p:sp>
+        <p:nvSpPr>
+          <p:cNvPr id="3" name="Content Placeholder 2">
+            <a:extLst>
+              <a:ext uri="{FF2B5EF4-FFF2-40B4-BE49-F238E27FC236}">
+                <a16:creationId xmlns:a16="http://schemas.microsoft.com/office/drawing/2014/main" id="{1B9682DB-47B0-1EBB-E8BE-25275A38FFB9}"/>
+              </a:ext>
+            </a:extLst>
+          </p:cNvPr>
+          <p:cNvSpPr>
+            <a:spLocks noGrp="1"/>
+          </p:cNvSpPr>
+          <p:nvPr>
+            <p:ph idx="1"/>
+          </p:nvPr>
+        </p:nvSpPr>
+        <p:spPr/>
+        <p:txBody>
+          <a:bodyPr/>
+          <a:lstStyle/>
+          <a:p>
+            <a:pPr marL="0" indent="0">
+              <a:spcBef>
+                <a:spcPts val="0"/>
+              </a:spcBef>
+              <a:spcAft>
+                <a:spcPts val="1200"/>
+              </a:spcAft>
+              <a:buNone/>
+            </a:pPr>
+            <a:r>
+              <a:rPr lang="cs-CZ" dirty="0"/>
+              <a:t>= průzkumová analýza dat</a:t>
+            </a:r>
+          </a:p>
+          <a:p>
+            <a:pPr marL="0" indent="0">
+              <a:spcBef>
+                <a:spcPts val="0"/>
+              </a:spcBef>
+              <a:spcAft>
+                <a:spcPts val="1200"/>
+              </a:spcAft>
+              <a:buNone/>
+            </a:pPr>
+            <a:r>
+              <a:rPr lang="cs-CZ" dirty="0"/>
+              <a:t>Jaký máme hlavní identifikátor (primární klíč) ?</a:t>
+            </a:r>
+          </a:p>
+          <a:p>
+            <a:pPr marL="0" indent="0">
+              <a:spcBef>
+                <a:spcPts val="0"/>
+              </a:spcBef>
+              <a:spcAft>
+                <a:spcPts val="1200"/>
+              </a:spcAft>
+              <a:buNone/>
+            </a:pPr>
+            <a:r>
+              <a:rPr lang="cs-CZ" dirty="0"/>
+              <a:t>Jaké proměnné máme k dispozici?</a:t>
+            </a:r>
+          </a:p>
+          <a:p>
+            <a:pPr marL="0" indent="0">
+              <a:spcBef>
+                <a:spcPts val="0"/>
+              </a:spcBef>
+              <a:spcAft>
+                <a:spcPts val="1200"/>
+              </a:spcAft>
+              <a:buNone/>
+            </a:pPr>
+            <a:r>
+              <a:rPr lang="cs-CZ" dirty="0"/>
+              <a:t>Máme nějaké odlehlé proměnné? Dávají smysl?</a:t>
+            </a:r>
+          </a:p>
+          <a:p>
+            <a:pPr marL="0" indent="0">
+              <a:spcBef>
+                <a:spcPts val="0"/>
+              </a:spcBef>
+              <a:spcAft>
+                <a:spcPts val="1200"/>
+              </a:spcAft>
+              <a:buNone/>
+            </a:pPr>
+            <a:r>
+              <a:rPr lang="cs-CZ" dirty="0"/>
+              <a:t>Dávají data smyslnou věc?</a:t>
+            </a:r>
+          </a:p>
+          <a:p>
+            <a:pPr marL="0" indent="0">
+              <a:spcBef>
+                <a:spcPts val="0"/>
+              </a:spcBef>
+              <a:spcAft>
+                <a:spcPts val="1200"/>
+              </a:spcAft>
+              <a:buNone/>
+            </a:pPr>
+            <a:r>
+              <a:rPr lang="cs-CZ" dirty="0"/>
+              <a:t>Existují chybějící hodnoty?</a:t>
+            </a:r>
+          </a:p>
+          <a:p>
+            <a:pPr marL="0" indent="0">
+              <a:spcBef>
+                <a:spcPts val="0"/>
+              </a:spcBef>
+              <a:spcAft>
+                <a:spcPts val="1200"/>
+              </a:spcAft>
+              <a:buNone/>
+            </a:pPr>
+            <a:endParaRPr lang="cs-CZ" dirty="0"/>
+          </a:p>
+          <a:p>
+            <a:pPr marL="0" indent="0">
+              <a:spcBef>
+                <a:spcPts val="0"/>
+              </a:spcBef>
+              <a:spcAft>
+                <a:spcPts val="1200"/>
+              </a:spcAft>
+              <a:buNone/>
+            </a:pPr>
+            <a:endParaRPr lang="en-US" dirty="0"/>
+          </a:p>
+        </p:txBody>
+      </p:sp>
+    </p:spTree>
+    <p:extLst>
+      <p:ext uri="{BB962C8B-B14F-4D97-AF65-F5344CB8AC3E}">
+        <p14:creationId xmlns:p14="http://schemas.microsoft.com/office/powerpoint/2010/main" val="833984232"/>
+      </p:ext>
+    </p:extLst>
+  </p:cSld>
+  <p:clrMapOvr>
+    <a:masterClrMapping/>
+  </p:clrMapOvr>
+</p:sld>
+</file>
+
+<file path=ppt/slides/slide21.xml><?xml version="1.0" encoding="utf-8"?>
+<p:sld xmlns:a="http://schemas.openxmlformats.org/drawingml/2006/main" xmlns:r="http://schemas.openxmlformats.org/officeDocument/2006/relationships" xmlns:p="http://schemas.openxmlformats.org/presentationml/2006/main">
+  <p:cSld>
+    <p:spTree>
+      <p:nvGrpSpPr>
         <p:cNvPr id="1" name="">
           <a:extLst>
             <a:ext uri="{FF2B5EF4-FFF2-40B4-BE49-F238E27FC236}">
@@ -7275,7 +7838,7 @@
 </p:sld>
 </file>
 
-<file path=ppt/slides/slide21.xml><?xml version="1.0" encoding="utf-8"?>
+<file path=ppt/slides/slide22.xml><?xml version="1.0" encoding="utf-8"?>
 <p:sld xmlns:a="http://schemas.openxmlformats.org/drawingml/2006/main" xmlns:r="http://schemas.openxmlformats.org/officeDocument/2006/relationships" xmlns:p="http://schemas.openxmlformats.org/presentationml/2006/main">
   <p:cSld>
     <p:spTree>
@@ -8790,7 +9353,7 @@
 </p:sld>
 </file>
 
-<file path=ppt/slides/slide22.xml><?xml version="1.0" encoding="utf-8"?>
+<file path=ppt/slides/slide23.xml><?xml version="1.0" encoding="utf-8"?>
 <p:sld xmlns:a="http://schemas.openxmlformats.org/drawingml/2006/main" xmlns:r="http://schemas.openxmlformats.org/officeDocument/2006/relationships" xmlns:p="http://schemas.openxmlformats.org/presentationml/2006/main">
   <p:cSld>
     <p:spTree>
@@ -8945,7 +9508,7 @@
 </p:sld>
 </file>
 
-<file path=ppt/slides/slide23.xml><?xml version="1.0" encoding="utf-8"?>
+<file path=ppt/slides/slide24.xml><?xml version="1.0" encoding="utf-8"?>
 <p:sld xmlns:a="http://schemas.openxmlformats.org/drawingml/2006/main" xmlns:r="http://schemas.openxmlformats.org/officeDocument/2006/relationships" xmlns:p="http://schemas.openxmlformats.org/presentationml/2006/main">
   <p:cSld>
     <p:spTree>
@@ -9124,7 +9687,7 @@
 </p:sld>
 </file>
 
-<file path=ppt/slides/slide24.xml><?xml version="1.0" encoding="utf-8"?>
+<file path=ppt/slides/slide25.xml><?xml version="1.0" encoding="utf-8"?>
 <p:sld xmlns:a="http://schemas.openxmlformats.org/drawingml/2006/main" xmlns:r="http://schemas.openxmlformats.org/officeDocument/2006/relationships" xmlns:p="http://schemas.openxmlformats.org/presentationml/2006/main">
   <p:cSld>
     <p:spTree>
@@ -9374,7 +9937,7 @@
 </p:sld>
 </file>
 
-<file path=ppt/slides/slide25.xml><?xml version="1.0" encoding="utf-8"?>
+<file path=ppt/slides/slide26.xml><?xml version="1.0" encoding="utf-8"?>
 <p:sld xmlns:a="http://schemas.openxmlformats.org/drawingml/2006/main" xmlns:r="http://schemas.openxmlformats.org/officeDocument/2006/relationships" xmlns:p="http://schemas.openxmlformats.org/presentationml/2006/main">
   <p:cSld>
     <p:spTree>
@@ -9830,7 +10393,7 @@
 </p:sld>
 </file>
 
-<file path=ppt/slides/slide26.xml><?xml version="1.0" encoding="utf-8"?>
+<file path=ppt/slides/slide27.xml><?xml version="1.0" encoding="utf-8"?>
 <p:sld xmlns:a="http://schemas.openxmlformats.org/drawingml/2006/main" xmlns:r="http://schemas.openxmlformats.org/officeDocument/2006/relationships" xmlns:p="http://schemas.openxmlformats.org/presentationml/2006/main">
   <p:cSld>
     <p:spTree>
@@ -10085,7 +10648,7 @@
 </p:sld>
 </file>
 
-<file path=ppt/slides/slide27.xml><?xml version="1.0" encoding="utf-8"?>
+<file path=ppt/slides/slide28.xml><?xml version="1.0" encoding="utf-8"?>
 <p:sld xmlns:a="http://schemas.openxmlformats.org/drawingml/2006/main" xmlns:r="http://schemas.openxmlformats.org/officeDocument/2006/relationships" xmlns:p="http://schemas.openxmlformats.org/presentationml/2006/main">
   <p:cSld>
     <p:spTree>
@@ -10432,7 +10995,7 @@
 </p:sld>
 </file>
 
-<file path=ppt/slides/slide28.xml><?xml version="1.0" encoding="utf-8"?>
+<file path=ppt/slides/slide29.xml><?xml version="1.0" encoding="utf-8"?>
 <p:sld xmlns:a="http://schemas.openxmlformats.org/drawingml/2006/main" xmlns:r="http://schemas.openxmlformats.org/officeDocument/2006/relationships" xmlns:p="http://schemas.openxmlformats.org/presentationml/2006/main">
   <p:cSld>
     <p:spTree>
@@ -10715,222 +11278,6 @@
     <p:extLst>
       <p:ext uri="{BB962C8B-B14F-4D97-AF65-F5344CB8AC3E}">
         <p14:creationId xmlns:p14="http://schemas.microsoft.com/office/powerpoint/2010/main" val="1167662065"/>
-      </p:ext>
-    </p:extLst>
-  </p:cSld>
-  <p:clrMapOvr>
-    <a:masterClrMapping/>
-  </p:clrMapOvr>
-</p:sld>
-</file>
-
-<file path=ppt/slides/slide29.xml><?xml version="1.0" encoding="utf-8"?>
-<p:sld xmlns:a="http://schemas.openxmlformats.org/drawingml/2006/main" xmlns:r="http://schemas.openxmlformats.org/officeDocument/2006/relationships" xmlns:p="http://schemas.openxmlformats.org/presentationml/2006/main">
-  <p:cSld>
-    <p:spTree>
-      <p:nvGrpSpPr>
-        <p:cNvPr id="1" name="">
-          <a:extLst>
-            <a:ext uri="{FF2B5EF4-FFF2-40B4-BE49-F238E27FC236}">
-              <a16:creationId xmlns:a16="http://schemas.microsoft.com/office/drawing/2014/main" id="{7E745D6B-213C-6C2E-7331-051F67237936}"/>
-            </a:ext>
-          </a:extLst>
-        </p:cNvPr>
-        <p:cNvGrpSpPr/>
-        <p:nvPr/>
-      </p:nvGrpSpPr>
-      <p:grpSpPr>
-        <a:xfrm>
-          <a:off x="0" y="0"/>
-          <a:ext cx="0" cy="0"/>
-          <a:chOff x="0" y="0"/>
-          <a:chExt cx="0" cy="0"/>
-        </a:xfrm>
-      </p:grpSpPr>
-      <p:sp>
-        <p:nvSpPr>
-          <p:cNvPr id="2" name="Title 1">
-            <a:extLst>
-              <a:ext uri="{FF2B5EF4-FFF2-40B4-BE49-F238E27FC236}">
-                <a16:creationId xmlns:a16="http://schemas.microsoft.com/office/drawing/2014/main" id="{1D0FB2EB-0573-60C5-AC90-5D455260F1B7}"/>
-              </a:ext>
-            </a:extLst>
-          </p:cNvPr>
-          <p:cNvSpPr>
-            <a:spLocks noGrp="1"/>
-          </p:cNvSpPr>
-          <p:nvPr>
-            <p:ph type="title"/>
-          </p:nvPr>
-        </p:nvSpPr>
-        <p:spPr/>
-        <p:txBody>
-          <a:bodyPr/>
-          <a:lstStyle/>
-          <a:p>
-            <a:r>
-              <a:rPr lang="cs-CZ" dirty="0"/>
-              <a:t>Doplnění chybějících hodnot u kategorií</a:t>
-            </a:r>
-            <a:endParaRPr lang="en-US" dirty="0"/>
-          </a:p>
-        </p:txBody>
-      </p:sp>
-      <p:sp>
-        <p:nvSpPr>
-          <p:cNvPr id="4" name="TextBox 3">
-            <a:extLst>
-              <a:ext uri="{FF2B5EF4-FFF2-40B4-BE49-F238E27FC236}">
-                <a16:creationId xmlns:a16="http://schemas.microsoft.com/office/drawing/2014/main" id="{50D7494B-68C2-60C9-A522-04E159A449C3}"/>
-              </a:ext>
-            </a:extLst>
-          </p:cNvPr>
-          <p:cNvSpPr txBox="1"/>
-          <p:nvPr/>
-        </p:nvSpPr>
-        <p:spPr>
-          <a:xfrm>
-            <a:off x="792163" y="1690688"/>
-            <a:ext cx="7368069" cy="800219"/>
-          </a:xfrm>
-          <a:prstGeom prst="rect">
-            <a:avLst/>
-          </a:prstGeom>
-          <a:noFill/>
-        </p:spPr>
-        <p:txBody>
-          <a:bodyPr wrap="square" rtlCol="0">
-            <a:spAutoFit/>
-          </a:bodyPr>
-          <a:lstStyle/>
-          <a:p>
-            <a:pPr>
-              <a:spcAft>
-                <a:spcPts val="1200"/>
-              </a:spcAft>
-            </a:pPr>
-            <a:endParaRPr lang="cs-CZ" b="0" dirty="0"/>
-          </a:p>
-          <a:p>
-            <a:pPr marL="285750" indent="-285750">
-              <a:spcAft>
-                <a:spcPts val="1200"/>
-              </a:spcAft>
-              <a:buFontTx/>
-              <a:buChar char="-"/>
-            </a:pPr>
-            <a:endParaRPr lang="cs-CZ" b="0" dirty="0"/>
-          </a:p>
-        </p:txBody>
-      </p:sp>
-      <p:sp>
-        <p:nvSpPr>
-          <p:cNvPr id="5" name="TextBox 4">
-            <a:extLst>
-              <a:ext uri="{FF2B5EF4-FFF2-40B4-BE49-F238E27FC236}">
-                <a16:creationId xmlns:a16="http://schemas.microsoft.com/office/drawing/2014/main" id="{66D7BE08-46D4-478D-EF5D-6A4A9FCBFAC5}"/>
-              </a:ext>
-            </a:extLst>
-          </p:cNvPr>
-          <p:cNvSpPr txBox="1"/>
-          <p:nvPr/>
-        </p:nvSpPr>
-        <p:spPr>
-          <a:xfrm>
-            <a:off x="472966" y="6085490"/>
-            <a:ext cx="9970113" cy="253916"/>
-          </a:xfrm>
-          <a:prstGeom prst="rect">
-            <a:avLst/>
-          </a:prstGeom>
-          <a:noFill/>
-        </p:spPr>
-        <p:txBody>
-          <a:bodyPr wrap="square" rtlCol="0">
-            <a:spAutoFit/>
-          </a:bodyPr>
-          <a:lstStyle/>
-          <a:p>
-            <a:r>
-              <a:rPr lang="en-US" sz="1050" b="0" i="0" dirty="0">
-                <a:solidFill>
-                  <a:srgbClr val="212529"/>
-                </a:solidFill>
-                <a:effectLst/>
-                <a:latin typeface="Open Sans" pitchFamily="2" charset="0"/>
-              </a:rPr>
-              <a:t>https://builtin.com/data-science/empirical-rule</a:t>
-            </a:r>
-            <a:endParaRPr lang="en-US" sz="1050" dirty="0"/>
-          </a:p>
-        </p:txBody>
-      </p:sp>
-      <p:sp>
-        <p:nvSpPr>
-          <p:cNvPr id="3" name="TextBox 2">
-            <a:extLst>
-              <a:ext uri="{FF2B5EF4-FFF2-40B4-BE49-F238E27FC236}">
-                <a16:creationId xmlns:a16="http://schemas.microsoft.com/office/drawing/2014/main" id="{A5AEAE72-18F2-38A1-D558-074A8504E5FB}"/>
-              </a:ext>
-            </a:extLst>
-          </p:cNvPr>
-          <p:cNvSpPr txBox="1"/>
-          <p:nvPr/>
-        </p:nvSpPr>
-        <p:spPr>
-          <a:xfrm>
-            <a:off x="792163" y="1690688"/>
-            <a:ext cx="7368069" cy="1231106"/>
-          </a:xfrm>
-          <a:prstGeom prst="rect">
-            <a:avLst/>
-          </a:prstGeom>
-          <a:noFill/>
-        </p:spPr>
-        <p:txBody>
-          <a:bodyPr wrap="square" rtlCol="0">
-            <a:spAutoFit/>
-          </a:bodyPr>
-          <a:lstStyle/>
-          <a:p>
-            <a:pPr>
-              <a:spcAft>
-                <a:spcPts val="1200"/>
-              </a:spcAft>
-            </a:pPr>
-            <a:r>
-              <a:rPr lang="cs-CZ" b="0" dirty="0"/>
-              <a:t>Kategorie „chybějící hodnoty“</a:t>
-            </a:r>
-          </a:p>
-          <a:p>
-            <a:pPr>
-              <a:spcAft>
-                <a:spcPts val="1200"/>
-              </a:spcAft>
-            </a:pPr>
-            <a:r>
-              <a:rPr lang="cs-CZ" b="0" dirty="0"/>
-              <a:t>Modální kategorie</a:t>
-            </a:r>
-          </a:p>
-          <a:p>
-            <a:pPr>
-              <a:spcAft>
-                <a:spcPts val="1200"/>
-              </a:spcAft>
-            </a:pPr>
-            <a:r>
-              <a:rPr lang="cs-CZ" b="0" dirty="0"/>
-              <a:t>Binární kategorie – pravděpodobnost z logistické regrese</a:t>
-            </a:r>
-          </a:p>
-        </p:txBody>
-      </p:sp>
-    </p:spTree>
-    <p:extLst>
-      <p:ext uri="{BB962C8B-B14F-4D97-AF65-F5344CB8AC3E}">
-        <p14:creationId xmlns:p14="http://schemas.microsoft.com/office/powerpoint/2010/main" val="5944958"/>
       </p:ext>
     </p:extLst>
   </p:cSld>
@@ -11237,6 +11584,222 @@
         <p:cNvPr id="1" name="">
           <a:extLst>
             <a:ext uri="{FF2B5EF4-FFF2-40B4-BE49-F238E27FC236}">
+              <a16:creationId xmlns:a16="http://schemas.microsoft.com/office/drawing/2014/main" id="{7E745D6B-213C-6C2E-7331-051F67237936}"/>
+            </a:ext>
+          </a:extLst>
+        </p:cNvPr>
+        <p:cNvGrpSpPr/>
+        <p:nvPr/>
+      </p:nvGrpSpPr>
+      <p:grpSpPr>
+        <a:xfrm>
+          <a:off x="0" y="0"/>
+          <a:ext cx="0" cy="0"/>
+          <a:chOff x="0" y="0"/>
+          <a:chExt cx="0" cy="0"/>
+        </a:xfrm>
+      </p:grpSpPr>
+      <p:sp>
+        <p:nvSpPr>
+          <p:cNvPr id="2" name="Title 1">
+            <a:extLst>
+              <a:ext uri="{FF2B5EF4-FFF2-40B4-BE49-F238E27FC236}">
+                <a16:creationId xmlns:a16="http://schemas.microsoft.com/office/drawing/2014/main" id="{1D0FB2EB-0573-60C5-AC90-5D455260F1B7}"/>
+              </a:ext>
+            </a:extLst>
+          </p:cNvPr>
+          <p:cNvSpPr>
+            <a:spLocks noGrp="1"/>
+          </p:cNvSpPr>
+          <p:nvPr>
+            <p:ph type="title"/>
+          </p:nvPr>
+        </p:nvSpPr>
+        <p:spPr/>
+        <p:txBody>
+          <a:bodyPr/>
+          <a:lstStyle/>
+          <a:p>
+            <a:r>
+              <a:rPr lang="cs-CZ" dirty="0"/>
+              <a:t>Doplnění chybějících hodnot u kategorií</a:t>
+            </a:r>
+            <a:endParaRPr lang="en-US" dirty="0"/>
+          </a:p>
+        </p:txBody>
+      </p:sp>
+      <p:sp>
+        <p:nvSpPr>
+          <p:cNvPr id="4" name="TextBox 3">
+            <a:extLst>
+              <a:ext uri="{FF2B5EF4-FFF2-40B4-BE49-F238E27FC236}">
+                <a16:creationId xmlns:a16="http://schemas.microsoft.com/office/drawing/2014/main" id="{50D7494B-68C2-60C9-A522-04E159A449C3}"/>
+              </a:ext>
+            </a:extLst>
+          </p:cNvPr>
+          <p:cNvSpPr txBox="1"/>
+          <p:nvPr/>
+        </p:nvSpPr>
+        <p:spPr>
+          <a:xfrm>
+            <a:off x="792163" y="1690688"/>
+            <a:ext cx="7368069" cy="800219"/>
+          </a:xfrm>
+          <a:prstGeom prst="rect">
+            <a:avLst/>
+          </a:prstGeom>
+          <a:noFill/>
+        </p:spPr>
+        <p:txBody>
+          <a:bodyPr wrap="square" rtlCol="0">
+            <a:spAutoFit/>
+          </a:bodyPr>
+          <a:lstStyle/>
+          <a:p>
+            <a:pPr>
+              <a:spcAft>
+                <a:spcPts val="1200"/>
+              </a:spcAft>
+            </a:pPr>
+            <a:endParaRPr lang="cs-CZ" b="0" dirty="0"/>
+          </a:p>
+          <a:p>
+            <a:pPr marL="285750" indent="-285750">
+              <a:spcAft>
+                <a:spcPts val="1200"/>
+              </a:spcAft>
+              <a:buFontTx/>
+              <a:buChar char="-"/>
+            </a:pPr>
+            <a:endParaRPr lang="cs-CZ" b="0" dirty="0"/>
+          </a:p>
+        </p:txBody>
+      </p:sp>
+      <p:sp>
+        <p:nvSpPr>
+          <p:cNvPr id="5" name="TextBox 4">
+            <a:extLst>
+              <a:ext uri="{FF2B5EF4-FFF2-40B4-BE49-F238E27FC236}">
+                <a16:creationId xmlns:a16="http://schemas.microsoft.com/office/drawing/2014/main" id="{66D7BE08-46D4-478D-EF5D-6A4A9FCBFAC5}"/>
+              </a:ext>
+            </a:extLst>
+          </p:cNvPr>
+          <p:cNvSpPr txBox="1"/>
+          <p:nvPr/>
+        </p:nvSpPr>
+        <p:spPr>
+          <a:xfrm>
+            <a:off x="472966" y="6085490"/>
+            <a:ext cx="9970113" cy="253916"/>
+          </a:xfrm>
+          <a:prstGeom prst="rect">
+            <a:avLst/>
+          </a:prstGeom>
+          <a:noFill/>
+        </p:spPr>
+        <p:txBody>
+          <a:bodyPr wrap="square" rtlCol="0">
+            <a:spAutoFit/>
+          </a:bodyPr>
+          <a:lstStyle/>
+          <a:p>
+            <a:r>
+              <a:rPr lang="en-US" sz="1050" b="0" i="0" dirty="0">
+                <a:solidFill>
+                  <a:srgbClr val="212529"/>
+                </a:solidFill>
+                <a:effectLst/>
+                <a:latin typeface="Open Sans" pitchFamily="2" charset="0"/>
+              </a:rPr>
+              <a:t>https://builtin.com/data-science/empirical-rule</a:t>
+            </a:r>
+            <a:endParaRPr lang="en-US" sz="1050" dirty="0"/>
+          </a:p>
+        </p:txBody>
+      </p:sp>
+      <p:sp>
+        <p:nvSpPr>
+          <p:cNvPr id="3" name="TextBox 2">
+            <a:extLst>
+              <a:ext uri="{FF2B5EF4-FFF2-40B4-BE49-F238E27FC236}">
+                <a16:creationId xmlns:a16="http://schemas.microsoft.com/office/drawing/2014/main" id="{A5AEAE72-18F2-38A1-D558-074A8504E5FB}"/>
+              </a:ext>
+            </a:extLst>
+          </p:cNvPr>
+          <p:cNvSpPr txBox="1"/>
+          <p:nvPr/>
+        </p:nvSpPr>
+        <p:spPr>
+          <a:xfrm>
+            <a:off x="792163" y="1690688"/>
+            <a:ext cx="7368069" cy="1231106"/>
+          </a:xfrm>
+          <a:prstGeom prst="rect">
+            <a:avLst/>
+          </a:prstGeom>
+          <a:noFill/>
+        </p:spPr>
+        <p:txBody>
+          <a:bodyPr wrap="square" rtlCol="0">
+            <a:spAutoFit/>
+          </a:bodyPr>
+          <a:lstStyle/>
+          <a:p>
+            <a:pPr>
+              <a:spcAft>
+                <a:spcPts val="1200"/>
+              </a:spcAft>
+            </a:pPr>
+            <a:r>
+              <a:rPr lang="cs-CZ" b="0" dirty="0"/>
+              <a:t>Kategorie „chybějící hodnoty“</a:t>
+            </a:r>
+          </a:p>
+          <a:p>
+            <a:pPr>
+              <a:spcAft>
+                <a:spcPts val="1200"/>
+              </a:spcAft>
+            </a:pPr>
+            <a:r>
+              <a:rPr lang="cs-CZ" b="0" dirty="0"/>
+              <a:t>Modální kategorie</a:t>
+            </a:r>
+          </a:p>
+          <a:p>
+            <a:pPr>
+              <a:spcAft>
+                <a:spcPts val="1200"/>
+              </a:spcAft>
+            </a:pPr>
+            <a:r>
+              <a:rPr lang="cs-CZ" b="0" dirty="0"/>
+              <a:t>Binární kategorie – pravděpodobnost z logistické regrese</a:t>
+            </a:r>
+          </a:p>
+        </p:txBody>
+      </p:sp>
+    </p:spTree>
+    <p:extLst>
+      <p:ext uri="{BB962C8B-B14F-4D97-AF65-F5344CB8AC3E}">
+        <p14:creationId xmlns:p14="http://schemas.microsoft.com/office/powerpoint/2010/main" val="5944958"/>
+      </p:ext>
+    </p:extLst>
+  </p:cSld>
+  <p:clrMapOvr>
+    <a:masterClrMapping/>
+  </p:clrMapOvr>
+</p:sld>
+</file>
+
+<file path=ppt/slides/slide31.xml><?xml version="1.0" encoding="utf-8"?>
+<p:sld xmlns:a="http://schemas.openxmlformats.org/drawingml/2006/main" xmlns:r="http://schemas.openxmlformats.org/officeDocument/2006/relationships" xmlns:p="http://schemas.openxmlformats.org/presentationml/2006/main">
+  <p:cSld>
+    <p:spTree>
+      <p:nvGrpSpPr>
+        <p:cNvPr id="1" name="">
+          <a:extLst>
+            <a:ext uri="{FF2B5EF4-FFF2-40B4-BE49-F238E27FC236}">
               <a16:creationId xmlns:a16="http://schemas.microsoft.com/office/drawing/2014/main" id="{943A6ABB-CE9A-7E0C-4137-F304A45063B0}"/>
             </a:ext>
           </a:extLst>
@@ -11417,177 +11980,6 @@
       </p:pic>
       <p:sp>
         <p:nvSpPr>
-          <p:cNvPr id="2" name="TextBox 1">
-            <a:extLst>
-              <a:ext uri="{FF2B5EF4-FFF2-40B4-BE49-F238E27FC236}">
-                <a16:creationId xmlns:a16="http://schemas.microsoft.com/office/drawing/2014/main" id="{6A5B7BDE-E9EB-9D5C-AB48-1BDF324213C8}"/>
-              </a:ext>
-            </a:extLst>
-          </p:cNvPr>
-          <p:cNvSpPr txBox="1"/>
-          <p:nvPr/>
-        </p:nvSpPr>
-        <p:spPr>
-          <a:xfrm>
-            <a:off x="460353" y="643466"/>
-            <a:ext cx="4792717" cy="1061829"/>
-          </a:xfrm>
-          <a:prstGeom prst="rect">
-            <a:avLst/>
-          </a:prstGeom>
-          <a:noFill/>
-          <a:ln>
-            <a:noFill/>
-          </a:ln>
-          <a:extLst>
-            <a:ext uri="{909E8E84-426E-40DD-AFC4-6F175D3DCCD1}">
-              <a14:hiddenFill xmlns:a14="http://schemas.microsoft.com/office/drawing/2010/main">
-                <a:solidFill>
-                  <a:srgbClr val="FFFFFF"/>
-                </a:solidFill>
-              </a14:hiddenFill>
-            </a:ext>
-            <a:ext uri="{91240B29-F687-4F45-9708-019B960494DF}">
-              <a14:hiddenLine xmlns:a14="http://schemas.microsoft.com/office/drawing/2010/main" w="9525">
-                <a:solidFill>
-                  <a:srgbClr val="000000"/>
-                </a:solidFill>
-                <a:miter lim="800000"/>
-                <a:headEnd/>
-                <a:tailEnd/>
-              </a14:hiddenLine>
-            </a:ext>
-          </a:extLst>
-        </p:spPr>
-        <p:txBody>
-          <a:bodyPr vert="horz" wrap="square" lIns="91440" tIns="45720" rIns="91440" bIns="45720" numCol="1" rtlCol="0" anchor="ctr" anchorCtr="0" compatLnSpc="1">
-            <a:prstTxWarp prst="textNoShape">
-              <a:avLst/>
-            </a:prstTxWarp>
-            <a:normAutofit/>
-          </a:bodyPr>
-          <a:lstStyle>
-            <a:lvl1pPr algn="ctr" eaLnBrk="1" hangingPunct="1">
-              <a:lnSpc>
-                <a:spcPct val="90000"/>
-              </a:lnSpc>
-              <a:defRPr sz="3500">
-                <a:solidFill>
-                  <a:srgbClr val="FFFFFF"/>
-                </a:solidFill>
-                <a:latin typeface="+mj-lt"/>
-                <a:ea typeface="+mj-ea"/>
-                <a:cs typeface="+mj-cs"/>
-              </a:defRPr>
-            </a:lvl1pPr>
-            <a:lvl2pPr>
-              <a:lnSpc>
-                <a:spcPct val="90000"/>
-              </a:lnSpc>
-              <a:defRPr sz="4400">
-                <a:latin typeface="Century Gothic" panose="020B0502020202020204" pitchFamily="34" charset="0"/>
-              </a:defRPr>
-            </a:lvl2pPr>
-            <a:lvl3pPr>
-              <a:lnSpc>
-                <a:spcPct val="90000"/>
-              </a:lnSpc>
-              <a:defRPr sz="4400">
-                <a:latin typeface="Century Gothic" panose="020B0502020202020204" pitchFamily="34" charset="0"/>
-              </a:defRPr>
-            </a:lvl3pPr>
-            <a:lvl4pPr>
-              <a:lnSpc>
-                <a:spcPct val="90000"/>
-              </a:lnSpc>
-              <a:defRPr sz="4400">
-                <a:latin typeface="Century Gothic" panose="020B0502020202020204" pitchFamily="34" charset="0"/>
-              </a:defRPr>
-            </a:lvl4pPr>
-            <a:lvl5pPr>
-              <a:lnSpc>
-                <a:spcPct val="90000"/>
-              </a:lnSpc>
-              <a:defRPr sz="4400">
-                <a:latin typeface="Century Gothic" panose="020B0502020202020204" pitchFamily="34" charset="0"/>
-              </a:defRPr>
-            </a:lvl5pPr>
-            <a:lvl6pPr marL="457200" fontAlgn="base">
-              <a:lnSpc>
-                <a:spcPct val="90000"/>
-              </a:lnSpc>
-              <a:spcBef>
-                <a:spcPct val="0"/>
-              </a:spcBef>
-              <a:spcAft>
-                <a:spcPct val="0"/>
-              </a:spcAft>
-              <a:defRPr sz="4400">
-                <a:latin typeface="Century Gothic" panose="020B0502020202020204" pitchFamily="34" charset="0"/>
-              </a:defRPr>
-            </a:lvl6pPr>
-            <a:lvl7pPr marL="914400" fontAlgn="base">
-              <a:lnSpc>
-                <a:spcPct val="90000"/>
-              </a:lnSpc>
-              <a:spcBef>
-                <a:spcPct val="0"/>
-              </a:spcBef>
-              <a:spcAft>
-                <a:spcPct val="0"/>
-              </a:spcAft>
-              <a:defRPr sz="4400">
-                <a:latin typeface="Century Gothic" panose="020B0502020202020204" pitchFamily="34" charset="0"/>
-              </a:defRPr>
-            </a:lvl7pPr>
-            <a:lvl8pPr marL="1371600" fontAlgn="base">
-              <a:lnSpc>
-                <a:spcPct val="90000"/>
-              </a:lnSpc>
-              <a:spcBef>
-                <a:spcPct val="0"/>
-              </a:spcBef>
-              <a:spcAft>
-                <a:spcPct val="0"/>
-              </a:spcAft>
-              <a:defRPr sz="4400">
-                <a:latin typeface="Century Gothic" panose="020B0502020202020204" pitchFamily="34" charset="0"/>
-              </a:defRPr>
-            </a:lvl8pPr>
-            <a:lvl9pPr marL="1828800" fontAlgn="base">
-              <a:lnSpc>
-                <a:spcPct val="90000"/>
-              </a:lnSpc>
-              <a:spcBef>
-                <a:spcPct val="0"/>
-              </a:spcBef>
-              <a:spcAft>
-                <a:spcPct val="0"/>
-              </a:spcAft>
-              <a:defRPr sz="4400">
-                <a:latin typeface="Century Gothic" panose="020B0502020202020204" pitchFamily="34" charset="0"/>
-              </a:defRPr>
-            </a:lvl9pPr>
-          </a:lstStyle>
-          <a:p>
-            <a:r>
-              <a:rPr lang="cs-CZ" dirty="0">
-                <a:solidFill>
-                  <a:srgbClr val="292929"/>
-                </a:solidFill>
-              </a:rPr>
-              <a:t>Výzkumná otázka</a:t>
-            </a:r>
-            <a:endParaRPr lang="en-US" dirty="0">
-              <a:solidFill>
-                <a:srgbClr val="292929"/>
-              </a:solidFill>
-            </a:endParaRPr>
-          </a:p>
-        </p:txBody>
-      </p:sp>
-      <p:sp>
-        <p:nvSpPr>
           <p:cNvPr id="4" name="TextBox 3">
             <a:extLst>
               <a:ext uri="{FF2B5EF4-FFF2-40B4-BE49-F238E27FC236}">
@@ -12415,6 +12807,126 @@
   <p:cSld>
     <p:spTree>
       <p:nvGrpSpPr>
+        <p:cNvPr id="1" name=""/>
+        <p:cNvGrpSpPr/>
+        <p:nvPr/>
+      </p:nvGrpSpPr>
+      <p:grpSpPr>
+        <a:xfrm>
+          <a:off x="0" y="0"/>
+          <a:ext cx="0" cy="0"/>
+          <a:chOff x="0" y="0"/>
+          <a:chExt cx="0" cy="0"/>
+        </a:xfrm>
+      </p:grpSpPr>
+      <p:pic>
+        <p:nvPicPr>
+          <p:cNvPr id="1026" name="Picture 2" descr="Interesting survey! : r/mathmemes">
+            <a:extLst>
+              <a:ext uri="{FF2B5EF4-FFF2-40B4-BE49-F238E27FC236}">
+                <a16:creationId xmlns:a16="http://schemas.microsoft.com/office/drawing/2014/main" id="{68AEE44C-645C-9078-C5B3-1DC9BFD47E2E}"/>
+              </a:ext>
+            </a:extLst>
+          </p:cNvPr>
+          <p:cNvPicPr>
+            <a:picLocks noChangeAspect="1" noChangeArrowheads="1"/>
+          </p:cNvPicPr>
+          <p:nvPr/>
+        </p:nvPicPr>
+        <p:blipFill>
+          <a:blip r:embed="rId2">
+            <a:extLst>
+              <a:ext uri="{28A0092B-C50C-407E-A947-70E740481C1C}">
+                <a14:useLocalDpi xmlns:a14="http://schemas.microsoft.com/office/drawing/2010/main" val="0"/>
+              </a:ext>
+            </a:extLst>
+          </a:blip>
+          <a:srcRect/>
+          <a:stretch>
+            <a:fillRect/>
+          </a:stretch>
+        </p:blipFill>
+        <p:spPr bwMode="auto">
+          <a:xfrm>
+            <a:off x="742874" y="277933"/>
+            <a:ext cx="6858000" cy="5810250"/>
+          </a:xfrm>
+          <a:prstGeom prst="rect">
+            <a:avLst/>
+          </a:prstGeom>
+          <a:noFill/>
+          <a:extLst>
+            <a:ext uri="{909E8E84-426E-40DD-AFC4-6F175D3DCCD1}">
+              <a14:hiddenFill xmlns:a14="http://schemas.microsoft.com/office/drawing/2010/main">
+                <a:solidFill>
+                  <a:srgbClr val="FFFFFF"/>
+                </a:solidFill>
+              </a14:hiddenFill>
+            </a:ext>
+          </a:extLst>
+        </p:spPr>
+      </p:pic>
+      <p:sp>
+        <p:nvSpPr>
+          <p:cNvPr id="6" name="TextBox 5">
+            <a:extLst>
+              <a:ext uri="{FF2B5EF4-FFF2-40B4-BE49-F238E27FC236}">
+                <a16:creationId xmlns:a16="http://schemas.microsoft.com/office/drawing/2014/main" id="{440890A9-C235-0CBD-7E1A-CE9A2B908215}"/>
+              </a:ext>
+            </a:extLst>
+          </p:cNvPr>
+          <p:cNvSpPr txBox="1"/>
+          <p:nvPr/>
+        </p:nvSpPr>
+        <p:spPr>
+          <a:xfrm>
+            <a:off x="472966" y="6274676"/>
+            <a:ext cx="9970113" cy="253916"/>
+          </a:xfrm>
+          <a:prstGeom prst="rect">
+            <a:avLst/>
+          </a:prstGeom>
+          <a:noFill/>
+        </p:spPr>
+        <p:txBody>
+          <a:bodyPr wrap="square" rtlCol="0">
+            <a:spAutoFit/>
+          </a:bodyPr>
+          <a:lstStyle/>
+          <a:p>
+            <a:r>
+              <a:rPr lang="en-US" sz="1050" b="0" i="0" dirty="0">
+                <a:solidFill>
+                  <a:srgbClr val="212529"/>
+                </a:solidFill>
+                <a:effectLst/>
+                <a:latin typeface="Open Sans" pitchFamily="2" charset="0"/>
+                <a:hlinkClick r:id="rId3"/>
+              </a:rPr>
+              <a:t>https://www.reddit.com/r/mathmemes/comments/uoc3zq/interesting_survey</a:t>
+            </a:r>
+            <a:endParaRPr lang="en-US" sz="1050" dirty="0"/>
+          </a:p>
+        </p:txBody>
+      </p:sp>
+    </p:spTree>
+    <p:extLst>
+      <p:ext uri="{BB962C8B-B14F-4D97-AF65-F5344CB8AC3E}">
+        <p14:creationId xmlns:p14="http://schemas.microsoft.com/office/powerpoint/2010/main" val="1381463619"/>
+      </p:ext>
+    </p:extLst>
+  </p:cSld>
+  <p:clrMapOvr>
+    <a:masterClrMapping/>
+  </p:clrMapOvr>
+</p:sld>
+</file>
+
+<file path=ppt/slides/slide7.xml><?xml version="1.0" encoding="utf-8"?>
+<p:sld xmlns:a="http://schemas.openxmlformats.org/drawingml/2006/main" xmlns:r="http://schemas.openxmlformats.org/officeDocument/2006/relationships" xmlns:p="http://schemas.openxmlformats.org/presentationml/2006/main">
+  <p:cSld>
+    <p:spTree>
+      <p:nvGrpSpPr>
         <p:cNvPr id="1" name="">
           <a:extLst>
             <a:ext uri="{FF2B5EF4-FFF2-40B4-BE49-F238E27FC236}">
@@ -13074,7 +13586,7 @@
 </p:sld>
 </file>
 
-<file path=ppt/slides/slide7.xml><?xml version="1.0" encoding="utf-8"?>
+<file path=ppt/slides/slide8.xml><?xml version="1.0" encoding="utf-8"?>
 <p:sld xmlns:a="http://schemas.openxmlformats.org/drawingml/2006/main" xmlns:r="http://schemas.openxmlformats.org/officeDocument/2006/relationships" xmlns:p="http://schemas.openxmlformats.org/presentationml/2006/main">
   <p:cSld>
     <p:spTree>
@@ -13669,7 +14181,7 @@
 </p:sld>
 </file>
 
-<file path=ppt/slides/slide8.xml><?xml version="1.0" encoding="utf-8"?>
+<file path=ppt/slides/slide9.xml><?xml version="1.0" encoding="utf-8"?>
 <p:sld xmlns:a="http://schemas.openxmlformats.org/drawingml/2006/main" xmlns:r="http://schemas.openxmlformats.org/officeDocument/2006/relationships" xmlns:p="http://schemas.openxmlformats.org/presentationml/2006/main">
   <p:cSld>
     <p:spTree>
@@ -14225,568 +14737,6 @@
     <p:extLst>
       <p:ext uri="{BB962C8B-B14F-4D97-AF65-F5344CB8AC3E}">
         <p14:creationId xmlns:p14="http://schemas.microsoft.com/office/powerpoint/2010/main" val="669199843"/>
-      </p:ext>
-    </p:extLst>
-  </p:cSld>
-  <p:clrMapOvr>
-    <a:masterClrMapping/>
-  </p:clrMapOvr>
-</p:sld>
-</file>
-
-<file path=ppt/slides/slide9.xml><?xml version="1.0" encoding="utf-8"?>
-<p:sld xmlns:a="http://schemas.openxmlformats.org/drawingml/2006/main" xmlns:r="http://schemas.openxmlformats.org/officeDocument/2006/relationships" xmlns:p="http://schemas.openxmlformats.org/presentationml/2006/main">
-  <p:cSld>
-    <p:spTree>
-      <p:nvGrpSpPr>
-        <p:cNvPr id="1" name="">
-          <a:extLst>
-            <a:ext uri="{FF2B5EF4-FFF2-40B4-BE49-F238E27FC236}">
-              <a16:creationId xmlns:a16="http://schemas.microsoft.com/office/drawing/2014/main" id="{7390FB0D-FAF3-E8EC-9672-2F4E1DA22B51}"/>
-            </a:ext>
-          </a:extLst>
-        </p:cNvPr>
-        <p:cNvGrpSpPr/>
-        <p:nvPr/>
-      </p:nvGrpSpPr>
-      <p:grpSpPr>
-        <a:xfrm>
-          <a:off x="0" y="0"/>
-          <a:ext cx="0" cy="0"/>
-          <a:chOff x="0" y="0"/>
-          <a:chExt cx="0" cy="0"/>
-        </a:xfrm>
-      </p:grpSpPr>
-      <p:sp>
-        <p:nvSpPr>
-          <p:cNvPr id="14338" name="Rectangle 2">
-            <a:extLst>
-              <a:ext uri="{FF2B5EF4-FFF2-40B4-BE49-F238E27FC236}">
-                <a16:creationId xmlns:a16="http://schemas.microsoft.com/office/drawing/2014/main" id="{628117EF-68F1-F371-3288-9E7111C37BFF}"/>
-              </a:ext>
-            </a:extLst>
-          </p:cNvPr>
-          <p:cNvSpPr>
-            <a:spLocks noGrp="1"/>
-          </p:cNvSpPr>
-          <p:nvPr>
-            <p:ph type="title" idx="4294967295"/>
-          </p:nvPr>
-        </p:nvSpPr>
-        <p:spPr>
-          <a:xfrm>
-            <a:off x="972175" y="1967266"/>
-            <a:ext cx="2484447" cy="2547257"/>
-          </a:xfrm>
-          <a:noFill/>
-        </p:spPr>
-        <p:txBody>
-          <a:bodyPr vert="horz" lIns="91440" tIns="45720" rIns="91440" bIns="45720" rtlCol="0" anchor="ctr">
-            <a:normAutofit/>
-          </a:bodyPr>
-          <a:lstStyle/>
-          <a:p>
-            <a:pPr algn="ctr" eaLnBrk="1" hangingPunct="1"/>
-            <a:r>
-              <a:rPr lang="en-US" altLang="cs-CZ" sz="3500" kern="1200" dirty="0">
-                <a:solidFill>
-                  <a:srgbClr val="FFFFFF"/>
-                </a:solidFill>
-                <a:latin typeface="+mj-lt"/>
-                <a:ea typeface="+mj-ea"/>
-                <a:cs typeface="+mj-cs"/>
-              </a:rPr>
-              <a:t>CRISP-DM</a:t>
-            </a:r>
-          </a:p>
-        </p:txBody>
-      </p:sp>
-      <p:pic>
-        <p:nvPicPr>
-          <p:cNvPr id="1030" name="Picture 6" descr="CRISP-DM (data mining framework). | Download Scientific Diagram">
-            <a:extLst>
-              <a:ext uri="{FF2B5EF4-FFF2-40B4-BE49-F238E27FC236}">
-                <a16:creationId xmlns:a16="http://schemas.microsoft.com/office/drawing/2014/main" id="{E59DAF89-FA6E-B742-A645-472648ED6AA1}"/>
-              </a:ext>
-            </a:extLst>
-          </p:cNvPr>
-          <p:cNvPicPr>
-            <a:picLocks noChangeAspect="1" noChangeArrowheads="1"/>
-          </p:cNvPicPr>
-          <p:nvPr/>
-        </p:nvPicPr>
-        <p:blipFill>
-          <a:blip r:embed="rId2">
-            <a:extLst>
-              <a:ext uri="{28A0092B-C50C-407E-A947-70E740481C1C}">
-                <a14:useLocalDpi xmlns:a14="http://schemas.microsoft.com/office/drawing/2010/main" val="0"/>
-              </a:ext>
-            </a:extLst>
-          </a:blip>
-          <a:stretch>
-            <a:fillRect/>
-          </a:stretch>
-        </p:blipFill>
-        <p:spPr bwMode="auto">
-          <a:xfrm>
-            <a:off x="4909188" y="643466"/>
-            <a:ext cx="5619363" cy="5568739"/>
-          </a:xfrm>
-          <a:prstGeom prst="rect">
-            <a:avLst/>
-          </a:prstGeom>
-          <a:noFill/>
-          <a:extLst>
-            <a:ext uri="{909E8E84-426E-40DD-AFC4-6F175D3DCCD1}">
-              <a14:hiddenFill xmlns:a14="http://schemas.microsoft.com/office/drawing/2010/main">
-                <a:solidFill>
-                  <a:srgbClr val="FFFFFF"/>
-                </a:solidFill>
-              </a14:hiddenFill>
-            </a:ext>
-          </a:extLst>
-        </p:spPr>
-      </p:pic>
-      <p:sp>
-        <p:nvSpPr>
-          <p:cNvPr id="2" name="TextBox 1">
-            <a:extLst>
-              <a:ext uri="{FF2B5EF4-FFF2-40B4-BE49-F238E27FC236}">
-                <a16:creationId xmlns:a16="http://schemas.microsoft.com/office/drawing/2014/main" id="{1E1D7D13-9364-50D9-5A16-B602726CE8EE}"/>
-              </a:ext>
-            </a:extLst>
-          </p:cNvPr>
-          <p:cNvSpPr txBox="1"/>
-          <p:nvPr/>
-        </p:nvSpPr>
-        <p:spPr>
-          <a:xfrm>
-            <a:off x="460353" y="643466"/>
-            <a:ext cx="4792717" cy="1061829"/>
-          </a:xfrm>
-          <a:prstGeom prst="rect">
-            <a:avLst/>
-          </a:prstGeom>
-          <a:noFill/>
-          <a:ln>
-            <a:noFill/>
-          </a:ln>
-          <a:extLst>
-            <a:ext uri="{909E8E84-426E-40DD-AFC4-6F175D3DCCD1}">
-              <a14:hiddenFill xmlns:a14="http://schemas.microsoft.com/office/drawing/2010/main">
-                <a:solidFill>
-                  <a:srgbClr val="FFFFFF"/>
-                </a:solidFill>
-              </a14:hiddenFill>
-            </a:ext>
-            <a:ext uri="{91240B29-F687-4F45-9708-019B960494DF}">
-              <a14:hiddenLine xmlns:a14="http://schemas.microsoft.com/office/drawing/2010/main" w="9525">
-                <a:solidFill>
-                  <a:srgbClr val="000000"/>
-                </a:solidFill>
-                <a:miter lim="800000"/>
-                <a:headEnd/>
-                <a:tailEnd/>
-              </a14:hiddenLine>
-            </a:ext>
-          </a:extLst>
-        </p:spPr>
-        <p:txBody>
-          <a:bodyPr vert="horz" wrap="square" lIns="91440" tIns="45720" rIns="91440" bIns="45720" numCol="1" rtlCol="0" anchor="ctr" anchorCtr="0" compatLnSpc="1">
-            <a:prstTxWarp prst="textNoShape">
-              <a:avLst/>
-            </a:prstTxWarp>
-            <a:normAutofit/>
-          </a:bodyPr>
-          <a:lstStyle>
-            <a:lvl1pPr algn="ctr" eaLnBrk="1" hangingPunct="1">
-              <a:lnSpc>
-                <a:spcPct val="90000"/>
-              </a:lnSpc>
-              <a:defRPr sz="3500">
-                <a:solidFill>
-                  <a:srgbClr val="FFFFFF"/>
-                </a:solidFill>
-                <a:latin typeface="+mj-lt"/>
-                <a:ea typeface="+mj-ea"/>
-                <a:cs typeface="+mj-cs"/>
-              </a:defRPr>
-            </a:lvl1pPr>
-            <a:lvl2pPr>
-              <a:lnSpc>
-                <a:spcPct val="90000"/>
-              </a:lnSpc>
-              <a:defRPr sz="4400">
-                <a:latin typeface="Century Gothic" panose="020B0502020202020204" pitchFamily="34" charset="0"/>
-              </a:defRPr>
-            </a:lvl2pPr>
-            <a:lvl3pPr>
-              <a:lnSpc>
-                <a:spcPct val="90000"/>
-              </a:lnSpc>
-              <a:defRPr sz="4400">
-                <a:latin typeface="Century Gothic" panose="020B0502020202020204" pitchFamily="34" charset="0"/>
-              </a:defRPr>
-            </a:lvl3pPr>
-            <a:lvl4pPr>
-              <a:lnSpc>
-                <a:spcPct val="90000"/>
-              </a:lnSpc>
-              <a:defRPr sz="4400">
-                <a:latin typeface="Century Gothic" panose="020B0502020202020204" pitchFamily="34" charset="0"/>
-              </a:defRPr>
-            </a:lvl4pPr>
-            <a:lvl5pPr>
-              <a:lnSpc>
-                <a:spcPct val="90000"/>
-              </a:lnSpc>
-              <a:defRPr sz="4400">
-                <a:latin typeface="Century Gothic" panose="020B0502020202020204" pitchFamily="34" charset="0"/>
-              </a:defRPr>
-            </a:lvl5pPr>
-            <a:lvl6pPr marL="457200" fontAlgn="base">
-              <a:lnSpc>
-                <a:spcPct val="90000"/>
-              </a:lnSpc>
-              <a:spcBef>
-                <a:spcPct val="0"/>
-              </a:spcBef>
-              <a:spcAft>
-                <a:spcPct val="0"/>
-              </a:spcAft>
-              <a:defRPr sz="4400">
-                <a:latin typeface="Century Gothic" panose="020B0502020202020204" pitchFamily="34" charset="0"/>
-              </a:defRPr>
-            </a:lvl6pPr>
-            <a:lvl7pPr marL="914400" fontAlgn="base">
-              <a:lnSpc>
-                <a:spcPct val="90000"/>
-              </a:lnSpc>
-              <a:spcBef>
-                <a:spcPct val="0"/>
-              </a:spcBef>
-              <a:spcAft>
-                <a:spcPct val="0"/>
-              </a:spcAft>
-              <a:defRPr sz="4400">
-                <a:latin typeface="Century Gothic" panose="020B0502020202020204" pitchFamily="34" charset="0"/>
-              </a:defRPr>
-            </a:lvl7pPr>
-            <a:lvl8pPr marL="1371600" fontAlgn="base">
-              <a:lnSpc>
-                <a:spcPct val="90000"/>
-              </a:lnSpc>
-              <a:spcBef>
-                <a:spcPct val="0"/>
-              </a:spcBef>
-              <a:spcAft>
-                <a:spcPct val="0"/>
-              </a:spcAft>
-              <a:defRPr sz="4400">
-                <a:latin typeface="Century Gothic" panose="020B0502020202020204" pitchFamily="34" charset="0"/>
-              </a:defRPr>
-            </a:lvl8pPr>
-            <a:lvl9pPr marL="1828800" fontAlgn="base">
-              <a:lnSpc>
-                <a:spcPct val="90000"/>
-              </a:lnSpc>
-              <a:spcBef>
-                <a:spcPct val="0"/>
-              </a:spcBef>
-              <a:spcAft>
-                <a:spcPct val="0"/>
-              </a:spcAft>
-              <a:defRPr sz="4400">
-                <a:latin typeface="Century Gothic" panose="020B0502020202020204" pitchFamily="34" charset="0"/>
-              </a:defRPr>
-            </a:lvl9pPr>
-          </a:lstStyle>
-          <a:p>
-            <a:r>
-              <a:rPr lang="cs-CZ" dirty="0">
-                <a:solidFill>
-                  <a:srgbClr val="292929"/>
-                </a:solidFill>
-              </a:rPr>
-              <a:t>Vyhodnocení</a:t>
-            </a:r>
-            <a:endParaRPr lang="en-US" dirty="0">
-              <a:solidFill>
-                <a:srgbClr val="292929"/>
-              </a:solidFill>
-            </a:endParaRPr>
-          </a:p>
-        </p:txBody>
-      </p:sp>
-      <p:sp>
-        <p:nvSpPr>
-          <p:cNvPr id="4" name="TextBox 3">
-            <a:extLst>
-              <a:ext uri="{FF2B5EF4-FFF2-40B4-BE49-F238E27FC236}">
-                <a16:creationId xmlns:a16="http://schemas.microsoft.com/office/drawing/2014/main" id="{63202D03-3644-3591-CFB3-E69D454FDD5D}"/>
-              </a:ext>
-            </a:extLst>
-          </p:cNvPr>
-          <p:cNvSpPr txBox="1"/>
-          <p:nvPr/>
-        </p:nvSpPr>
-        <p:spPr>
-          <a:xfrm>
-            <a:off x="756744" y="1848130"/>
-            <a:ext cx="4597225" cy="3159409"/>
-          </a:xfrm>
-          <a:prstGeom prst="rect">
-            <a:avLst/>
-          </a:prstGeom>
-          <a:noFill/>
-          <a:ln>
-            <a:noFill/>
-          </a:ln>
-          <a:extLst>
-            <a:ext uri="{909E8E84-426E-40DD-AFC4-6F175D3DCCD1}">
-              <a14:hiddenFill xmlns:a14="http://schemas.microsoft.com/office/drawing/2010/main">
-                <a:solidFill>
-                  <a:srgbClr val="FFFFFF"/>
-                </a:solidFill>
-              </a14:hiddenFill>
-            </a:ext>
-            <a:ext uri="{91240B29-F687-4F45-9708-019B960494DF}">
-              <a14:hiddenLine xmlns:a14="http://schemas.microsoft.com/office/drawing/2010/main" w="9525">
-                <a:solidFill>
-                  <a:srgbClr val="000000"/>
-                </a:solidFill>
-                <a:miter lim="800000"/>
-                <a:headEnd/>
-                <a:tailEnd/>
-              </a14:hiddenLine>
-            </a:ext>
-          </a:extLst>
-        </p:spPr>
-        <p:txBody>
-          <a:bodyPr vert="horz" wrap="square" lIns="91440" tIns="45720" rIns="91440" bIns="45720" numCol="1" rtlCol="0" anchor="ctr" anchorCtr="0" compatLnSpc="1">
-            <a:prstTxWarp prst="textNoShape">
-              <a:avLst/>
-            </a:prstTxWarp>
-            <a:normAutofit/>
-          </a:bodyPr>
-          <a:lstStyle>
-            <a:lvl1pPr algn="ctr" eaLnBrk="1" hangingPunct="1">
-              <a:lnSpc>
-                <a:spcPct val="90000"/>
-              </a:lnSpc>
-              <a:defRPr sz="3500">
-                <a:solidFill>
-                  <a:srgbClr val="FFFFFF"/>
-                </a:solidFill>
-                <a:latin typeface="+mj-lt"/>
-                <a:ea typeface="+mj-ea"/>
-                <a:cs typeface="+mj-cs"/>
-              </a:defRPr>
-            </a:lvl1pPr>
-            <a:lvl2pPr>
-              <a:lnSpc>
-                <a:spcPct val="90000"/>
-              </a:lnSpc>
-              <a:defRPr sz="4400">
-                <a:latin typeface="Century Gothic" panose="020B0502020202020204" pitchFamily="34" charset="0"/>
-              </a:defRPr>
-            </a:lvl2pPr>
-            <a:lvl3pPr>
-              <a:lnSpc>
-                <a:spcPct val="90000"/>
-              </a:lnSpc>
-              <a:defRPr sz="4400">
-                <a:latin typeface="Century Gothic" panose="020B0502020202020204" pitchFamily="34" charset="0"/>
-              </a:defRPr>
-            </a:lvl3pPr>
-            <a:lvl4pPr>
-              <a:lnSpc>
-                <a:spcPct val="90000"/>
-              </a:lnSpc>
-              <a:defRPr sz="4400">
-                <a:latin typeface="Century Gothic" panose="020B0502020202020204" pitchFamily="34" charset="0"/>
-              </a:defRPr>
-            </a:lvl4pPr>
-            <a:lvl5pPr>
-              <a:lnSpc>
-                <a:spcPct val="90000"/>
-              </a:lnSpc>
-              <a:defRPr sz="4400">
-                <a:latin typeface="Century Gothic" panose="020B0502020202020204" pitchFamily="34" charset="0"/>
-              </a:defRPr>
-            </a:lvl5pPr>
-            <a:lvl6pPr marL="457200" fontAlgn="base">
-              <a:lnSpc>
-                <a:spcPct val="90000"/>
-              </a:lnSpc>
-              <a:spcBef>
-                <a:spcPct val="0"/>
-              </a:spcBef>
-              <a:spcAft>
-                <a:spcPct val="0"/>
-              </a:spcAft>
-              <a:defRPr sz="4400">
-                <a:latin typeface="Century Gothic" panose="020B0502020202020204" pitchFamily="34" charset="0"/>
-              </a:defRPr>
-            </a:lvl6pPr>
-            <a:lvl7pPr marL="914400" fontAlgn="base">
-              <a:lnSpc>
-                <a:spcPct val="90000"/>
-              </a:lnSpc>
-              <a:spcBef>
-                <a:spcPct val="0"/>
-              </a:spcBef>
-              <a:spcAft>
-                <a:spcPct val="0"/>
-              </a:spcAft>
-              <a:defRPr sz="4400">
-                <a:latin typeface="Century Gothic" panose="020B0502020202020204" pitchFamily="34" charset="0"/>
-              </a:defRPr>
-            </a:lvl7pPr>
-            <a:lvl8pPr marL="1371600" fontAlgn="base">
-              <a:lnSpc>
-                <a:spcPct val="90000"/>
-              </a:lnSpc>
-              <a:spcBef>
-                <a:spcPct val="0"/>
-              </a:spcBef>
-              <a:spcAft>
-                <a:spcPct val="0"/>
-              </a:spcAft>
-              <a:defRPr sz="4400">
-                <a:latin typeface="Century Gothic" panose="020B0502020202020204" pitchFamily="34" charset="0"/>
-              </a:defRPr>
-            </a:lvl8pPr>
-            <a:lvl9pPr marL="1828800" fontAlgn="base">
-              <a:lnSpc>
-                <a:spcPct val="90000"/>
-              </a:lnSpc>
-              <a:spcBef>
-                <a:spcPct val="0"/>
-              </a:spcBef>
-              <a:spcAft>
-                <a:spcPct val="0"/>
-              </a:spcAft>
-              <a:defRPr sz="4400">
-                <a:latin typeface="Century Gothic" panose="020B0502020202020204" pitchFamily="34" charset="0"/>
-              </a:defRPr>
-            </a:lvl9pPr>
-          </a:lstStyle>
-          <a:p>
-            <a:pPr algn="l">
-              <a:spcAft>
-                <a:spcPts val="1200"/>
-              </a:spcAft>
-            </a:pPr>
-            <a:r>
-              <a:rPr lang="cs-CZ" sz="2400" b="0" dirty="0">
-                <a:solidFill>
-                  <a:srgbClr val="292929"/>
-                </a:solidFill>
-              </a:rPr>
-              <a:t>Odpověď na výzkumné otázky</a:t>
-            </a:r>
-          </a:p>
-          <a:p>
-            <a:pPr algn="l">
-              <a:spcAft>
-                <a:spcPts val="1200"/>
-              </a:spcAft>
-            </a:pPr>
-            <a:r>
-              <a:rPr lang="cs-CZ" sz="2400" b="0" dirty="0">
-                <a:solidFill>
-                  <a:srgbClr val="292929"/>
-                </a:solidFill>
-              </a:rPr>
-              <a:t>Limitace studie</a:t>
-            </a:r>
-          </a:p>
-          <a:p>
-            <a:pPr algn="l">
-              <a:spcAft>
-                <a:spcPts val="1200"/>
-              </a:spcAft>
-            </a:pPr>
-            <a:r>
-              <a:rPr lang="cs-CZ" sz="2400" b="0" dirty="0">
-                <a:solidFill>
-                  <a:srgbClr val="292929"/>
-                </a:solidFill>
-              </a:rPr>
-              <a:t>Souhlasí výsledky s aktuálním poznáním?</a:t>
-            </a:r>
-          </a:p>
-          <a:p>
-            <a:pPr algn="l">
-              <a:spcAft>
-                <a:spcPts val="1200"/>
-              </a:spcAft>
-            </a:pPr>
-            <a:endParaRPr lang="cs-CZ" sz="2400" b="0" dirty="0">
-              <a:solidFill>
-                <a:srgbClr val="292929"/>
-              </a:solidFill>
-            </a:endParaRPr>
-          </a:p>
-        </p:txBody>
-      </p:sp>
-      <p:sp>
-        <p:nvSpPr>
-          <p:cNvPr id="5" name="Rectangle 4">
-            <a:extLst>
-              <a:ext uri="{FF2B5EF4-FFF2-40B4-BE49-F238E27FC236}">
-                <a16:creationId xmlns:a16="http://schemas.microsoft.com/office/drawing/2014/main" id="{372F2041-CBAC-E079-559C-ABB8B05A9071}"/>
-              </a:ext>
-            </a:extLst>
-          </p:cNvPr>
-          <p:cNvSpPr/>
-          <p:nvPr/>
-        </p:nvSpPr>
-        <p:spPr>
-          <a:xfrm>
-            <a:off x="6897516" y="4612922"/>
-            <a:ext cx="1589165" cy="908094"/>
-          </a:xfrm>
-          <a:prstGeom prst="rect">
-            <a:avLst/>
-          </a:prstGeom>
-          <a:noFill/>
-          <a:ln w="57150">
-            <a:solidFill>
-              <a:srgbClr val="993300"/>
-            </a:solidFill>
-          </a:ln>
-        </p:spPr>
-        <p:style>
-          <a:lnRef idx="2">
-            <a:schemeClr val="accent1">
-              <a:shade val="15000"/>
-            </a:schemeClr>
-          </a:lnRef>
-          <a:fillRef idx="1">
-            <a:schemeClr val="accent1"/>
-          </a:fillRef>
-          <a:effectRef idx="0">
-            <a:schemeClr val="accent1"/>
-          </a:effectRef>
-          <a:fontRef idx="minor">
-            <a:schemeClr val="lt1"/>
-          </a:fontRef>
-        </p:style>
-        <p:txBody>
-          <a:bodyPr rtlCol="0" anchor="ctr"/>
-          <a:lstStyle/>
-          <a:p>
-            <a:pPr algn="ctr"/>
-            <a:endParaRPr lang="en-US"/>
-          </a:p>
-        </p:txBody>
-      </p:sp>
-    </p:spTree>
-    <p:extLst>
-      <p:ext uri="{BB962C8B-B14F-4D97-AF65-F5344CB8AC3E}">
-        <p14:creationId xmlns:p14="http://schemas.microsoft.com/office/powerpoint/2010/main" val="4198741578"/>
       </p:ext>
     </p:extLst>
   </p:cSld>
@@ -15479,6 +15429,15 @@
 </file>
 
 <file path=customXml/item1.xml><?xml version="1.0" encoding="utf-8"?>
+<?mso-contentType ?>
+<FormTemplates xmlns="http://schemas.microsoft.com/sharepoint/v3/contenttype/forms">
+  <Display>DocumentLibraryForm</Display>
+  <Edit>DocumentLibraryForm</Edit>
+  <New>DocumentLibraryForm</New>
+</FormTemplates>
+</file>
+
+<file path=customXml/item2.xml><?xml version="1.0" encoding="utf-8"?>
 <p:properties xmlns:p="http://schemas.microsoft.com/office/2006/metadata/properties" xmlns:xsi="http://www.w3.org/2001/XMLSchema-instance" xmlns:pc="http://schemas.microsoft.com/office/infopath/2007/PartnerControls">
   <documentManagement>
     <lcf76f155ced4ddcb4097134ff3c332f xmlns="b5e40aea-b4ae-4b94-9008-c1fed4a5c359">
@@ -15487,15 +15446,6 @@
     <TaxCatchAll xmlns="c95f7331-2dea-4b91-a62c-a2ea58dcbe03" xsi:nil="true"/>
   </documentManagement>
 </p:properties>
-</file>
-
-<file path=customXml/item2.xml><?xml version="1.0" encoding="utf-8"?>
-<?mso-contentType ?>
-<FormTemplates xmlns="http://schemas.microsoft.com/sharepoint/v3/contenttype/forms">
-  <Display>DocumentLibraryForm</Display>
-  <Edit>DocumentLibraryForm</Edit>
-  <New>DocumentLibraryForm</New>
-</FormTemplates>
 </file>
 
 <file path=customXml/item3.xml><?xml version="1.0" encoding="utf-8"?>
@@ -15734,20 +15684,20 @@
 </file>
 
 <file path=customXml/itemProps1.xml><?xml version="1.0" encoding="utf-8"?>
+<ds:datastoreItem xmlns:ds="http://schemas.openxmlformats.org/officeDocument/2006/customXml" ds:itemID="{35AAFBE4-E0F2-46C8-9B9D-C83397D2F04E}">
+  <ds:schemaRefs>
+    <ds:schemaRef ds:uri="http://schemas.microsoft.com/sharepoint/v3/contenttype/forms"/>
+  </ds:schemaRefs>
+</ds:datastoreItem>
+</file>
+
+<file path=customXml/itemProps2.xml><?xml version="1.0" encoding="utf-8"?>
 <ds:datastoreItem xmlns:ds="http://schemas.openxmlformats.org/officeDocument/2006/customXml" ds:itemID="{E33785A2-D7CE-4CE1-98CE-0E3D5DDB8231}">
   <ds:schemaRefs>
     <ds:schemaRef ds:uri="http://schemas.microsoft.com/office/2006/metadata/properties"/>
     <ds:schemaRef ds:uri="http://schemas.microsoft.com/office/infopath/2007/PartnerControls"/>
     <ds:schemaRef ds:uri="b5e40aea-b4ae-4b94-9008-c1fed4a5c359"/>
     <ds:schemaRef ds:uri="c95f7331-2dea-4b91-a62c-a2ea58dcbe03"/>
-  </ds:schemaRefs>
-</ds:datastoreItem>
-</file>
-
-<file path=customXml/itemProps2.xml><?xml version="1.0" encoding="utf-8"?>
-<ds:datastoreItem xmlns:ds="http://schemas.openxmlformats.org/officeDocument/2006/customXml" ds:itemID="{35AAFBE4-E0F2-46C8-9B9D-C83397D2F04E}">
-  <ds:schemaRefs>
-    <ds:schemaRef ds:uri="http://schemas.microsoft.com/sharepoint/v3/contenttype/forms"/>
   </ds:schemaRefs>
 </ds:datastoreItem>
 </file>

--- a/Prezentace/1_uvod_do_analyzy_dat.pptx
+++ b/Prezentace/1_uvod_do_analyzy_dat.pptx
@@ -5,40 +5,41 @@
     <p:sldMasterId id="2147483660" r:id="rId4"/>
   </p:sldMasterIdLst>
   <p:notesMasterIdLst>
-    <p:notesMasterId r:id="rId36"/>
+    <p:notesMasterId r:id="rId37"/>
   </p:notesMasterIdLst>
   <p:sldIdLst>
     <p:sldId id="404" r:id="rId5"/>
     <p:sldId id="339" r:id="rId6"/>
     <p:sldId id="323" r:id="rId7"/>
-    <p:sldId id="415" r:id="rId8"/>
-    <p:sldId id="406" r:id="rId9"/>
-    <p:sldId id="434" r:id="rId10"/>
-    <p:sldId id="407" r:id="rId11"/>
-    <p:sldId id="408" r:id="rId12"/>
-    <p:sldId id="409" r:id="rId13"/>
-    <p:sldId id="410" r:id="rId14"/>
-    <p:sldId id="411" r:id="rId15"/>
-    <p:sldId id="416" r:id="rId16"/>
-    <p:sldId id="422" r:id="rId17"/>
-    <p:sldId id="428" r:id="rId18"/>
-    <p:sldId id="431" r:id="rId19"/>
-    <p:sldId id="429" r:id="rId20"/>
-    <p:sldId id="430" r:id="rId21"/>
-    <p:sldId id="432" r:id="rId22"/>
-    <p:sldId id="412" r:id="rId23"/>
-    <p:sldId id="413" r:id="rId24"/>
-    <p:sldId id="417" r:id="rId25"/>
-    <p:sldId id="419" r:id="rId26"/>
-    <p:sldId id="418" r:id="rId27"/>
-    <p:sldId id="420" r:id="rId28"/>
-    <p:sldId id="421" r:id="rId29"/>
-    <p:sldId id="423" r:id="rId30"/>
-    <p:sldId id="424" r:id="rId31"/>
-    <p:sldId id="425" r:id="rId32"/>
-    <p:sldId id="426" r:id="rId33"/>
-    <p:sldId id="427" r:id="rId34"/>
-    <p:sldId id="433" r:id="rId35"/>
+    <p:sldId id="435" r:id="rId8"/>
+    <p:sldId id="415" r:id="rId9"/>
+    <p:sldId id="406" r:id="rId10"/>
+    <p:sldId id="434" r:id="rId11"/>
+    <p:sldId id="407" r:id="rId12"/>
+    <p:sldId id="408" r:id="rId13"/>
+    <p:sldId id="409" r:id="rId14"/>
+    <p:sldId id="410" r:id="rId15"/>
+    <p:sldId id="411" r:id="rId16"/>
+    <p:sldId id="416" r:id="rId17"/>
+    <p:sldId id="422" r:id="rId18"/>
+    <p:sldId id="428" r:id="rId19"/>
+    <p:sldId id="431" r:id="rId20"/>
+    <p:sldId id="429" r:id="rId21"/>
+    <p:sldId id="430" r:id="rId22"/>
+    <p:sldId id="432" r:id="rId23"/>
+    <p:sldId id="412" r:id="rId24"/>
+    <p:sldId id="413" r:id="rId25"/>
+    <p:sldId id="417" r:id="rId26"/>
+    <p:sldId id="419" r:id="rId27"/>
+    <p:sldId id="418" r:id="rId28"/>
+    <p:sldId id="420" r:id="rId29"/>
+    <p:sldId id="421" r:id="rId30"/>
+    <p:sldId id="423" r:id="rId31"/>
+    <p:sldId id="424" r:id="rId32"/>
+    <p:sldId id="425" r:id="rId33"/>
+    <p:sldId id="426" r:id="rId34"/>
+    <p:sldId id="427" r:id="rId35"/>
+    <p:sldId id="433" r:id="rId36"/>
   </p:sldIdLst>
   <p:sldSz cx="11522075" cy="6858000"/>
   <p:notesSz cx="6858000" cy="9144000"/>
@@ -394,7 +395,7 @@
               <a:pPr>
                 <a:defRPr/>
               </a:pPr>
-              <a:t>03.12.2024</a:t>
+              <a:t>04.12.2024</a:t>
             </a:fld>
             <a:endParaRPr lang="cs-CZ"/>
           </a:p>
@@ -3590,7 +3591,7 @@
               <a:pPr>
                 <a:defRPr/>
               </a:pPr>
-              <a:t>03.12.2024</a:t>
+              <a:t>04.12.2024</a:t>
             </a:fld>
             <a:endParaRPr lang="cs-CZ"/>
           </a:p>
@@ -4427,6 +4428,571 @@
         <p:cNvPr id="1" name="">
           <a:extLst>
             <a:ext uri="{FF2B5EF4-FFF2-40B4-BE49-F238E27FC236}">
+              <a16:creationId xmlns:a16="http://schemas.microsoft.com/office/drawing/2014/main" id="{DB7B1E8C-516B-814E-EC62-DF0D50B6CCC4}"/>
+            </a:ext>
+          </a:extLst>
+        </p:cNvPr>
+        <p:cNvGrpSpPr/>
+        <p:nvPr/>
+      </p:nvGrpSpPr>
+      <p:grpSpPr>
+        <a:xfrm>
+          <a:off x="0" y="0"/>
+          <a:ext cx="0" cy="0"/>
+          <a:chOff x="0" y="0"/>
+          <a:chExt cx="0" cy="0"/>
+        </a:xfrm>
+      </p:grpSpPr>
+      <p:sp>
+        <p:nvSpPr>
+          <p:cNvPr id="14338" name="Rectangle 2">
+            <a:extLst>
+              <a:ext uri="{FF2B5EF4-FFF2-40B4-BE49-F238E27FC236}">
+                <a16:creationId xmlns:a16="http://schemas.microsoft.com/office/drawing/2014/main" id="{4F69BBC4-0734-57CD-DF0D-DB8D17FBE317}"/>
+              </a:ext>
+            </a:extLst>
+          </p:cNvPr>
+          <p:cNvSpPr>
+            <a:spLocks noGrp="1"/>
+          </p:cNvSpPr>
+          <p:nvPr>
+            <p:ph type="title" idx="4294967295"/>
+          </p:nvPr>
+        </p:nvSpPr>
+        <p:spPr>
+          <a:xfrm>
+            <a:off x="972175" y="1967266"/>
+            <a:ext cx="2484447" cy="2547257"/>
+          </a:xfrm>
+          <a:noFill/>
+        </p:spPr>
+        <p:txBody>
+          <a:bodyPr vert="horz" lIns="91440" tIns="45720" rIns="91440" bIns="45720" rtlCol="0" anchor="ctr">
+            <a:normAutofit/>
+          </a:bodyPr>
+          <a:lstStyle/>
+          <a:p>
+            <a:pPr algn="ctr" eaLnBrk="1" hangingPunct="1"/>
+            <a:r>
+              <a:rPr lang="en-US" altLang="cs-CZ" sz="3500" kern="1200" dirty="0">
+                <a:solidFill>
+                  <a:srgbClr val="FFFFFF"/>
+                </a:solidFill>
+                <a:latin typeface="+mj-lt"/>
+                <a:ea typeface="+mj-ea"/>
+                <a:cs typeface="+mj-cs"/>
+              </a:rPr>
+              <a:t>CRISP-DM</a:t>
+            </a:r>
+          </a:p>
+        </p:txBody>
+      </p:sp>
+      <p:pic>
+        <p:nvPicPr>
+          <p:cNvPr id="1030" name="Picture 6" descr="CRISP-DM (data mining framework). | Download Scientific Diagram">
+            <a:extLst>
+              <a:ext uri="{FF2B5EF4-FFF2-40B4-BE49-F238E27FC236}">
+                <a16:creationId xmlns:a16="http://schemas.microsoft.com/office/drawing/2014/main" id="{05B4417D-635D-986D-D4F4-749EB4574397}"/>
+              </a:ext>
+            </a:extLst>
+          </p:cNvPr>
+          <p:cNvPicPr>
+            <a:picLocks noChangeAspect="1" noChangeArrowheads="1"/>
+          </p:cNvPicPr>
+          <p:nvPr/>
+        </p:nvPicPr>
+        <p:blipFill>
+          <a:blip r:embed="rId2">
+            <a:extLst>
+              <a:ext uri="{28A0092B-C50C-407E-A947-70E740481C1C}">
+                <a14:useLocalDpi xmlns:a14="http://schemas.microsoft.com/office/drawing/2010/main" val="0"/>
+              </a:ext>
+            </a:extLst>
+          </a:blip>
+          <a:stretch>
+            <a:fillRect/>
+          </a:stretch>
+        </p:blipFill>
+        <p:spPr bwMode="auto">
+          <a:xfrm>
+            <a:off x="4909188" y="643466"/>
+            <a:ext cx="5619363" cy="5568739"/>
+          </a:xfrm>
+          <a:prstGeom prst="rect">
+            <a:avLst/>
+          </a:prstGeom>
+          <a:noFill/>
+          <a:extLst>
+            <a:ext uri="{909E8E84-426E-40DD-AFC4-6F175D3DCCD1}">
+              <a14:hiddenFill xmlns:a14="http://schemas.microsoft.com/office/drawing/2010/main">
+                <a:solidFill>
+                  <a:srgbClr val="FFFFFF"/>
+                </a:solidFill>
+              </a14:hiddenFill>
+            </a:ext>
+          </a:extLst>
+        </p:spPr>
+      </p:pic>
+      <p:sp>
+        <p:nvSpPr>
+          <p:cNvPr id="2" name="TextBox 1">
+            <a:extLst>
+              <a:ext uri="{FF2B5EF4-FFF2-40B4-BE49-F238E27FC236}">
+                <a16:creationId xmlns:a16="http://schemas.microsoft.com/office/drawing/2014/main" id="{352F0D2B-BD06-3FE5-F3DE-60B9C89E37C0}"/>
+              </a:ext>
+            </a:extLst>
+          </p:cNvPr>
+          <p:cNvSpPr txBox="1"/>
+          <p:nvPr/>
+        </p:nvSpPr>
+        <p:spPr>
+          <a:xfrm>
+            <a:off x="460353" y="643466"/>
+            <a:ext cx="4792717" cy="1061829"/>
+          </a:xfrm>
+          <a:prstGeom prst="rect">
+            <a:avLst/>
+          </a:prstGeom>
+          <a:noFill/>
+          <a:ln>
+            <a:noFill/>
+          </a:ln>
+          <a:extLst>
+            <a:ext uri="{909E8E84-426E-40DD-AFC4-6F175D3DCCD1}">
+              <a14:hiddenFill xmlns:a14="http://schemas.microsoft.com/office/drawing/2010/main">
+                <a:solidFill>
+                  <a:srgbClr val="FFFFFF"/>
+                </a:solidFill>
+              </a14:hiddenFill>
+            </a:ext>
+            <a:ext uri="{91240B29-F687-4F45-9708-019B960494DF}">
+              <a14:hiddenLine xmlns:a14="http://schemas.microsoft.com/office/drawing/2010/main" w="9525">
+                <a:solidFill>
+                  <a:srgbClr val="000000"/>
+                </a:solidFill>
+                <a:miter lim="800000"/>
+                <a:headEnd/>
+                <a:tailEnd/>
+              </a14:hiddenLine>
+            </a:ext>
+          </a:extLst>
+        </p:spPr>
+        <p:txBody>
+          <a:bodyPr vert="horz" wrap="square" lIns="91440" tIns="45720" rIns="91440" bIns="45720" numCol="1" rtlCol="0" anchor="ctr" anchorCtr="0" compatLnSpc="1">
+            <a:prstTxWarp prst="textNoShape">
+              <a:avLst/>
+            </a:prstTxWarp>
+            <a:normAutofit/>
+          </a:bodyPr>
+          <a:lstStyle>
+            <a:lvl1pPr algn="ctr" eaLnBrk="1" hangingPunct="1">
+              <a:lnSpc>
+                <a:spcPct val="90000"/>
+              </a:lnSpc>
+              <a:defRPr sz="3500">
+                <a:solidFill>
+                  <a:srgbClr val="FFFFFF"/>
+                </a:solidFill>
+                <a:latin typeface="+mj-lt"/>
+                <a:ea typeface="+mj-ea"/>
+                <a:cs typeface="+mj-cs"/>
+              </a:defRPr>
+            </a:lvl1pPr>
+            <a:lvl2pPr>
+              <a:lnSpc>
+                <a:spcPct val="90000"/>
+              </a:lnSpc>
+              <a:defRPr sz="4400">
+                <a:latin typeface="Century Gothic" panose="020B0502020202020204" pitchFamily="34" charset="0"/>
+              </a:defRPr>
+            </a:lvl2pPr>
+            <a:lvl3pPr>
+              <a:lnSpc>
+                <a:spcPct val="90000"/>
+              </a:lnSpc>
+              <a:defRPr sz="4400">
+                <a:latin typeface="Century Gothic" panose="020B0502020202020204" pitchFamily="34" charset="0"/>
+              </a:defRPr>
+            </a:lvl3pPr>
+            <a:lvl4pPr>
+              <a:lnSpc>
+                <a:spcPct val="90000"/>
+              </a:lnSpc>
+              <a:defRPr sz="4400">
+                <a:latin typeface="Century Gothic" panose="020B0502020202020204" pitchFamily="34" charset="0"/>
+              </a:defRPr>
+            </a:lvl4pPr>
+            <a:lvl5pPr>
+              <a:lnSpc>
+                <a:spcPct val="90000"/>
+              </a:lnSpc>
+              <a:defRPr sz="4400">
+                <a:latin typeface="Century Gothic" panose="020B0502020202020204" pitchFamily="34" charset="0"/>
+              </a:defRPr>
+            </a:lvl5pPr>
+            <a:lvl6pPr marL="457200" fontAlgn="base">
+              <a:lnSpc>
+                <a:spcPct val="90000"/>
+              </a:lnSpc>
+              <a:spcBef>
+                <a:spcPct val="0"/>
+              </a:spcBef>
+              <a:spcAft>
+                <a:spcPct val="0"/>
+              </a:spcAft>
+              <a:defRPr sz="4400">
+                <a:latin typeface="Century Gothic" panose="020B0502020202020204" pitchFamily="34" charset="0"/>
+              </a:defRPr>
+            </a:lvl6pPr>
+            <a:lvl7pPr marL="914400" fontAlgn="base">
+              <a:lnSpc>
+                <a:spcPct val="90000"/>
+              </a:lnSpc>
+              <a:spcBef>
+                <a:spcPct val="0"/>
+              </a:spcBef>
+              <a:spcAft>
+                <a:spcPct val="0"/>
+              </a:spcAft>
+              <a:defRPr sz="4400">
+                <a:latin typeface="Century Gothic" panose="020B0502020202020204" pitchFamily="34" charset="0"/>
+              </a:defRPr>
+            </a:lvl7pPr>
+            <a:lvl8pPr marL="1371600" fontAlgn="base">
+              <a:lnSpc>
+                <a:spcPct val="90000"/>
+              </a:lnSpc>
+              <a:spcBef>
+                <a:spcPct val="0"/>
+              </a:spcBef>
+              <a:spcAft>
+                <a:spcPct val="0"/>
+              </a:spcAft>
+              <a:defRPr sz="4400">
+                <a:latin typeface="Century Gothic" panose="020B0502020202020204" pitchFamily="34" charset="0"/>
+              </a:defRPr>
+            </a:lvl8pPr>
+            <a:lvl9pPr marL="1828800" fontAlgn="base">
+              <a:lnSpc>
+                <a:spcPct val="90000"/>
+              </a:lnSpc>
+              <a:spcBef>
+                <a:spcPct val="0"/>
+              </a:spcBef>
+              <a:spcAft>
+                <a:spcPct val="0"/>
+              </a:spcAft>
+              <a:defRPr sz="4400">
+                <a:latin typeface="Century Gothic" panose="020B0502020202020204" pitchFamily="34" charset="0"/>
+              </a:defRPr>
+            </a:lvl9pPr>
+          </a:lstStyle>
+          <a:p>
+            <a:r>
+              <a:rPr lang="cs-CZ" dirty="0">
+                <a:solidFill>
+                  <a:srgbClr val="292929"/>
+                </a:solidFill>
+              </a:rPr>
+              <a:t>Datové modelování</a:t>
+            </a:r>
+            <a:endParaRPr lang="en-US" dirty="0">
+              <a:solidFill>
+                <a:srgbClr val="292929"/>
+              </a:solidFill>
+            </a:endParaRPr>
+          </a:p>
+        </p:txBody>
+      </p:sp>
+      <p:sp>
+        <p:nvSpPr>
+          <p:cNvPr id="4" name="TextBox 3">
+            <a:extLst>
+              <a:ext uri="{FF2B5EF4-FFF2-40B4-BE49-F238E27FC236}">
+                <a16:creationId xmlns:a16="http://schemas.microsoft.com/office/drawing/2014/main" id="{80703085-7567-B181-531F-14270076D851}"/>
+              </a:ext>
+            </a:extLst>
+          </p:cNvPr>
+          <p:cNvSpPr txBox="1"/>
+          <p:nvPr/>
+        </p:nvSpPr>
+        <p:spPr>
+          <a:xfrm>
+            <a:off x="756744" y="1848130"/>
+            <a:ext cx="4597225" cy="3159409"/>
+          </a:xfrm>
+          <a:prstGeom prst="rect">
+            <a:avLst/>
+          </a:prstGeom>
+          <a:noFill/>
+          <a:ln>
+            <a:noFill/>
+          </a:ln>
+          <a:extLst>
+            <a:ext uri="{909E8E84-426E-40DD-AFC4-6F175D3DCCD1}">
+              <a14:hiddenFill xmlns:a14="http://schemas.microsoft.com/office/drawing/2010/main">
+                <a:solidFill>
+                  <a:srgbClr val="FFFFFF"/>
+                </a:solidFill>
+              </a14:hiddenFill>
+            </a:ext>
+            <a:ext uri="{91240B29-F687-4F45-9708-019B960494DF}">
+              <a14:hiddenLine xmlns:a14="http://schemas.microsoft.com/office/drawing/2010/main" w="9525">
+                <a:solidFill>
+                  <a:srgbClr val="000000"/>
+                </a:solidFill>
+                <a:miter lim="800000"/>
+                <a:headEnd/>
+                <a:tailEnd/>
+              </a14:hiddenLine>
+            </a:ext>
+          </a:extLst>
+        </p:spPr>
+        <p:txBody>
+          <a:bodyPr vert="horz" wrap="square" lIns="91440" tIns="45720" rIns="91440" bIns="45720" numCol="1" rtlCol="0" anchor="ctr" anchorCtr="0" compatLnSpc="1">
+            <a:prstTxWarp prst="textNoShape">
+              <a:avLst/>
+            </a:prstTxWarp>
+            <a:normAutofit/>
+          </a:bodyPr>
+          <a:lstStyle>
+            <a:lvl1pPr algn="ctr" eaLnBrk="1" hangingPunct="1">
+              <a:lnSpc>
+                <a:spcPct val="90000"/>
+              </a:lnSpc>
+              <a:defRPr sz="3500">
+                <a:solidFill>
+                  <a:srgbClr val="FFFFFF"/>
+                </a:solidFill>
+                <a:latin typeface="+mj-lt"/>
+                <a:ea typeface="+mj-ea"/>
+                <a:cs typeface="+mj-cs"/>
+              </a:defRPr>
+            </a:lvl1pPr>
+            <a:lvl2pPr>
+              <a:lnSpc>
+                <a:spcPct val="90000"/>
+              </a:lnSpc>
+              <a:defRPr sz="4400">
+                <a:latin typeface="Century Gothic" panose="020B0502020202020204" pitchFamily="34" charset="0"/>
+              </a:defRPr>
+            </a:lvl2pPr>
+            <a:lvl3pPr>
+              <a:lnSpc>
+                <a:spcPct val="90000"/>
+              </a:lnSpc>
+              <a:defRPr sz="4400">
+                <a:latin typeface="Century Gothic" panose="020B0502020202020204" pitchFamily="34" charset="0"/>
+              </a:defRPr>
+            </a:lvl3pPr>
+            <a:lvl4pPr>
+              <a:lnSpc>
+                <a:spcPct val="90000"/>
+              </a:lnSpc>
+              <a:defRPr sz="4400">
+                <a:latin typeface="Century Gothic" panose="020B0502020202020204" pitchFamily="34" charset="0"/>
+              </a:defRPr>
+            </a:lvl4pPr>
+            <a:lvl5pPr>
+              <a:lnSpc>
+                <a:spcPct val="90000"/>
+              </a:lnSpc>
+              <a:defRPr sz="4400">
+                <a:latin typeface="Century Gothic" panose="020B0502020202020204" pitchFamily="34" charset="0"/>
+              </a:defRPr>
+            </a:lvl5pPr>
+            <a:lvl6pPr marL="457200" fontAlgn="base">
+              <a:lnSpc>
+                <a:spcPct val="90000"/>
+              </a:lnSpc>
+              <a:spcBef>
+                <a:spcPct val="0"/>
+              </a:spcBef>
+              <a:spcAft>
+                <a:spcPct val="0"/>
+              </a:spcAft>
+              <a:defRPr sz="4400">
+                <a:latin typeface="Century Gothic" panose="020B0502020202020204" pitchFamily="34" charset="0"/>
+              </a:defRPr>
+            </a:lvl6pPr>
+            <a:lvl7pPr marL="914400" fontAlgn="base">
+              <a:lnSpc>
+                <a:spcPct val="90000"/>
+              </a:lnSpc>
+              <a:spcBef>
+                <a:spcPct val="0"/>
+              </a:spcBef>
+              <a:spcAft>
+                <a:spcPct val="0"/>
+              </a:spcAft>
+              <a:defRPr sz="4400">
+                <a:latin typeface="Century Gothic" panose="020B0502020202020204" pitchFamily="34" charset="0"/>
+              </a:defRPr>
+            </a:lvl7pPr>
+            <a:lvl8pPr marL="1371600" fontAlgn="base">
+              <a:lnSpc>
+                <a:spcPct val="90000"/>
+              </a:lnSpc>
+              <a:spcBef>
+                <a:spcPct val="0"/>
+              </a:spcBef>
+              <a:spcAft>
+                <a:spcPct val="0"/>
+              </a:spcAft>
+              <a:defRPr sz="4400">
+                <a:latin typeface="Century Gothic" panose="020B0502020202020204" pitchFamily="34" charset="0"/>
+              </a:defRPr>
+            </a:lvl8pPr>
+            <a:lvl9pPr marL="1828800" fontAlgn="base">
+              <a:lnSpc>
+                <a:spcPct val="90000"/>
+              </a:lnSpc>
+              <a:spcBef>
+                <a:spcPct val="0"/>
+              </a:spcBef>
+              <a:spcAft>
+                <a:spcPct val="0"/>
+              </a:spcAft>
+              <a:defRPr sz="4400">
+                <a:latin typeface="Century Gothic" panose="020B0502020202020204" pitchFamily="34" charset="0"/>
+              </a:defRPr>
+            </a:lvl9pPr>
+          </a:lstStyle>
+          <a:p>
+            <a:pPr algn="l">
+              <a:spcAft>
+                <a:spcPts val="1200"/>
+              </a:spcAft>
+            </a:pPr>
+            <a:r>
+              <a:rPr lang="cs-CZ" sz="2400" b="0" dirty="0">
+                <a:solidFill>
+                  <a:srgbClr val="292929"/>
+                </a:solidFill>
+              </a:rPr>
+              <a:t>Testování hypotéz</a:t>
+            </a:r>
+          </a:p>
+          <a:p>
+            <a:pPr algn="l">
+              <a:spcAft>
+                <a:spcPts val="1200"/>
+              </a:spcAft>
+            </a:pPr>
+            <a:r>
+              <a:rPr lang="cs-CZ" sz="2400" b="0" dirty="0">
+                <a:solidFill>
+                  <a:srgbClr val="292929"/>
+                </a:solidFill>
+              </a:rPr>
+              <a:t>Regresní analýza</a:t>
+            </a:r>
+          </a:p>
+          <a:p>
+            <a:pPr algn="l">
+              <a:spcAft>
+                <a:spcPts val="1200"/>
+              </a:spcAft>
+            </a:pPr>
+            <a:r>
+              <a:rPr lang="cs-CZ" sz="2400" b="0" dirty="0">
+                <a:solidFill>
+                  <a:srgbClr val="292929"/>
+                </a:solidFill>
+              </a:rPr>
+              <a:t>Korelační analýza</a:t>
+            </a:r>
+          </a:p>
+          <a:p>
+            <a:pPr algn="l">
+              <a:spcAft>
+                <a:spcPts val="1200"/>
+              </a:spcAft>
+            </a:pPr>
+            <a:r>
+              <a:rPr lang="cs-CZ" sz="2400" b="0" dirty="0">
+                <a:solidFill>
+                  <a:srgbClr val="292929"/>
+                </a:solidFill>
+              </a:rPr>
+              <a:t>…</a:t>
+            </a:r>
+          </a:p>
+        </p:txBody>
+      </p:sp>
+      <p:sp>
+        <p:nvSpPr>
+          <p:cNvPr id="5" name="Rectangle 4">
+            <a:extLst>
+              <a:ext uri="{FF2B5EF4-FFF2-40B4-BE49-F238E27FC236}">
+                <a16:creationId xmlns:a16="http://schemas.microsoft.com/office/drawing/2014/main" id="{3E2AA897-30AD-C11C-04D5-681651F1947D}"/>
+              </a:ext>
+            </a:extLst>
+          </p:cNvPr>
+          <p:cNvSpPr/>
+          <p:nvPr/>
+        </p:nvSpPr>
+        <p:spPr>
+          <a:xfrm>
+            <a:off x="8486681" y="3540867"/>
+            <a:ext cx="1589165" cy="908094"/>
+          </a:xfrm>
+          <a:prstGeom prst="rect">
+            <a:avLst/>
+          </a:prstGeom>
+          <a:noFill/>
+          <a:ln w="57150">
+            <a:solidFill>
+              <a:srgbClr val="993300"/>
+            </a:solidFill>
+          </a:ln>
+        </p:spPr>
+        <p:style>
+          <a:lnRef idx="2">
+            <a:schemeClr val="accent1">
+              <a:shade val="15000"/>
+            </a:schemeClr>
+          </a:lnRef>
+          <a:fillRef idx="1">
+            <a:schemeClr val="accent1"/>
+          </a:fillRef>
+          <a:effectRef idx="0">
+            <a:schemeClr val="accent1"/>
+          </a:effectRef>
+          <a:fontRef idx="minor">
+            <a:schemeClr val="lt1"/>
+          </a:fontRef>
+        </p:style>
+        <p:txBody>
+          <a:bodyPr rtlCol="0" anchor="ctr"/>
+          <a:lstStyle/>
+          <a:p>
+            <a:pPr algn="ctr"/>
+            <a:endParaRPr lang="en-US"/>
+          </a:p>
+        </p:txBody>
+      </p:sp>
+    </p:spTree>
+    <p:extLst>
+      <p:ext uri="{BB962C8B-B14F-4D97-AF65-F5344CB8AC3E}">
+        <p14:creationId xmlns:p14="http://schemas.microsoft.com/office/powerpoint/2010/main" val="669199843"/>
+      </p:ext>
+    </p:extLst>
+  </p:cSld>
+  <p:clrMapOvr>
+    <a:masterClrMapping/>
+  </p:clrMapOvr>
+</p:sld>
+</file>
+
+<file path=ppt/slides/slide11.xml><?xml version="1.0" encoding="utf-8"?>
+<p:sld xmlns:a="http://schemas.openxmlformats.org/drawingml/2006/main" xmlns:r="http://schemas.openxmlformats.org/officeDocument/2006/relationships" xmlns:p="http://schemas.openxmlformats.org/presentationml/2006/main">
+  <p:cSld>
+    <p:spTree>
+      <p:nvGrpSpPr>
+        <p:cNvPr id="1" name="">
+          <a:extLst>
+            <a:ext uri="{FF2B5EF4-FFF2-40B4-BE49-F238E27FC236}">
               <a16:creationId xmlns:a16="http://schemas.microsoft.com/office/drawing/2014/main" id="{7390FB0D-FAF3-E8EC-9672-2F4E1DA22B51}"/>
             </a:ext>
           </a:extLst>
@@ -4981,7 +5547,7 @@
 </p:sld>
 </file>
 
-<file path=ppt/slides/slide11.xml><?xml version="1.0" encoding="utf-8"?>
+<file path=ppt/slides/slide12.xml><?xml version="1.0" encoding="utf-8"?>
 <p:sld xmlns:a="http://schemas.openxmlformats.org/drawingml/2006/main" xmlns:r="http://schemas.openxmlformats.org/officeDocument/2006/relationships" xmlns:p="http://schemas.openxmlformats.org/presentationml/2006/main">
   <p:cSld>
     <p:spTree>
@@ -5156,7 +5722,7 @@
 </p:sld>
 </file>
 
-<file path=ppt/slides/slide12.xml><?xml version="1.0" encoding="utf-8"?>
+<file path=ppt/slides/slide13.xml><?xml version="1.0" encoding="utf-8"?>
 <p:sld xmlns:a="http://schemas.openxmlformats.org/drawingml/2006/main" xmlns:r="http://schemas.openxmlformats.org/officeDocument/2006/relationships" xmlns:p="http://schemas.openxmlformats.org/presentationml/2006/main">
   <p:cSld>
     <p:spTree>
@@ -5873,7 +6439,7 @@
 </p:sld>
 </file>
 
-<file path=ppt/slides/slide13.xml><?xml version="1.0" encoding="utf-8"?>
+<file path=ppt/slides/slide14.xml><?xml version="1.0" encoding="utf-8"?>
 <p:sld xmlns:a="http://schemas.openxmlformats.org/drawingml/2006/main" xmlns:r="http://schemas.openxmlformats.org/officeDocument/2006/relationships" xmlns:p="http://schemas.openxmlformats.org/presentationml/2006/main">
   <p:cSld>
     <p:spTree>
@@ -6121,7 +6687,7 @@
 </p:sld>
 </file>
 
-<file path=ppt/slides/slide14.xml><?xml version="1.0" encoding="utf-8"?>
+<file path=ppt/slides/slide15.xml><?xml version="1.0" encoding="utf-8"?>
 <p:sld xmlns:a="http://schemas.openxmlformats.org/drawingml/2006/main" xmlns:r="http://schemas.openxmlformats.org/officeDocument/2006/relationships" xmlns:p="http://schemas.openxmlformats.org/presentationml/2006/main">
   <p:cSld>
     <p:spTree>
@@ -6325,7 +6891,7 @@
 </p:sld>
 </file>
 
-<file path=ppt/slides/slide15.xml><?xml version="1.0" encoding="utf-8"?>
+<file path=ppt/slides/slide16.xml><?xml version="1.0" encoding="utf-8"?>
 <p:sld xmlns:a="http://schemas.openxmlformats.org/drawingml/2006/main" xmlns:r="http://schemas.openxmlformats.org/officeDocument/2006/relationships" xmlns:p="http://schemas.openxmlformats.org/presentationml/2006/main">
   <p:cSld>
     <p:spTree>
@@ -6480,7 +7046,7 @@
 </p:sld>
 </file>
 
-<file path=ppt/slides/slide16.xml><?xml version="1.0" encoding="utf-8"?>
+<file path=ppt/slides/slide17.xml><?xml version="1.0" encoding="utf-8"?>
 <p:sld xmlns:a="http://schemas.openxmlformats.org/drawingml/2006/main" xmlns:r="http://schemas.openxmlformats.org/officeDocument/2006/relationships" xmlns:p="http://schemas.openxmlformats.org/presentationml/2006/main">
   <p:cSld>
     <p:spTree>
@@ -6684,7 +7250,7 @@
 </p:sld>
 </file>
 
-<file path=ppt/slides/slide17.xml><?xml version="1.0" encoding="utf-8"?>
+<file path=ppt/slides/slide18.xml><?xml version="1.0" encoding="utf-8"?>
 <p:sld xmlns:a="http://schemas.openxmlformats.org/drawingml/2006/main" xmlns:r="http://schemas.openxmlformats.org/officeDocument/2006/relationships" xmlns:p="http://schemas.openxmlformats.org/presentationml/2006/main">
   <p:cSld>
     <p:spTree>
@@ -6836,7 +7402,7 @@
 </p:sld>
 </file>
 
-<file path=ppt/slides/slide18.xml><?xml version="1.0" encoding="utf-8"?>
+<file path=ppt/slides/slide19.xml><?xml version="1.0" encoding="utf-8"?>
 <p:sld xmlns:a="http://schemas.openxmlformats.org/drawingml/2006/main" xmlns:r="http://schemas.openxmlformats.org/officeDocument/2006/relationships" xmlns:p="http://schemas.openxmlformats.org/presentationml/2006/main">
   <p:cSld>
     <p:spTree>
@@ -6900,254 +7466,6 @@
     <p:extLst>
       <p:ext uri="{BB962C8B-B14F-4D97-AF65-F5344CB8AC3E}">
         <p14:creationId xmlns:p14="http://schemas.microsoft.com/office/powerpoint/2010/main" val="2419056160"/>
-      </p:ext>
-    </p:extLst>
-  </p:cSld>
-  <p:clrMapOvr>
-    <a:masterClrMapping/>
-  </p:clrMapOvr>
-</p:sld>
-</file>
-
-<file path=ppt/slides/slide19.xml><?xml version="1.0" encoding="utf-8"?>
-<p:sld xmlns:a="http://schemas.openxmlformats.org/drawingml/2006/main" xmlns:r="http://schemas.openxmlformats.org/officeDocument/2006/relationships" xmlns:p="http://schemas.openxmlformats.org/presentationml/2006/main">
-  <p:cSld>
-    <p:spTree>
-      <p:nvGrpSpPr>
-        <p:cNvPr id="1" name="">
-          <a:extLst>
-            <a:ext uri="{FF2B5EF4-FFF2-40B4-BE49-F238E27FC236}">
-              <a16:creationId xmlns:a16="http://schemas.microsoft.com/office/drawing/2014/main" id="{FCBB8CDA-5A61-4270-56B1-BA764B545F02}"/>
-            </a:ext>
-          </a:extLst>
-        </p:cNvPr>
-        <p:cNvGrpSpPr/>
-        <p:nvPr/>
-      </p:nvGrpSpPr>
-      <p:grpSpPr>
-        <a:xfrm>
-          <a:off x="0" y="0"/>
-          <a:ext cx="0" cy="0"/>
-          <a:chOff x="0" y="0"/>
-          <a:chExt cx="0" cy="0"/>
-        </a:xfrm>
-      </p:grpSpPr>
-      <p:sp>
-        <p:nvSpPr>
-          <p:cNvPr id="146434" name="Rectangle 2">
-            <a:extLst>
-              <a:ext uri="{FF2B5EF4-FFF2-40B4-BE49-F238E27FC236}">
-                <a16:creationId xmlns:a16="http://schemas.microsoft.com/office/drawing/2014/main" id="{6E7A2053-CAF7-CE02-D72B-C90350587FA8}"/>
-              </a:ext>
-            </a:extLst>
-          </p:cNvPr>
-          <p:cNvSpPr>
-            <a:spLocks/>
-          </p:cNvSpPr>
-          <p:nvPr/>
-        </p:nvSpPr>
-        <p:spPr bwMode="auto">
-          <a:xfrm>
-            <a:off x="3985333" y="2620963"/>
-            <a:ext cx="3465692" cy="833150"/>
-          </a:xfrm>
-          <a:prstGeom prst="rect">
-            <a:avLst/>
-          </a:prstGeom>
-          <a:noFill/>
-          <a:ln>
-            <a:noFill/>
-          </a:ln>
-        </p:spPr>
-        <p:txBody>
-          <a:bodyPr wrap="none" lIns="0" tIns="108000" rIns="0" bIns="108000">
-            <a:spAutoFit/>
-          </a:bodyPr>
-          <a:lstStyle>
-            <a:lvl1pPr marL="228600" indent="-228600">
-              <a:lnSpc>
-                <a:spcPct val="120000"/>
-              </a:lnSpc>
-              <a:spcBef>
-                <a:spcPts val="1000"/>
-              </a:spcBef>
-              <a:buFont typeface="Arial" panose="020B0604020202020204" pitchFamily="34" charset="0"/>
-              <a:buChar char="•"/>
-              <a:defRPr sz="2600">
-                <a:solidFill>
-                  <a:srgbClr val="005CAC"/>
-                </a:solidFill>
-                <a:latin typeface="Century Gothic" panose="020B0502020202020204" pitchFamily="34" charset="0"/>
-              </a:defRPr>
-            </a:lvl1pPr>
-            <a:lvl2pPr marL="685800" indent="-228600">
-              <a:lnSpc>
-                <a:spcPct val="110000"/>
-              </a:lnSpc>
-              <a:spcBef>
-                <a:spcPts val="500"/>
-              </a:spcBef>
-              <a:buFont typeface="Arial" panose="020B0604020202020204" pitchFamily="34" charset="0"/>
-              <a:buChar char="•"/>
-              <a:defRPr sz="2100">
-                <a:solidFill>
-                  <a:srgbClr val="4D4D4D"/>
-                </a:solidFill>
-                <a:latin typeface="Century Gothic" panose="020B0502020202020204" pitchFamily="34" charset="0"/>
-              </a:defRPr>
-            </a:lvl2pPr>
-            <a:lvl3pPr marL="1143000" indent="-228600">
-              <a:lnSpc>
-                <a:spcPct val="90000"/>
-              </a:lnSpc>
-              <a:spcBef>
-                <a:spcPts val="500"/>
-              </a:spcBef>
-              <a:buFont typeface="Arial" panose="020B0604020202020204" pitchFamily="34" charset="0"/>
-              <a:buChar char="•"/>
-              <a:defRPr sz="1600">
-                <a:solidFill>
-                  <a:srgbClr val="4D4D4D"/>
-                </a:solidFill>
-                <a:latin typeface="Century Gothic" panose="020B0502020202020204" pitchFamily="34" charset="0"/>
-              </a:defRPr>
-            </a:lvl3pPr>
-            <a:lvl4pPr marL="1600200" indent="-228600">
-              <a:lnSpc>
-                <a:spcPct val="90000"/>
-              </a:lnSpc>
-              <a:spcBef>
-                <a:spcPts val="500"/>
-              </a:spcBef>
-              <a:buFont typeface="Arial" panose="020B0604020202020204" pitchFamily="34" charset="0"/>
-              <a:buChar char="•"/>
-              <a:defRPr>
-                <a:solidFill>
-                  <a:srgbClr val="292929"/>
-                </a:solidFill>
-                <a:latin typeface="Century Gothic" panose="020B0502020202020204" pitchFamily="34" charset="0"/>
-              </a:defRPr>
-            </a:lvl4pPr>
-            <a:lvl5pPr marL="2057400" indent="-228600">
-              <a:lnSpc>
-                <a:spcPct val="90000"/>
-              </a:lnSpc>
-              <a:spcBef>
-                <a:spcPts val="500"/>
-              </a:spcBef>
-              <a:buFont typeface="Arial" panose="020B0604020202020204" pitchFamily="34" charset="0"/>
-              <a:buChar char="•"/>
-              <a:defRPr>
-                <a:solidFill>
-                  <a:srgbClr val="292929"/>
-                </a:solidFill>
-                <a:latin typeface="Century Gothic" panose="020B0502020202020204" pitchFamily="34" charset="0"/>
-              </a:defRPr>
-            </a:lvl5pPr>
-            <a:lvl6pPr marL="2514600" indent="-228600" fontAlgn="base">
-              <a:lnSpc>
-                <a:spcPct val="90000"/>
-              </a:lnSpc>
-              <a:spcBef>
-                <a:spcPts val="500"/>
-              </a:spcBef>
-              <a:spcAft>
-                <a:spcPct val="0"/>
-              </a:spcAft>
-              <a:buFont typeface="Arial" panose="020B0604020202020204" pitchFamily="34" charset="0"/>
-              <a:buChar char="•"/>
-              <a:defRPr>
-                <a:solidFill>
-                  <a:srgbClr val="292929"/>
-                </a:solidFill>
-                <a:latin typeface="Century Gothic" panose="020B0502020202020204" pitchFamily="34" charset="0"/>
-              </a:defRPr>
-            </a:lvl6pPr>
-            <a:lvl7pPr marL="2971800" indent="-228600" fontAlgn="base">
-              <a:lnSpc>
-                <a:spcPct val="90000"/>
-              </a:lnSpc>
-              <a:spcBef>
-                <a:spcPts val="500"/>
-              </a:spcBef>
-              <a:spcAft>
-                <a:spcPct val="0"/>
-              </a:spcAft>
-              <a:buFont typeface="Arial" panose="020B0604020202020204" pitchFamily="34" charset="0"/>
-              <a:buChar char="•"/>
-              <a:defRPr>
-                <a:solidFill>
-                  <a:srgbClr val="292929"/>
-                </a:solidFill>
-                <a:latin typeface="Century Gothic" panose="020B0502020202020204" pitchFamily="34" charset="0"/>
-              </a:defRPr>
-            </a:lvl7pPr>
-            <a:lvl8pPr marL="3429000" indent="-228600" fontAlgn="base">
-              <a:lnSpc>
-                <a:spcPct val="90000"/>
-              </a:lnSpc>
-              <a:spcBef>
-                <a:spcPts val="500"/>
-              </a:spcBef>
-              <a:spcAft>
-                <a:spcPct val="0"/>
-              </a:spcAft>
-              <a:buFont typeface="Arial" panose="020B0604020202020204" pitchFamily="34" charset="0"/>
-              <a:buChar char="•"/>
-              <a:defRPr>
-                <a:solidFill>
-                  <a:srgbClr val="292929"/>
-                </a:solidFill>
-                <a:latin typeface="Century Gothic" panose="020B0502020202020204" pitchFamily="34" charset="0"/>
-              </a:defRPr>
-            </a:lvl8pPr>
-            <a:lvl9pPr marL="3886200" indent="-228600" fontAlgn="base">
-              <a:lnSpc>
-                <a:spcPct val="90000"/>
-              </a:lnSpc>
-              <a:spcBef>
-                <a:spcPts val="500"/>
-              </a:spcBef>
-              <a:spcAft>
-                <a:spcPct val="0"/>
-              </a:spcAft>
-              <a:buFont typeface="Arial" panose="020B0604020202020204" pitchFamily="34" charset="0"/>
-              <a:buChar char="•"/>
-              <a:defRPr>
-                <a:solidFill>
-                  <a:srgbClr val="292929"/>
-                </a:solidFill>
-                <a:latin typeface="Century Gothic" panose="020B0502020202020204" pitchFamily="34" charset="0"/>
-              </a:defRPr>
-            </a:lvl9pPr>
-          </a:lstStyle>
-          <a:p>
-            <a:pPr algn="ctr" defTabSz="914400" eaLnBrk="1" hangingPunct="1">
-              <a:lnSpc>
-                <a:spcPct val="90000"/>
-              </a:lnSpc>
-              <a:buFont typeface="Arial" panose="020B0604020202020204" pitchFamily="34" charset="0"/>
-              <a:buNone/>
-              <a:defRPr/>
-            </a:pPr>
-            <a:r>
-              <a:rPr lang="cs-CZ" altLang="cs-CZ" sz="4400" b="0" dirty="0">
-                <a:solidFill>
-                  <a:srgbClr val="0074B0"/>
-                </a:solidFill>
-                <a:latin typeface="Poppins"/>
-                <a:ea typeface="+mj-ea"/>
-                <a:cs typeface="Poppins"/>
-              </a:rPr>
-              <a:t>Příprava dat</a:t>
-            </a:r>
-          </a:p>
-        </p:txBody>
-      </p:sp>
-    </p:spTree>
-    <p:extLst>
-      <p:ext uri="{BB962C8B-B14F-4D97-AF65-F5344CB8AC3E}">
-        <p14:creationId xmlns:p14="http://schemas.microsoft.com/office/powerpoint/2010/main" val="1040437070"/>
       </p:ext>
     </p:extLst>
   </p:cSld>
@@ -7399,6 +7717,254 @@
   <p:cSld>
     <p:spTree>
       <p:nvGrpSpPr>
+        <p:cNvPr id="1" name="">
+          <a:extLst>
+            <a:ext uri="{FF2B5EF4-FFF2-40B4-BE49-F238E27FC236}">
+              <a16:creationId xmlns:a16="http://schemas.microsoft.com/office/drawing/2014/main" id="{FCBB8CDA-5A61-4270-56B1-BA764B545F02}"/>
+            </a:ext>
+          </a:extLst>
+        </p:cNvPr>
+        <p:cNvGrpSpPr/>
+        <p:nvPr/>
+      </p:nvGrpSpPr>
+      <p:grpSpPr>
+        <a:xfrm>
+          <a:off x="0" y="0"/>
+          <a:ext cx="0" cy="0"/>
+          <a:chOff x="0" y="0"/>
+          <a:chExt cx="0" cy="0"/>
+        </a:xfrm>
+      </p:grpSpPr>
+      <p:sp>
+        <p:nvSpPr>
+          <p:cNvPr id="146434" name="Rectangle 2">
+            <a:extLst>
+              <a:ext uri="{FF2B5EF4-FFF2-40B4-BE49-F238E27FC236}">
+                <a16:creationId xmlns:a16="http://schemas.microsoft.com/office/drawing/2014/main" id="{6E7A2053-CAF7-CE02-D72B-C90350587FA8}"/>
+              </a:ext>
+            </a:extLst>
+          </p:cNvPr>
+          <p:cNvSpPr>
+            <a:spLocks/>
+          </p:cNvSpPr>
+          <p:nvPr/>
+        </p:nvSpPr>
+        <p:spPr bwMode="auto">
+          <a:xfrm>
+            <a:off x="3985333" y="2620963"/>
+            <a:ext cx="3465692" cy="833150"/>
+          </a:xfrm>
+          <a:prstGeom prst="rect">
+            <a:avLst/>
+          </a:prstGeom>
+          <a:noFill/>
+          <a:ln>
+            <a:noFill/>
+          </a:ln>
+        </p:spPr>
+        <p:txBody>
+          <a:bodyPr wrap="none" lIns="0" tIns="108000" rIns="0" bIns="108000">
+            <a:spAutoFit/>
+          </a:bodyPr>
+          <a:lstStyle>
+            <a:lvl1pPr marL="228600" indent="-228600">
+              <a:lnSpc>
+                <a:spcPct val="120000"/>
+              </a:lnSpc>
+              <a:spcBef>
+                <a:spcPts val="1000"/>
+              </a:spcBef>
+              <a:buFont typeface="Arial" panose="020B0604020202020204" pitchFamily="34" charset="0"/>
+              <a:buChar char="•"/>
+              <a:defRPr sz="2600">
+                <a:solidFill>
+                  <a:srgbClr val="005CAC"/>
+                </a:solidFill>
+                <a:latin typeface="Century Gothic" panose="020B0502020202020204" pitchFamily="34" charset="0"/>
+              </a:defRPr>
+            </a:lvl1pPr>
+            <a:lvl2pPr marL="685800" indent="-228600">
+              <a:lnSpc>
+                <a:spcPct val="110000"/>
+              </a:lnSpc>
+              <a:spcBef>
+                <a:spcPts val="500"/>
+              </a:spcBef>
+              <a:buFont typeface="Arial" panose="020B0604020202020204" pitchFamily="34" charset="0"/>
+              <a:buChar char="•"/>
+              <a:defRPr sz="2100">
+                <a:solidFill>
+                  <a:srgbClr val="4D4D4D"/>
+                </a:solidFill>
+                <a:latin typeface="Century Gothic" panose="020B0502020202020204" pitchFamily="34" charset="0"/>
+              </a:defRPr>
+            </a:lvl2pPr>
+            <a:lvl3pPr marL="1143000" indent="-228600">
+              <a:lnSpc>
+                <a:spcPct val="90000"/>
+              </a:lnSpc>
+              <a:spcBef>
+                <a:spcPts val="500"/>
+              </a:spcBef>
+              <a:buFont typeface="Arial" panose="020B0604020202020204" pitchFamily="34" charset="0"/>
+              <a:buChar char="•"/>
+              <a:defRPr sz="1600">
+                <a:solidFill>
+                  <a:srgbClr val="4D4D4D"/>
+                </a:solidFill>
+                <a:latin typeface="Century Gothic" panose="020B0502020202020204" pitchFamily="34" charset="0"/>
+              </a:defRPr>
+            </a:lvl3pPr>
+            <a:lvl4pPr marL="1600200" indent="-228600">
+              <a:lnSpc>
+                <a:spcPct val="90000"/>
+              </a:lnSpc>
+              <a:spcBef>
+                <a:spcPts val="500"/>
+              </a:spcBef>
+              <a:buFont typeface="Arial" panose="020B0604020202020204" pitchFamily="34" charset="0"/>
+              <a:buChar char="•"/>
+              <a:defRPr>
+                <a:solidFill>
+                  <a:srgbClr val="292929"/>
+                </a:solidFill>
+                <a:latin typeface="Century Gothic" panose="020B0502020202020204" pitchFamily="34" charset="0"/>
+              </a:defRPr>
+            </a:lvl4pPr>
+            <a:lvl5pPr marL="2057400" indent="-228600">
+              <a:lnSpc>
+                <a:spcPct val="90000"/>
+              </a:lnSpc>
+              <a:spcBef>
+                <a:spcPts val="500"/>
+              </a:spcBef>
+              <a:buFont typeface="Arial" panose="020B0604020202020204" pitchFamily="34" charset="0"/>
+              <a:buChar char="•"/>
+              <a:defRPr>
+                <a:solidFill>
+                  <a:srgbClr val="292929"/>
+                </a:solidFill>
+                <a:latin typeface="Century Gothic" panose="020B0502020202020204" pitchFamily="34" charset="0"/>
+              </a:defRPr>
+            </a:lvl5pPr>
+            <a:lvl6pPr marL="2514600" indent="-228600" fontAlgn="base">
+              <a:lnSpc>
+                <a:spcPct val="90000"/>
+              </a:lnSpc>
+              <a:spcBef>
+                <a:spcPts val="500"/>
+              </a:spcBef>
+              <a:spcAft>
+                <a:spcPct val="0"/>
+              </a:spcAft>
+              <a:buFont typeface="Arial" panose="020B0604020202020204" pitchFamily="34" charset="0"/>
+              <a:buChar char="•"/>
+              <a:defRPr>
+                <a:solidFill>
+                  <a:srgbClr val="292929"/>
+                </a:solidFill>
+                <a:latin typeface="Century Gothic" panose="020B0502020202020204" pitchFamily="34" charset="0"/>
+              </a:defRPr>
+            </a:lvl6pPr>
+            <a:lvl7pPr marL="2971800" indent="-228600" fontAlgn="base">
+              <a:lnSpc>
+                <a:spcPct val="90000"/>
+              </a:lnSpc>
+              <a:spcBef>
+                <a:spcPts val="500"/>
+              </a:spcBef>
+              <a:spcAft>
+                <a:spcPct val="0"/>
+              </a:spcAft>
+              <a:buFont typeface="Arial" panose="020B0604020202020204" pitchFamily="34" charset="0"/>
+              <a:buChar char="•"/>
+              <a:defRPr>
+                <a:solidFill>
+                  <a:srgbClr val="292929"/>
+                </a:solidFill>
+                <a:latin typeface="Century Gothic" panose="020B0502020202020204" pitchFamily="34" charset="0"/>
+              </a:defRPr>
+            </a:lvl7pPr>
+            <a:lvl8pPr marL="3429000" indent="-228600" fontAlgn="base">
+              <a:lnSpc>
+                <a:spcPct val="90000"/>
+              </a:lnSpc>
+              <a:spcBef>
+                <a:spcPts val="500"/>
+              </a:spcBef>
+              <a:spcAft>
+                <a:spcPct val="0"/>
+              </a:spcAft>
+              <a:buFont typeface="Arial" panose="020B0604020202020204" pitchFamily="34" charset="0"/>
+              <a:buChar char="•"/>
+              <a:defRPr>
+                <a:solidFill>
+                  <a:srgbClr val="292929"/>
+                </a:solidFill>
+                <a:latin typeface="Century Gothic" panose="020B0502020202020204" pitchFamily="34" charset="0"/>
+              </a:defRPr>
+            </a:lvl8pPr>
+            <a:lvl9pPr marL="3886200" indent="-228600" fontAlgn="base">
+              <a:lnSpc>
+                <a:spcPct val="90000"/>
+              </a:lnSpc>
+              <a:spcBef>
+                <a:spcPts val="500"/>
+              </a:spcBef>
+              <a:spcAft>
+                <a:spcPct val="0"/>
+              </a:spcAft>
+              <a:buFont typeface="Arial" panose="020B0604020202020204" pitchFamily="34" charset="0"/>
+              <a:buChar char="•"/>
+              <a:defRPr>
+                <a:solidFill>
+                  <a:srgbClr val="292929"/>
+                </a:solidFill>
+                <a:latin typeface="Century Gothic" panose="020B0502020202020204" pitchFamily="34" charset="0"/>
+              </a:defRPr>
+            </a:lvl9pPr>
+          </a:lstStyle>
+          <a:p>
+            <a:pPr algn="ctr" defTabSz="914400" eaLnBrk="1" hangingPunct="1">
+              <a:lnSpc>
+                <a:spcPct val="90000"/>
+              </a:lnSpc>
+              <a:buFont typeface="Arial" panose="020B0604020202020204" pitchFamily="34" charset="0"/>
+              <a:buNone/>
+              <a:defRPr/>
+            </a:pPr>
+            <a:r>
+              <a:rPr lang="cs-CZ" altLang="cs-CZ" sz="4400" b="0" dirty="0">
+                <a:solidFill>
+                  <a:srgbClr val="0074B0"/>
+                </a:solidFill>
+                <a:latin typeface="Poppins"/>
+                <a:ea typeface="+mj-ea"/>
+                <a:cs typeface="Poppins"/>
+              </a:rPr>
+              <a:t>Příprava dat</a:t>
+            </a:r>
+          </a:p>
+        </p:txBody>
+      </p:sp>
+    </p:spTree>
+    <p:extLst>
+      <p:ext uri="{BB962C8B-B14F-4D97-AF65-F5344CB8AC3E}">
+        <p14:creationId xmlns:p14="http://schemas.microsoft.com/office/powerpoint/2010/main" val="1040437070"/>
+      </p:ext>
+    </p:extLst>
+  </p:cSld>
+  <p:clrMapOvr>
+    <a:masterClrMapping/>
+  </p:clrMapOvr>
+</p:sld>
+</file>
+
+<file path=ppt/slides/slide21.xml><?xml version="1.0" encoding="utf-8"?>
+<p:sld xmlns:a="http://schemas.openxmlformats.org/drawingml/2006/main" xmlns:r="http://schemas.openxmlformats.org/officeDocument/2006/relationships" xmlns:p="http://schemas.openxmlformats.org/presentationml/2006/main">
+  <p:cSld>
+    <p:spTree>
+      <p:nvGrpSpPr>
         <p:cNvPr id="1" name=""/>
         <p:cNvGrpSpPr/>
         <p:nvPr/>
@@ -7589,7 +8155,7 @@
 </p:sld>
 </file>
 
-<file path=ppt/slides/slide21.xml><?xml version="1.0" encoding="utf-8"?>
+<file path=ppt/slides/slide22.xml><?xml version="1.0" encoding="utf-8"?>
 <p:sld xmlns:a="http://schemas.openxmlformats.org/drawingml/2006/main" xmlns:r="http://schemas.openxmlformats.org/officeDocument/2006/relationships" xmlns:p="http://schemas.openxmlformats.org/presentationml/2006/main">
   <p:cSld>
     <p:spTree>
@@ -7838,7 +8404,7 @@
 </p:sld>
 </file>
 
-<file path=ppt/slides/slide22.xml><?xml version="1.0" encoding="utf-8"?>
+<file path=ppt/slides/slide23.xml><?xml version="1.0" encoding="utf-8"?>
 <p:sld xmlns:a="http://schemas.openxmlformats.org/drawingml/2006/main" xmlns:r="http://schemas.openxmlformats.org/officeDocument/2006/relationships" xmlns:p="http://schemas.openxmlformats.org/presentationml/2006/main">
   <p:cSld>
     <p:spTree>
@@ -9353,7 +9919,7 @@
 </p:sld>
 </file>
 
-<file path=ppt/slides/slide23.xml><?xml version="1.0" encoding="utf-8"?>
+<file path=ppt/slides/slide24.xml><?xml version="1.0" encoding="utf-8"?>
 <p:sld xmlns:a="http://schemas.openxmlformats.org/drawingml/2006/main" xmlns:r="http://schemas.openxmlformats.org/officeDocument/2006/relationships" xmlns:p="http://schemas.openxmlformats.org/presentationml/2006/main">
   <p:cSld>
     <p:spTree>
@@ -9508,7 +10074,7 @@
 </p:sld>
 </file>
 
-<file path=ppt/slides/slide24.xml><?xml version="1.0" encoding="utf-8"?>
+<file path=ppt/slides/slide25.xml><?xml version="1.0" encoding="utf-8"?>
 <p:sld xmlns:a="http://schemas.openxmlformats.org/drawingml/2006/main" xmlns:r="http://schemas.openxmlformats.org/officeDocument/2006/relationships" xmlns:p="http://schemas.openxmlformats.org/presentationml/2006/main">
   <p:cSld>
     <p:spTree>
@@ -9687,7 +10253,7 @@
 </p:sld>
 </file>
 
-<file path=ppt/slides/slide25.xml><?xml version="1.0" encoding="utf-8"?>
+<file path=ppt/slides/slide26.xml><?xml version="1.0" encoding="utf-8"?>
 <p:sld xmlns:a="http://schemas.openxmlformats.org/drawingml/2006/main" xmlns:r="http://schemas.openxmlformats.org/officeDocument/2006/relationships" xmlns:p="http://schemas.openxmlformats.org/presentationml/2006/main">
   <p:cSld>
     <p:spTree>
@@ -9937,7 +10503,7 @@
 </p:sld>
 </file>
 
-<file path=ppt/slides/slide26.xml><?xml version="1.0" encoding="utf-8"?>
+<file path=ppt/slides/slide27.xml><?xml version="1.0" encoding="utf-8"?>
 <p:sld xmlns:a="http://schemas.openxmlformats.org/drawingml/2006/main" xmlns:r="http://schemas.openxmlformats.org/officeDocument/2006/relationships" xmlns:p="http://schemas.openxmlformats.org/presentationml/2006/main">
   <p:cSld>
     <p:spTree>
@@ -10393,7 +10959,7 @@
 </p:sld>
 </file>
 
-<file path=ppt/slides/slide27.xml><?xml version="1.0" encoding="utf-8"?>
+<file path=ppt/slides/slide28.xml><?xml version="1.0" encoding="utf-8"?>
 <p:sld xmlns:a="http://schemas.openxmlformats.org/drawingml/2006/main" xmlns:r="http://schemas.openxmlformats.org/officeDocument/2006/relationships" xmlns:p="http://schemas.openxmlformats.org/presentationml/2006/main">
   <p:cSld>
     <p:spTree>
@@ -10648,7 +11214,7 @@
 </p:sld>
 </file>
 
-<file path=ppt/slides/slide28.xml><?xml version="1.0" encoding="utf-8"?>
+<file path=ppt/slides/slide29.xml><?xml version="1.0" encoding="utf-8"?>
 <p:sld xmlns:a="http://schemas.openxmlformats.org/drawingml/2006/main" xmlns:r="http://schemas.openxmlformats.org/officeDocument/2006/relationships" xmlns:p="http://schemas.openxmlformats.org/presentationml/2006/main">
   <p:cSld>
     <p:spTree>
@@ -10986,298 +11552,6 @@
     <p:extLst>
       <p:ext uri="{BB962C8B-B14F-4D97-AF65-F5344CB8AC3E}">
         <p14:creationId xmlns:p14="http://schemas.microsoft.com/office/powerpoint/2010/main" val="2848383652"/>
-      </p:ext>
-    </p:extLst>
-  </p:cSld>
-  <p:clrMapOvr>
-    <a:masterClrMapping/>
-  </p:clrMapOvr>
-</p:sld>
-</file>
-
-<file path=ppt/slides/slide29.xml><?xml version="1.0" encoding="utf-8"?>
-<p:sld xmlns:a="http://schemas.openxmlformats.org/drawingml/2006/main" xmlns:r="http://schemas.openxmlformats.org/officeDocument/2006/relationships" xmlns:p="http://schemas.openxmlformats.org/presentationml/2006/main">
-  <p:cSld>
-    <p:spTree>
-      <p:nvGrpSpPr>
-        <p:cNvPr id="1" name="">
-          <a:extLst>
-            <a:ext uri="{FF2B5EF4-FFF2-40B4-BE49-F238E27FC236}">
-              <a16:creationId xmlns:a16="http://schemas.microsoft.com/office/drawing/2014/main" id="{716237B0-0FDB-2C20-AF15-5C322C7B2BCA}"/>
-            </a:ext>
-          </a:extLst>
-        </p:cNvPr>
-        <p:cNvGrpSpPr/>
-        <p:nvPr/>
-      </p:nvGrpSpPr>
-      <p:grpSpPr>
-        <a:xfrm>
-          <a:off x="0" y="0"/>
-          <a:ext cx="0" cy="0"/>
-          <a:chOff x="0" y="0"/>
-          <a:chExt cx="0" cy="0"/>
-        </a:xfrm>
-      </p:grpSpPr>
-      <p:sp>
-        <p:nvSpPr>
-          <p:cNvPr id="2" name="Title 1">
-            <a:extLst>
-              <a:ext uri="{FF2B5EF4-FFF2-40B4-BE49-F238E27FC236}">
-                <a16:creationId xmlns:a16="http://schemas.microsoft.com/office/drawing/2014/main" id="{4DE47F18-22F8-0F25-03BD-7FB3513C3386}"/>
-              </a:ext>
-            </a:extLst>
-          </p:cNvPr>
-          <p:cNvSpPr>
-            <a:spLocks noGrp="1"/>
-          </p:cNvSpPr>
-          <p:nvPr>
-            <p:ph type="title"/>
-          </p:nvPr>
-        </p:nvSpPr>
-        <p:spPr/>
-        <p:txBody>
-          <a:bodyPr/>
-          <a:lstStyle/>
-          <a:p>
-            <a:r>
-              <a:rPr lang="cs-CZ" dirty="0"/>
-              <a:t>Doplnění chybějících hodnot u čísel</a:t>
-            </a:r>
-            <a:endParaRPr lang="en-US" dirty="0"/>
-          </a:p>
-        </p:txBody>
-      </p:sp>
-      <p:sp>
-        <p:nvSpPr>
-          <p:cNvPr id="4" name="TextBox 3">
-            <a:extLst>
-              <a:ext uri="{FF2B5EF4-FFF2-40B4-BE49-F238E27FC236}">
-                <a16:creationId xmlns:a16="http://schemas.microsoft.com/office/drawing/2014/main" id="{612C3B77-8BFC-7A4B-AAEB-8DA3659C9AD5}"/>
-              </a:ext>
-            </a:extLst>
-          </p:cNvPr>
-          <p:cNvSpPr txBox="1"/>
-          <p:nvPr/>
-        </p:nvSpPr>
-        <p:spPr>
-          <a:xfrm>
-            <a:off x="792163" y="1690688"/>
-            <a:ext cx="7368069" cy="800219"/>
-          </a:xfrm>
-          <a:prstGeom prst="rect">
-            <a:avLst/>
-          </a:prstGeom>
-          <a:noFill/>
-        </p:spPr>
-        <p:txBody>
-          <a:bodyPr wrap="square" rtlCol="0">
-            <a:spAutoFit/>
-          </a:bodyPr>
-          <a:lstStyle/>
-          <a:p>
-            <a:pPr>
-              <a:spcAft>
-                <a:spcPts val="1200"/>
-              </a:spcAft>
-            </a:pPr>
-            <a:endParaRPr lang="cs-CZ" b="0" dirty="0"/>
-          </a:p>
-          <a:p>
-            <a:pPr marL="285750" indent="-285750">
-              <a:spcAft>
-                <a:spcPts val="1200"/>
-              </a:spcAft>
-              <a:buFontTx/>
-              <a:buChar char="-"/>
-            </a:pPr>
-            <a:endParaRPr lang="cs-CZ" b="0" dirty="0"/>
-          </a:p>
-        </p:txBody>
-      </p:sp>
-      <p:sp>
-        <p:nvSpPr>
-          <p:cNvPr id="5" name="TextBox 4">
-            <a:extLst>
-              <a:ext uri="{FF2B5EF4-FFF2-40B4-BE49-F238E27FC236}">
-                <a16:creationId xmlns:a16="http://schemas.microsoft.com/office/drawing/2014/main" id="{3466040B-B874-A8F7-65AC-CF462CA9D464}"/>
-              </a:ext>
-            </a:extLst>
-          </p:cNvPr>
-          <p:cNvSpPr txBox="1"/>
-          <p:nvPr/>
-        </p:nvSpPr>
-        <p:spPr>
-          <a:xfrm>
-            <a:off x="472966" y="6085490"/>
-            <a:ext cx="9970113" cy="253916"/>
-          </a:xfrm>
-          <a:prstGeom prst="rect">
-            <a:avLst/>
-          </a:prstGeom>
-          <a:noFill/>
-        </p:spPr>
-        <p:txBody>
-          <a:bodyPr wrap="square" rtlCol="0">
-            <a:spAutoFit/>
-          </a:bodyPr>
-          <a:lstStyle/>
-          <a:p>
-            <a:r>
-              <a:rPr lang="en-US" sz="1050" b="0" i="0" dirty="0">
-                <a:solidFill>
-                  <a:srgbClr val="212529"/>
-                </a:solidFill>
-                <a:effectLst/>
-                <a:latin typeface="Open Sans" pitchFamily="2" charset="0"/>
-              </a:rPr>
-              <a:t>https://builtin.com/data-science/empirical-rule</a:t>
-            </a:r>
-            <a:endParaRPr lang="en-US" sz="1050" dirty="0"/>
-          </a:p>
-        </p:txBody>
-      </p:sp>
-      <p:sp>
-        <p:nvSpPr>
-          <p:cNvPr id="3" name="TextBox 2">
-            <a:extLst>
-              <a:ext uri="{FF2B5EF4-FFF2-40B4-BE49-F238E27FC236}">
-                <a16:creationId xmlns:a16="http://schemas.microsoft.com/office/drawing/2014/main" id="{CFA34EB4-8FFB-8A14-25C7-4894D86C2528}"/>
-              </a:ext>
-            </a:extLst>
-          </p:cNvPr>
-          <p:cNvSpPr txBox="1"/>
-          <p:nvPr/>
-        </p:nvSpPr>
-        <p:spPr>
-          <a:xfrm>
-            <a:off x="792163" y="1690688"/>
-            <a:ext cx="7368069" cy="3816429"/>
-          </a:xfrm>
-          <a:prstGeom prst="rect">
-            <a:avLst/>
-          </a:prstGeom>
-          <a:noFill/>
-        </p:spPr>
-        <p:txBody>
-          <a:bodyPr wrap="square" rtlCol="0">
-            <a:spAutoFit/>
-          </a:bodyPr>
-          <a:lstStyle/>
-          <a:p>
-            <a:pPr>
-              <a:spcAft>
-                <a:spcPts val="1200"/>
-              </a:spcAft>
-            </a:pPr>
-            <a:r>
-              <a:rPr lang="cs-CZ" b="0" dirty="0"/>
-              <a:t>Doplním průměrem – nezmění se průměr, ale zmenší se rozptyl</a:t>
-            </a:r>
-          </a:p>
-          <a:p>
-            <a:pPr>
-              <a:spcAft>
-                <a:spcPts val="1200"/>
-              </a:spcAft>
-            </a:pPr>
-            <a:r>
-              <a:rPr lang="cs-CZ" b="0" dirty="0"/>
-              <a:t>Podmíněné doplnění průměrem – stejné problémy</a:t>
-            </a:r>
-          </a:p>
-          <a:p>
-            <a:pPr>
-              <a:spcAft>
-                <a:spcPts val="1200"/>
-              </a:spcAft>
-            </a:pPr>
-            <a:r>
-              <a:rPr lang="cs-CZ" b="0" dirty="0"/>
-              <a:t>Predikce regresním problémem – vznik </a:t>
-            </a:r>
-            <a:r>
-              <a:rPr lang="cs-CZ" b="0" dirty="0" err="1"/>
-              <a:t>multikolinearity</a:t>
-            </a:r>
-            <a:endParaRPr lang="cs-CZ" b="0" dirty="0"/>
-          </a:p>
-          <a:p>
-            <a:pPr>
-              <a:spcAft>
-                <a:spcPts val="1200"/>
-              </a:spcAft>
-            </a:pPr>
-            <a:r>
-              <a:rPr lang="cs-CZ" b="0" dirty="0"/>
-              <a:t>Vícenásobné doplnění</a:t>
-            </a:r>
-          </a:p>
-          <a:p>
-            <a:pPr marL="285750" indent="-285750">
-              <a:spcAft>
-                <a:spcPts val="1200"/>
-              </a:spcAft>
-              <a:buFont typeface="Wingdings" panose="05000000000000000000" pitchFamily="2" charset="2"/>
-              <a:buChar char="Ø"/>
-            </a:pPr>
-            <a:r>
-              <a:rPr lang="cs-CZ" b="0" dirty="0"/>
-              <a:t>Rozdělení dat na více data setů</a:t>
-            </a:r>
-          </a:p>
-          <a:p>
-            <a:pPr marL="285750" indent="-285750">
-              <a:spcAft>
-                <a:spcPts val="1200"/>
-              </a:spcAft>
-              <a:buFont typeface="Wingdings" panose="05000000000000000000" pitchFamily="2" charset="2"/>
-              <a:buChar char="Ø"/>
-            </a:pPr>
-            <a:r>
-              <a:rPr lang="cs-CZ" b="0" dirty="0"/>
-              <a:t>Doplnění chybějících hodnot – různé způsoby</a:t>
-            </a:r>
-          </a:p>
-          <a:p>
-            <a:pPr marL="285750" indent="-285750">
-              <a:spcAft>
-                <a:spcPts val="1200"/>
-              </a:spcAft>
-              <a:buFont typeface="Wingdings" panose="05000000000000000000" pitchFamily="2" charset="2"/>
-              <a:buChar char="Ø"/>
-            </a:pPr>
-            <a:r>
-              <a:rPr lang="cs-CZ" b="0" dirty="0"/>
-              <a:t>Dokončení analýzy</a:t>
-            </a:r>
-          </a:p>
-          <a:p>
-            <a:pPr marL="285750" indent="-285750">
-              <a:spcAft>
-                <a:spcPts val="1200"/>
-              </a:spcAft>
-              <a:buFont typeface="Wingdings" panose="05000000000000000000" pitchFamily="2" charset="2"/>
-              <a:buChar char="Ø"/>
-            </a:pPr>
-            <a:r>
-              <a:rPr lang="cs-CZ" b="0" dirty="0"/>
-              <a:t>Agregace výsledků</a:t>
-            </a:r>
-          </a:p>
-          <a:p>
-            <a:pPr>
-              <a:spcAft>
-                <a:spcPts val="1200"/>
-              </a:spcAft>
-            </a:pPr>
-            <a:endParaRPr lang="cs-CZ" b="0" dirty="0"/>
-          </a:p>
-        </p:txBody>
-      </p:sp>
-    </p:spTree>
-    <p:extLst>
-      <p:ext uri="{BB962C8B-B14F-4D97-AF65-F5344CB8AC3E}">
-        <p14:creationId xmlns:p14="http://schemas.microsoft.com/office/powerpoint/2010/main" val="1167662065"/>
       </p:ext>
     </p:extLst>
   </p:cSld>
@@ -11584,6 +11858,298 @@
         <p:cNvPr id="1" name="">
           <a:extLst>
             <a:ext uri="{FF2B5EF4-FFF2-40B4-BE49-F238E27FC236}">
+              <a16:creationId xmlns:a16="http://schemas.microsoft.com/office/drawing/2014/main" id="{716237B0-0FDB-2C20-AF15-5C322C7B2BCA}"/>
+            </a:ext>
+          </a:extLst>
+        </p:cNvPr>
+        <p:cNvGrpSpPr/>
+        <p:nvPr/>
+      </p:nvGrpSpPr>
+      <p:grpSpPr>
+        <a:xfrm>
+          <a:off x="0" y="0"/>
+          <a:ext cx="0" cy="0"/>
+          <a:chOff x="0" y="0"/>
+          <a:chExt cx="0" cy="0"/>
+        </a:xfrm>
+      </p:grpSpPr>
+      <p:sp>
+        <p:nvSpPr>
+          <p:cNvPr id="2" name="Title 1">
+            <a:extLst>
+              <a:ext uri="{FF2B5EF4-FFF2-40B4-BE49-F238E27FC236}">
+                <a16:creationId xmlns:a16="http://schemas.microsoft.com/office/drawing/2014/main" id="{4DE47F18-22F8-0F25-03BD-7FB3513C3386}"/>
+              </a:ext>
+            </a:extLst>
+          </p:cNvPr>
+          <p:cNvSpPr>
+            <a:spLocks noGrp="1"/>
+          </p:cNvSpPr>
+          <p:nvPr>
+            <p:ph type="title"/>
+          </p:nvPr>
+        </p:nvSpPr>
+        <p:spPr/>
+        <p:txBody>
+          <a:bodyPr/>
+          <a:lstStyle/>
+          <a:p>
+            <a:r>
+              <a:rPr lang="cs-CZ" dirty="0"/>
+              <a:t>Doplnění chybějících hodnot u čísel</a:t>
+            </a:r>
+            <a:endParaRPr lang="en-US" dirty="0"/>
+          </a:p>
+        </p:txBody>
+      </p:sp>
+      <p:sp>
+        <p:nvSpPr>
+          <p:cNvPr id="4" name="TextBox 3">
+            <a:extLst>
+              <a:ext uri="{FF2B5EF4-FFF2-40B4-BE49-F238E27FC236}">
+                <a16:creationId xmlns:a16="http://schemas.microsoft.com/office/drawing/2014/main" id="{612C3B77-8BFC-7A4B-AAEB-8DA3659C9AD5}"/>
+              </a:ext>
+            </a:extLst>
+          </p:cNvPr>
+          <p:cNvSpPr txBox="1"/>
+          <p:nvPr/>
+        </p:nvSpPr>
+        <p:spPr>
+          <a:xfrm>
+            <a:off x="792163" y="1690688"/>
+            <a:ext cx="7368069" cy="800219"/>
+          </a:xfrm>
+          <a:prstGeom prst="rect">
+            <a:avLst/>
+          </a:prstGeom>
+          <a:noFill/>
+        </p:spPr>
+        <p:txBody>
+          <a:bodyPr wrap="square" rtlCol="0">
+            <a:spAutoFit/>
+          </a:bodyPr>
+          <a:lstStyle/>
+          <a:p>
+            <a:pPr>
+              <a:spcAft>
+                <a:spcPts val="1200"/>
+              </a:spcAft>
+            </a:pPr>
+            <a:endParaRPr lang="cs-CZ" b="0" dirty="0"/>
+          </a:p>
+          <a:p>
+            <a:pPr marL="285750" indent="-285750">
+              <a:spcAft>
+                <a:spcPts val="1200"/>
+              </a:spcAft>
+              <a:buFontTx/>
+              <a:buChar char="-"/>
+            </a:pPr>
+            <a:endParaRPr lang="cs-CZ" b="0" dirty="0"/>
+          </a:p>
+        </p:txBody>
+      </p:sp>
+      <p:sp>
+        <p:nvSpPr>
+          <p:cNvPr id="5" name="TextBox 4">
+            <a:extLst>
+              <a:ext uri="{FF2B5EF4-FFF2-40B4-BE49-F238E27FC236}">
+                <a16:creationId xmlns:a16="http://schemas.microsoft.com/office/drawing/2014/main" id="{3466040B-B874-A8F7-65AC-CF462CA9D464}"/>
+              </a:ext>
+            </a:extLst>
+          </p:cNvPr>
+          <p:cNvSpPr txBox="1"/>
+          <p:nvPr/>
+        </p:nvSpPr>
+        <p:spPr>
+          <a:xfrm>
+            <a:off x="472966" y="6085490"/>
+            <a:ext cx="9970113" cy="253916"/>
+          </a:xfrm>
+          <a:prstGeom prst="rect">
+            <a:avLst/>
+          </a:prstGeom>
+          <a:noFill/>
+        </p:spPr>
+        <p:txBody>
+          <a:bodyPr wrap="square" rtlCol="0">
+            <a:spAutoFit/>
+          </a:bodyPr>
+          <a:lstStyle/>
+          <a:p>
+            <a:r>
+              <a:rPr lang="en-US" sz="1050" b="0" i="0" dirty="0">
+                <a:solidFill>
+                  <a:srgbClr val="212529"/>
+                </a:solidFill>
+                <a:effectLst/>
+                <a:latin typeface="Open Sans" pitchFamily="2" charset="0"/>
+              </a:rPr>
+              <a:t>https://builtin.com/data-science/empirical-rule</a:t>
+            </a:r>
+            <a:endParaRPr lang="en-US" sz="1050" dirty="0"/>
+          </a:p>
+        </p:txBody>
+      </p:sp>
+      <p:sp>
+        <p:nvSpPr>
+          <p:cNvPr id="3" name="TextBox 2">
+            <a:extLst>
+              <a:ext uri="{FF2B5EF4-FFF2-40B4-BE49-F238E27FC236}">
+                <a16:creationId xmlns:a16="http://schemas.microsoft.com/office/drawing/2014/main" id="{CFA34EB4-8FFB-8A14-25C7-4894D86C2528}"/>
+              </a:ext>
+            </a:extLst>
+          </p:cNvPr>
+          <p:cNvSpPr txBox="1"/>
+          <p:nvPr/>
+        </p:nvSpPr>
+        <p:spPr>
+          <a:xfrm>
+            <a:off x="792163" y="1690688"/>
+            <a:ext cx="7368069" cy="3816429"/>
+          </a:xfrm>
+          <a:prstGeom prst="rect">
+            <a:avLst/>
+          </a:prstGeom>
+          <a:noFill/>
+        </p:spPr>
+        <p:txBody>
+          <a:bodyPr wrap="square" rtlCol="0">
+            <a:spAutoFit/>
+          </a:bodyPr>
+          <a:lstStyle/>
+          <a:p>
+            <a:pPr>
+              <a:spcAft>
+                <a:spcPts val="1200"/>
+              </a:spcAft>
+            </a:pPr>
+            <a:r>
+              <a:rPr lang="cs-CZ" b="0" dirty="0"/>
+              <a:t>Doplním průměrem – nezmění se průměr, ale zmenší se rozptyl</a:t>
+            </a:r>
+          </a:p>
+          <a:p>
+            <a:pPr>
+              <a:spcAft>
+                <a:spcPts val="1200"/>
+              </a:spcAft>
+            </a:pPr>
+            <a:r>
+              <a:rPr lang="cs-CZ" b="0" dirty="0"/>
+              <a:t>Podmíněné doplnění průměrem – stejné problémy</a:t>
+            </a:r>
+          </a:p>
+          <a:p>
+            <a:pPr>
+              <a:spcAft>
+                <a:spcPts val="1200"/>
+              </a:spcAft>
+            </a:pPr>
+            <a:r>
+              <a:rPr lang="cs-CZ" b="0" dirty="0"/>
+              <a:t>Predikce regresním problémem – vznik </a:t>
+            </a:r>
+            <a:r>
+              <a:rPr lang="cs-CZ" b="0" dirty="0" err="1"/>
+              <a:t>multikolinearity</a:t>
+            </a:r>
+            <a:endParaRPr lang="cs-CZ" b="0" dirty="0"/>
+          </a:p>
+          <a:p>
+            <a:pPr>
+              <a:spcAft>
+                <a:spcPts val="1200"/>
+              </a:spcAft>
+            </a:pPr>
+            <a:r>
+              <a:rPr lang="cs-CZ" b="0" dirty="0"/>
+              <a:t>Vícenásobné doplnění</a:t>
+            </a:r>
+          </a:p>
+          <a:p>
+            <a:pPr marL="285750" indent="-285750">
+              <a:spcAft>
+                <a:spcPts val="1200"/>
+              </a:spcAft>
+              <a:buFont typeface="Wingdings" panose="05000000000000000000" pitchFamily="2" charset="2"/>
+              <a:buChar char="Ø"/>
+            </a:pPr>
+            <a:r>
+              <a:rPr lang="cs-CZ" b="0" dirty="0"/>
+              <a:t>Rozdělení dat na více data setů</a:t>
+            </a:r>
+          </a:p>
+          <a:p>
+            <a:pPr marL="285750" indent="-285750">
+              <a:spcAft>
+                <a:spcPts val="1200"/>
+              </a:spcAft>
+              <a:buFont typeface="Wingdings" panose="05000000000000000000" pitchFamily="2" charset="2"/>
+              <a:buChar char="Ø"/>
+            </a:pPr>
+            <a:r>
+              <a:rPr lang="cs-CZ" b="0" dirty="0"/>
+              <a:t>Doplnění chybějících hodnot – různé způsoby</a:t>
+            </a:r>
+          </a:p>
+          <a:p>
+            <a:pPr marL="285750" indent="-285750">
+              <a:spcAft>
+                <a:spcPts val="1200"/>
+              </a:spcAft>
+              <a:buFont typeface="Wingdings" panose="05000000000000000000" pitchFamily="2" charset="2"/>
+              <a:buChar char="Ø"/>
+            </a:pPr>
+            <a:r>
+              <a:rPr lang="cs-CZ" b="0" dirty="0"/>
+              <a:t>Dokončení analýzy</a:t>
+            </a:r>
+          </a:p>
+          <a:p>
+            <a:pPr marL="285750" indent="-285750">
+              <a:spcAft>
+                <a:spcPts val="1200"/>
+              </a:spcAft>
+              <a:buFont typeface="Wingdings" panose="05000000000000000000" pitchFamily="2" charset="2"/>
+              <a:buChar char="Ø"/>
+            </a:pPr>
+            <a:r>
+              <a:rPr lang="cs-CZ" b="0" dirty="0"/>
+              <a:t>Agregace výsledků</a:t>
+            </a:r>
+          </a:p>
+          <a:p>
+            <a:pPr>
+              <a:spcAft>
+                <a:spcPts val="1200"/>
+              </a:spcAft>
+            </a:pPr>
+            <a:endParaRPr lang="cs-CZ" b="0" dirty="0"/>
+          </a:p>
+        </p:txBody>
+      </p:sp>
+    </p:spTree>
+    <p:extLst>
+      <p:ext uri="{BB962C8B-B14F-4D97-AF65-F5344CB8AC3E}">
+        <p14:creationId xmlns:p14="http://schemas.microsoft.com/office/powerpoint/2010/main" val="1167662065"/>
+      </p:ext>
+    </p:extLst>
+  </p:cSld>
+  <p:clrMapOvr>
+    <a:masterClrMapping/>
+  </p:clrMapOvr>
+</p:sld>
+</file>
+
+<file path=ppt/slides/slide31.xml><?xml version="1.0" encoding="utf-8"?>
+<p:sld xmlns:a="http://schemas.openxmlformats.org/drawingml/2006/main" xmlns:r="http://schemas.openxmlformats.org/officeDocument/2006/relationships" xmlns:p="http://schemas.openxmlformats.org/presentationml/2006/main">
+  <p:cSld>
+    <p:spTree>
+      <p:nvGrpSpPr>
+        <p:cNvPr id="1" name="">
+          <a:extLst>
+            <a:ext uri="{FF2B5EF4-FFF2-40B4-BE49-F238E27FC236}">
               <a16:creationId xmlns:a16="http://schemas.microsoft.com/office/drawing/2014/main" id="{7E745D6B-213C-6C2E-7331-051F67237936}"/>
             </a:ext>
           </a:extLst>
@@ -11792,7 +12358,7 @@
 </p:sld>
 </file>
 
-<file path=ppt/slides/slide31.xml><?xml version="1.0" encoding="utf-8"?>
+<file path=ppt/slides/slide32.xml><?xml version="1.0" encoding="utf-8"?>
 <p:sld xmlns:a="http://schemas.openxmlformats.org/drawingml/2006/main" xmlns:r="http://schemas.openxmlformats.org/officeDocument/2006/relationships" xmlns:p="http://schemas.openxmlformats.org/presentationml/2006/main">
   <p:cSld>
     <p:spTree>
@@ -11866,6 +12432,165 @@
 </file>
 
 <file path=ppt/slides/slide4.xml><?xml version="1.0" encoding="utf-8"?>
+<p:sld xmlns:a="http://schemas.openxmlformats.org/drawingml/2006/main" xmlns:r="http://schemas.openxmlformats.org/officeDocument/2006/relationships" xmlns:p="http://schemas.openxmlformats.org/presentationml/2006/main">
+  <p:cSld>
+    <p:spTree>
+      <p:nvGrpSpPr>
+        <p:cNvPr id="1" name=""/>
+        <p:cNvGrpSpPr/>
+        <p:nvPr/>
+      </p:nvGrpSpPr>
+      <p:grpSpPr>
+        <a:xfrm>
+          <a:off x="0" y="0"/>
+          <a:ext cx="0" cy="0"/>
+          <a:chOff x="0" y="0"/>
+          <a:chExt cx="0" cy="0"/>
+        </a:xfrm>
+      </p:grpSpPr>
+      <p:pic>
+        <p:nvPicPr>
+          <p:cNvPr id="1026" name="Picture 2" descr="Standards">
+            <a:extLst>
+              <a:ext uri="{FF2B5EF4-FFF2-40B4-BE49-F238E27FC236}">
+                <a16:creationId xmlns:a16="http://schemas.microsoft.com/office/drawing/2014/main" id="{A55BD3AD-0772-58DE-0EC6-6833C79AACF3}"/>
+              </a:ext>
+            </a:extLst>
+          </p:cNvPr>
+          <p:cNvPicPr>
+            <a:picLocks noChangeAspect="1" noChangeArrowheads="1"/>
+          </p:cNvPicPr>
+          <p:nvPr/>
+        </p:nvPicPr>
+        <p:blipFill>
+          <a:blip r:embed="rId2">
+            <a:extLst>
+              <a:ext uri="{28A0092B-C50C-407E-A947-70E740481C1C}">
+                <a14:useLocalDpi xmlns:a14="http://schemas.microsoft.com/office/drawing/2010/main" val="0"/>
+              </a:ext>
+            </a:extLst>
+          </a:blip>
+          <a:srcRect/>
+          <a:stretch>
+            <a:fillRect/>
+          </a:stretch>
+        </p:blipFill>
+        <p:spPr bwMode="auto">
+          <a:xfrm>
+            <a:off x="672726" y="235678"/>
+            <a:ext cx="9045138" cy="5119548"/>
+          </a:xfrm>
+          <a:prstGeom prst="rect">
+            <a:avLst/>
+          </a:prstGeom>
+          <a:noFill/>
+          <a:extLst>
+            <a:ext uri="{909E8E84-426E-40DD-AFC4-6F175D3DCCD1}">
+              <a14:hiddenFill xmlns:a14="http://schemas.microsoft.com/office/drawing/2010/main">
+                <a:solidFill>
+                  <a:srgbClr val="FFFFFF"/>
+                </a:solidFill>
+              </a14:hiddenFill>
+            </a:ext>
+          </a:extLst>
+        </p:spPr>
+      </p:pic>
+      <p:sp>
+        <p:nvSpPr>
+          <p:cNvPr id="5" name="TextBox 4">
+            <a:extLst>
+              <a:ext uri="{FF2B5EF4-FFF2-40B4-BE49-F238E27FC236}">
+                <a16:creationId xmlns:a16="http://schemas.microsoft.com/office/drawing/2014/main" id="{2746DD60-9A92-7864-54AB-0138AA934936}"/>
+              </a:ext>
+            </a:extLst>
+          </p:cNvPr>
+          <p:cNvSpPr txBox="1"/>
+          <p:nvPr/>
+        </p:nvSpPr>
+        <p:spPr>
+          <a:xfrm>
+            <a:off x="868680" y="6160348"/>
+            <a:ext cx="5760720" cy="369332"/>
+          </a:xfrm>
+          <a:prstGeom prst="rect">
+            <a:avLst/>
+          </a:prstGeom>
+          <a:noFill/>
+        </p:spPr>
+        <p:txBody>
+          <a:bodyPr wrap="square">
+            <a:spAutoFit/>
+          </a:bodyPr>
+          <a:lstStyle/>
+          <a:p>
+            <a:r>
+              <a:rPr lang="en-US" dirty="0"/>
+              <a:t>https://xkcd.com/927/</a:t>
+            </a:r>
+          </a:p>
+        </p:txBody>
+      </p:sp>
+      <p:pic>
+        <p:nvPicPr>
+          <p:cNvPr id="6" name="Picture 2" descr="Standards">
+            <a:extLst>
+              <a:ext uri="{FF2B5EF4-FFF2-40B4-BE49-F238E27FC236}">
+                <a16:creationId xmlns:a16="http://schemas.microsoft.com/office/drawing/2014/main" id="{0328DA68-F870-5486-970E-6312C0AA5C95}"/>
+              </a:ext>
+            </a:extLst>
+          </p:cNvPr>
+          <p:cNvPicPr>
+            <a:picLocks noChangeAspect="1" noChangeArrowheads="1"/>
+          </p:cNvPicPr>
+          <p:nvPr/>
+        </p:nvPicPr>
+        <p:blipFill>
+          <a:blip r:embed="rId2">
+            <a:extLst>
+              <a:ext uri="{28A0092B-C50C-407E-A947-70E740481C1C}">
+                <a14:useLocalDpi xmlns:a14="http://schemas.microsoft.com/office/drawing/2010/main" val="0"/>
+              </a:ext>
+            </a:extLst>
+          </a:blip>
+          <a:srcRect/>
+          <a:stretch>
+            <a:fillRect/>
+          </a:stretch>
+        </p:blipFill>
+        <p:spPr bwMode="auto">
+          <a:xfrm>
+            <a:off x="825126" y="388078"/>
+            <a:ext cx="9045138" cy="5119548"/>
+          </a:xfrm>
+          <a:prstGeom prst="rect">
+            <a:avLst/>
+          </a:prstGeom>
+          <a:noFill/>
+          <a:extLst>
+            <a:ext uri="{909E8E84-426E-40DD-AFC4-6F175D3DCCD1}">
+              <a14:hiddenFill xmlns:a14="http://schemas.microsoft.com/office/drawing/2010/main">
+                <a:solidFill>
+                  <a:srgbClr val="FFFFFF"/>
+                </a:solidFill>
+              </a14:hiddenFill>
+            </a:ext>
+          </a:extLst>
+        </p:spPr>
+      </p:pic>
+    </p:spTree>
+    <p:extLst>
+      <p:ext uri="{BB962C8B-B14F-4D97-AF65-F5344CB8AC3E}">
+        <p14:creationId xmlns:p14="http://schemas.microsoft.com/office/powerpoint/2010/main" val="3149237779"/>
+      </p:ext>
+    </p:extLst>
+  </p:cSld>
+  <p:clrMapOvr>
+    <a:masterClrMapping/>
+  </p:clrMapOvr>
+</p:sld>
+</file>
+
+<file path=ppt/slides/slide5.xml><?xml version="1.0" encoding="utf-8"?>
 <p:sld xmlns:a="http://schemas.openxmlformats.org/drawingml/2006/main" xmlns:r="http://schemas.openxmlformats.org/officeDocument/2006/relationships" xmlns:p="http://schemas.openxmlformats.org/presentationml/2006/main">
   <p:cSld>
     <p:spTree>
@@ -12192,7 +12917,7 @@
 </p:sld>
 </file>
 
-<file path=ppt/slides/slide5.xml><?xml version="1.0" encoding="utf-8"?>
+<file path=ppt/slides/slide6.xml><?xml version="1.0" encoding="utf-8"?>
 <p:sld xmlns:a="http://schemas.openxmlformats.org/drawingml/2006/main" xmlns:r="http://schemas.openxmlformats.org/officeDocument/2006/relationships" xmlns:p="http://schemas.openxmlformats.org/presentationml/2006/main">
   <p:cSld>
     <p:spTree>
@@ -12802,7 +13527,7 @@
 </p:sld>
 </file>
 
-<file path=ppt/slides/slide6.xml><?xml version="1.0" encoding="utf-8"?>
+<file path=ppt/slides/slide7.xml><?xml version="1.0" encoding="utf-8"?>
 <p:sld xmlns:a="http://schemas.openxmlformats.org/drawingml/2006/main" xmlns:r="http://schemas.openxmlformats.org/officeDocument/2006/relationships" xmlns:p="http://schemas.openxmlformats.org/presentationml/2006/main">
   <p:cSld>
     <p:spTree>
@@ -12922,7 +13647,7 @@
 </p:sld>
 </file>
 
-<file path=ppt/slides/slide7.xml><?xml version="1.0" encoding="utf-8"?>
+<file path=ppt/slides/slide8.xml><?xml version="1.0" encoding="utf-8"?>
 <p:sld xmlns:a="http://schemas.openxmlformats.org/drawingml/2006/main" xmlns:r="http://schemas.openxmlformats.org/officeDocument/2006/relationships" xmlns:p="http://schemas.openxmlformats.org/presentationml/2006/main">
   <p:cSld>
     <p:spTree>
@@ -13586,7 +14311,7 @@
 </p:sld>
 </file>
 
-<file path=ppt/slides/slide8.xml><?xml version="1.0" encoding="utf-8"?>
+<file path=ppt/slides/slide9.xml><?xml version="1.0" encoding="utf-8"?>
 <p:sld xmlns:a="http://schemas.openxmlformats.org/drawingml/2006/main" xmlns:r="http://schemas.openxmlformats.org/officeDocument/2006/relationships" xmlns:p="http://schemas.openxmlformats.org/presentationml/2006/main">
   <p:cSld>
     <p:spTree>
@@ -14172,571 +14897,6 @@
     <p:extLst>
       <p:ext uri="{BB962C8B-B14F-4D97-AF65-F5344CB8AC3E}">
         <p14:creationId xmlns:p14="http://schemas.microsoft.com/office/powerpoint/2010/main" val="4256409517"/>
-      </p:ext>
-    </p:extLst>
-  </p:cSld>
-  <p:clrMapOvr>
-    <a:masterClrMapping/>
-  </p:clrMapOvr>
-</p:sld>
-</file>
-
-<file path=ppt/slides/slide9.xml><?xml version="1.0" encoding="utf-8"?>
-<p:sld xmlns:a="http://schemas.openxmlformats.org/drawingml/2006/main" xmlns:r="http://schemas.openxmlformats.org/officeDocument/2006/relationships" xmlns:p="http://schemas.openxmlformats.org/presentationml/2006/main">
-  <p:cSld>
-    <p:spTree>
-      <p:nvGrpSpPr>
-        <p:cNvPr id="1" name="">
-          <a:extLst>
-            <a:ext uri="{FF2B5EF4-FFF2-40B4-BE49-F238E27FC236}">
-              <a16:creationId xmlns:a16="http://schemas.microsoft.com/office/drawing/2014/main" id="{DB7B1E8C-516B-814E-EC62-DF0D50B6CCC4}"/>
-            </a:ext>
-          </a:extLst>
-        </p:cNvPr>
-        <p:cNvGrpSpPr/>
-        <p:nvPr/>
-      </p:nvGrpSpPr>
-      <p:grpSpPr>
-        <a:xfrm>
-          <a:off x="0" y="0"/>
-          <a:ext cx="0" cy="0"/>
-          <a:chOff x="0" y="0"/>
-          <a:chExt cx="0" cy="0"/>
-        </a:xfrm>
-      </p:grpSpPr>
-      <p:sp>
-        <p:nvSpPr>
-          <p:cNvPr id="14338" name="Rectangle 2">
-            <a:extLst>
-              <a:ext uri="{FF2B5EF4-FFF2-40B4-BE49-F238E27FC236}">
-                <a16:creationId xmlns:a16="http://schemas.microsoft.com/office/drawing/2014/main" id="{4F69BBC4-0734-57CD-DF0D-DB8D17FBE317}"/>
-              </a:ext>
-            </a:extLst>
-          </p:cNvPr>
-          <p:cNvSpPr>
-            <a:spLocks noGrp="1"/>
-          </p:cNvSpPr>
-          <p:nvPr>
-            <p:ph type="title" idx="4294967295"/>
-          </p:nvPr>
-        </p:nvSpPr>
-        <p:spPr>
-          <a:xfrm>
-            <a:off x="972175" y="1967266"/>
-            <a:ext cx="2484447" cy="2547257"/>
-          </a:xfrm>
-          <a:noFill/>
-        </p:spPr>
-        <p:txBody>
-          <a:bodyPr vert="horz" lIns="91440" tIns="45720" rIns="91440" bIns="45720" rtlCol="0" anchor="ctr">
-            <a:normAutofit/>
-          </a:bodyPr>
-          <a:lstStyle/>
-          <a:p>
-            <a:pPr algn="ctr" eaLnBrk="1" hangingPunct="1"/>
-            <a:r>
-              <a:rPr lang="en-US" altLang="cs-CZ" sz="3500" kern="1200" dirty="0">
-                <a:solidFill>
-                  <a:srgbClr val="FFFFFF"/>
-                </a:solidFill>
-                <a:latin typeface="+mj-lt"/>
-                <a:ea typeface="+mj-ea"/>
-                <a:cs typeface="+mj-cs"/>
-              </a:rPr>
-              <a:t>CRISP-DM</a:t>
-            </a:r>
-          </a:p>
-        </p:txBody>
-      </p:sp>
-      <p:pic>
-        <p:nvPicPr>
-          <p:cNvPr id="1030" name="Picture 6" descr="CRISP-DM (data mining framework). | Download Scientific Diagram">
-            <a:extLst>
-              <a:ext uri="{FF2B5EF4-FFF2-40B4-BE49-F238E27FC236}">
-                <a16:creationId xmlns:a16="http://schemas.microsoft.com/office/drawing/2014/main" id="{05B4417D-635D-986D-D4F4-749EB4574397}"/>
-              </a:ext>
-            </a:extLst>
-          </p:cNvPr>
-          <p:cNvPicPr>
-            <a:picLocks noChangeAspect="1" noChangeArrowheads="1"/>
-          </p:cNvPicPr>
-          <p:nvPr/>
-        </p:nvPicPr>
-        <p:blipFill>
-          <a:blip r:embed="rId2">
-            <a:extLst>
-              <a:ext uri="{28A0092B-C50C-407E-A947-70E740481C1C}">
-                <a14:useLocalDpi xmlns:a14="http://schemas.microsoft.com/office/drawing/2010/main" val="0"/>
-              </a:ext>
-            </a:extLst>
-          </a:blip>
-          <a:stretch>
-            <a:fillRect/>
-          </a:stretch>
-        </p:blipFill>
-        <p:spPr bwMode="auto">
-          <a:xfrm>
-            <a:off x="4909188" y="643466"/>
-            <a:ext cx="5619363" cy="5568739"/>
-          </a:xfrm>
-          <a:prstGeom prst="rect">
-            <a:avLst/>
-          </a:prstGeom>
-          <a:noFill/>
-          <a:extLst>
-            <a:ext uri="{909E8E84-426E-40DD-AFC4-6F175D3DCCD1}">
-              <a14:hiddenFill xmlns:a14="http://schemas.microsoft.com/office/drawing/2010/main">
-                <a:solidFill>
-                  <a:srgbClr val="FFFFFF"/>
-                </a:solidFill>
-              </a14:hiddenFill>
-            </a:ext>
-          </a:extLst>
-        </p:spPr>
-      </p:pic>
-      <p:sp>
-        <p:nvSpPr>
-          <p:cNvPr id="2" name="TextBox 1">
-            <a:extLst>
-              <a:ext uri="{FF2B5EF4-FFF2-40B4-BE49-F238E27FC236}">
-                <a16:creationId xmlns:a16="http://schemas.microsoft.com/office/drawing/2014/main" id="{352F0D2B-BD06-3FE5-F3DE-60B9C89E37C0}"/>
-              </a:ext>
-            </a:extLst>
-          </p:cNvPr>
-          <p:cNvSpPr txBox="1"/>
-          <p:nvPr/>
-        </p:nvSpPr>
-        <p:spPr>
-          <a:xfrm>
-            <a:off x="460353" y="643466"/>
-            <a:ext cx="4792717" cy="1061829"/>
-          </a:xfrm>
-          <a:prstGeom prst="rect">
-            <a:avLst/>
-          </a:prstGeom>
-          <a:noFill/>
-          <a:ln>
-            <a:noFill/>
-          </a:ln>
-          <a:extLst>
-            <a:ext uri="{909E8E84-426E-40DD-AFC4-6F175D3DCCD1}">
-              <a14:hiddenFill xmlns:a14="http://schemas.microsoft.com/office/drawing/2010/main">
-                <a:solidFill>
-                  <a:srgbClr val="FFFFFF"/>
-                </a:solidFill>
-              </a14:hiddenFill>
-            </a:ext>
-            <a:ext uri="{91240B29-F687-4F45-9708-019B960494DF}">
-              <a14:hiddenLine xmlns:a14="http://schemas.microsoft.com/office/drawing/2010/main" w="9525">
-                <a:solidFill>
-                  <a:srgbClr val="000000"/>
-                </a:solidFill>
-                <a:miter lim="800000"/>
-                <a:headEnd/>
-                <a:tailEnd/>
-              </a14:hiddenLine>
-            </a:ext>
-          </a:extLst>
-        </p:spPr>
-        <p:txBody>
-          <a:bodyPr vert="horz" wrap="square" lIns="91440" tIns="45720" rIns="91440" bIns="45720" numCol="1" rtlCol="0" anchor="ctr" anchorCtr="0" compatLnSpc="1">
-            <a:prstTxWarp prst="textNoShape">
-              <a:avLst/>
-            </a:prstTxWarp>
-            <a:normAutofit/>
-          </a:bodyPr>
-          <a:lstStyle>
-            <a:lvl1pPr algn="ctr" eaLnBrk="1" hangingPunct="1">
-              <a:lnSpc>
-                <a:spcPct val="90000"/>
-              </a:lnSpc>
-              <a:defRPr sz="3500">
-                <a:solidFill>
-                  <a:srgbClr val="FFFFFF"/>
-                </a:solidFill>
-                <a:latin typeface="+mj-lt"/>
-                <a:ea typeface="+mj-ea"/>
-                <a:cs typeface="+mj-cs"/>
-              </a:defRPr>
-            </a:lvl1pPr>
-            <a:lvl2pPr>
-              <a:lnSpc>
-                <a:spcPct val="90000"/>
-              </a:lnSpc>
-              <a:defRPr sz="4400">
-                <a:latin typeface="Century Gothic" panose="020B0502020202020204" pitchFamily="34" charset="0"/>
-              </a:defRPr>
-            </a:lvl2pPr>
-            <a:lvl3pPr>
-              <a:lnSpc>
-                <a:spcPct val="90000"/>
-              </a:lnSpc>
-              <a:defRPr sz="4400">
-                <a:latin typeface="Century Gothic" panose="020B0502020202020204" pitchFamily="34" charset="0"/>
-              </a:defRPr>
-            </a:lvl3pPr>
-            <a:lvl4pPr>
-              <a:lnSpc>
-                <a:spcPct val="90000"/>
-              </a:lnSpc>
-              <a:defRPr sz="4400">
-                <a:latin typeface="Century Gothic" panose="020B0502020202020204" pitchFamily="34" charset="0"/>
-              </a:defRPr>
-            </a:lvl4pPr>
-            <a:lvl5pPr>
-              <a:lnSpc>
-                <a:spcPct val="90000"/>
-              </a:lnSpc>
-              <a:defRPr sz="4400">
-                <a:latin typeface="Century Gothic" panose="020B0502020202020204" pitchFamily="34" charset="0"/>
-              </a:defRPr>
-            </a:lvl5pPr>
-            <a:lvl6pPr marL="457200" fontAlgn="base">
-              <a:lnSpc>
-                <a:spcPct val="90000"/>
-              </a:lnSpc>
-              <a:spcBef>
-                <a:spcPct val="0"/>
-              </a:spcBef>
-              <a:spcAft>
-                <a:spcPct val="0"/>
-              </a:spcAft>
-              <a:defRPr sz="4400">
-                <a:latin typeface="Century Gothic" panose="020B0502020202020204" pitchFamily="34" charset="0"/>
-              </a:defRPr>
-            </a:lvl6pPr>
-            <a:lvl7pPr marL="914400" fontAlgn="base">
-              <a:lnSpc>
-                <a:spcPct val="90000"/>
-              </a:lnSpc>
-              <a:spcBef>
-                <a:spcPct val="0"/>
-              </a:spcBef>
-              <a:spcAft>
-                <a:spcPct val="0"/>
-              </a:spcAft>
-              <a:defRPr sz="4400">
-                <a:latin typeface="Century Gothic" panose="020B0502020202020204" pitchFamily="34" charset="0"/>
-              </a:defRPr>
-            </a:lvl7pPr>
-            <a:lvl8pPr marL="1371600" fontAlgn="base">
-              <a:lnSpc>
-                <a:spcPct val="90000"/>
-              </a:lnSpc>
-              <a:spcBef>
-                <a:spcPct val="0"/>
-              </a:spcBef>
-              <a:spcAft>
-                <a:spcPct val="0"/>
-              </a:spcAft>
-              <a:defRPr sz="4400">
-                <a:latin typeface="Century Gothic" panose="020B0502020202020204" pitchFamily="34" charset="0"/>
-              </a:defRPr>
-            </a:lvl8pPr>
-            <a:lvl9pPr marL="1828800" fontAlgn="base">
-              <a:lnSpc>
-                <a:spcPct val="90000"/>
-              </a:lnSpc>
-              <a:spcBef>
-                <a:spcPct val="0"/>
-              </a:spcBef>
-              <a:spcAft>
-                <a:spcPct val="0"/>
-              </a:spcAft>
-              <a:defRPr sz="4400">
-                <a:latin typeface="Century Gothic" panose="020B0502020202020204" pitchFamily="34" charset="0"/>
-              </a:defRPr>
-            </a:lvl9pPr>
-          </a:lstStyle>
-          <a:p>
-            <a:r>
-              <a:rPr lang="cs-CZ" dirty="0">
-                <a:solidFill>
-                  <a:srgbClr val="292929"/>
-                </a:solidFill>
-              </a:rPr>
-              <a:t>Datové modelování</a:t>
-            </a:r>
-            <a:endParaRPr lang="en-US" dirty="0">
-              <a:solidFill>
-                <a:srgbClr val="292929"/>
-              </a:solidFill>
-            </a:endParaRPr>
-          </a:p>
-        </p:txBody>
-      </p:sp>
-      <p:sp>
-        <p:nvSpPr>
-          <p:cNvPr id="4" name="TextBox 3">
-            <a:extLst>
-              <a:ext uri="{FF2B5EF4-FFF2-40B4-BE49-F238E27FC236}">
-                <a16:creationId xmlns:a16="http://schemas.microsoft.com/office/drawing/2014/main" id="{80703085-7567-B181-531F-14270076D851}"/>
-              </a:ext>
-            </a:extLst>
-          </p:cNvPr>
-          <p:cNvSpPr txBox="1"/>
-          <p:nvPr/>
-        </p:nvSpPr>
-        <p:spPr>
-          <a:xfrm>
-            <a:off x="756744" y="1848130"/>
-            <a:ext cx="4597225" cy="3159409"/>
-          </a:xfrm>
-          <a:prstGeom prst="rect">
-            <a:avLst/>
-          </a:prstGeom>
-          <a:noFill/>
-          <a:ln>
-            <a:noFill/>
-          </a:ln>
-          <a:extLst>
-            <a:ext uri="{909E8E84-426E-40DD-AFC4-6F175D3DCCD1}">
-              <a14:hiddenFill xmlns:a14="http://schemas.microsoft.com/office/drawing/2010/main">
-                <a:solidFill>
-                  <a:srgbClr val="FFFFFF"/>
-                </a:solidFill>
-              </a14:hiddenFill>
-            </a:ext>
-            <a:ext uri="{91240B29-F687-4F45-9708-019B960494DF}">
-              <a14:hiddenLine xmlns:a14="http://schemas.microsoft.com/office/drawing/2010/main" w="9525">
-                <a:solidFill>
-                  <a:srgbClr val="000000"/>
-                </a:solidFill>
-                <a:miter lim="800000"/>
-                <a:headEnd/>
-                <a:tailEnd/>
-              </a14:hiddenLine>
-            </a:ext>
-          </a:extLst>
-        </p:spPr>
-        <p:txBody>
-          <a:bodyPr vert="horz" wrap="square" lIns="91440" tIns="45720" rIns="91440" bIns="45720" numCol="1" rtlCol="0" anchor="ctr" anchorCtr="0" compatLnSpc="1">
-            <a:prstTxWarp prst="textNoShape">
-              <a:avLst/>
-            </a:prstTxWarp>
-            <a:normAutofit/>
-          </a:bodyPr>
-          <a:lstStyle>
-            <a:lvl1pPr algn="ctr" eaLnBrk="1" hangingPunct="1">
-              <a:lnSpc>
-                <a:spcPct val="90000"/>
-              </a:lnSpc>
-              <a:defRPr sz="3500">
-                <a:solidFill>
-                  <a:srgbClr val="FFFFFF"/>
-                </a:solidFill>
-                <a:latin typeface="+mj-lt"/>
-                <a:ea typeface="+mj-ea"/>
-                <a:cs typeface="+mj-cs"/>
-              </a:defRPr>
-            </a:lvl1pPr>
-            <a:lvl2pPr>
-              <a:lnSpc>
-                <a:spcPct val="90000"/>
-              </a:lnSpc>
-              <a:defRPr sz="4400">
-                <a:latin typeface="Century Gothic" panose="020B0502020202020204" pitchFamily="34" charset="0"/>
-              </a:defRPr>
-            </a:lvl2pPr>
-            <a:lvl3pPr>
-              <a:lnSpc>
-                <a:spcPct val="90000"/>
-              </a:lnSpc>
-              <a:defRPr sz="4400">
-                <a:latin typeface="Century Gothic" panose="020B0502020202020204" pitchFamily="34" charset="0"/>
-              </a:defRPr>
-            </a:lvl3pPr>
-            <a:lvl4pPr>
-              <a:lnSpc>
-                <a:spcPct val="90000"/>
-              </a:lnSpc>
-              <a:defRPr sz="4400">
-                <a:latin typeface="Century Gothic" panose="020B0502020202020204" pitchFamily="34" charset="0"/>
-              </a:defRPr>
-            </a:lvl4pPr>
-            <a:lvl5pPr>
-              <a:lnSpc>
-                <a:spcPct val="90000"/>
-              </a:lnSpc>
-              <a:defRPr sz="4400">
-                <a:latin typeface="Century Gothic" panose="020B0502020202020204" pitchFamily="34" charset="0"/>
-              </a:defRPr>
-            </a:lvl5pPr>
-            <a:lvl6pPr marL="457200" fontAlgn="base">
-              <a:lnSpc>
-                <a:spcPct val="90000"/>
-              </a:lnSpc>
-              <a:spcBef>
-                <a:spcPct val="0"/>
-              </a:spcBef>
-              <a:spcAft>
-                <a:spcPct val="0"/>
-              </a:spcAft>
-              <a:defRPr sz="4400">
-                <a:latin typeface="Century Gothic" panose="020B0502020202020204" pitchFamily="34" charset="0"/>
-              </a:defRPr>
-            </a:lvl6pPr>
-            <a:lvl7pPr marL="914400" fontAlgn="base">
-              <a:lnSpc>
-                <a:spcPct val="90000"/>
-              </a:lnSpc>
-              <a:spcBef>
-                <a:spcPct val="0"/>
-              </a:spcBef>
-              <a:spcAft>
-                <a:spcPct val="0"/>
-              </a:spcAft>
-              <a:defRPr sz="4400">
-                <a:latin typeface="Century Gothic" panose="020B0502020202020204" pitchFamily="34" charset="0"/>
-              </a:defRPr>
-            </a:lvl7pPr>
-            <a:lvl8pPr marL="1371600" fontAlgn="base">
-              <a:lnSpc>
-                <a:spcPct val="90000"/>
-              </a:lnSpc>
-              <a:spcBef>
-                <a:spcPct val="0"/>
-              </a:spcBef>
-              <a:spcAft>
-                <a:spcPct val="0"/>
-              </a:spcAft>
-              <a:defRPr sz="4400">
-                <a:latin typeface="Century Gothic" panose="020B0502020202020204" pitchFamily="34" charset="0"/>
-              </a:defRPr>
-            </a:lvl8pPr>
-            <a:lvl9pPr marL="1828800" fontAlgn="base">
-              <a:lnSpc>
-                <a:spcPct val="90000"/>
-              </a:lnSpc>
-              <a:spcBef>
-                <a:spcPct val="0"/>
-              </a:spcBef>
-              <a:spcAft>
-                <a:spcPct val="0"/>
-              </a:spcAft>
-              <a:defRPr sz="4400">
-                <a:latin typeface="Century Gothic" panose="020B0502020202020204" pitchFamily="34" charset="0"/>
-              </a:defRPr>
-            </a:lvl9pPr>
-          </a:lstStyle>
-          <a:p>
-            <a:pPr algn="l">
-              <a:spcAft>
-                <a:spcPts val="1200"/>
-              </a:spcAft>
-            </a:pPr>
-            <a:r>
-              <a:rPr lang="cs-CZ" sz="2400" b="0" dirty="0">
-                <a:solidFill>
-                  <a:srgbClr val="292929"/>
-                </a:solidFill>
-              </a:rPr>
-              <a:t>Testování hypotéz</a:t>
-            </a:r>
-          </a:p>
-          <a:p>
-            <a:pPr algn="l">
-              <a:spcAft>
-                <a:spcPts val="1200"/>
-              </a:spcAft>
-            </a:pPr>
-            <a:r>
-              <a:rPr lang="cs-CZ" sz="2400" b="0" dirty="0">
-                <a:solidFill>
-                  <a:srgbClr val="292929"/>
-                </a:solidFill>
-              </a:rPr>
-              <a:t>Regresní analýza</a:t>
-            </a:r>
-          </a:p>
-          <a:p>
-            <a:pPr algn="l">
-              <a:spcAft>
-                <a:spcPts val="1200"/>
-              </a:spcAft>
-            </a:pPr>
-            <a:r>
-              <a:rPr lang="cs-CZ" sz="2400" b="0" dirty="0">
-                <a:solidFill>
-                  <a:srgbClr val="292929"/>
-                </a:solidFill>
-              </a:rPr>
-              <a:t>Korelační analýza</a:t>
-            </a:r>
-          </a:p>
-          <a:p>
-            <a:pPr algn="l">
-              <a:spcAft>
-                <a:spcPts val="1200"/>
-              </a:spcAft>
-            </a:pPr>
-            <a:r>
-              <a:rPr lang="cs-CZ" sz="2400" b="0" dirty="0">
-                <a:solidFill>
-                  <a:srgbClr val="292929"/>
-                </a:solidFill>
-              </a:rPr>
-              <a:t>…</a:t>
-            </a:r>
-          </a:p>
-        </p:txBody>
-      </p:sp>
-      <p:sp>
-        <p:nvSpPr>
-          <p:cNvPr id="5" name="Rectangle 4">
-            <a:extLst>
-              <a:ext uri="{FF2B5EF4-FFF2-40B4-BE49-F238E27FC236}">
-                <a16:creationId xmlns:a16="http://schemas.microsoft.com/office/drawing/2014/main" id="{3E2AA897-30AD-C11C-04D5-681651F1947D}"/>
-              </a:ext>
-            </a:extLst>
-          </p:cNvPr>
-          <p:cNvSpPr/>
-          <p:nvPr/>
-        </p:nvSpPr>
-        <p:spPr>
-          <a:xfrm>
-            <a:off x="8486681" y="3540867"/>
-            <a:ext cx="1589165" cy="908094"/>
-          </a:xfrm>
-          <a:prstGeom prst="rect">
-            <a:avLst/>
-          </a:prstGeom>
-          <a:noFill/>
-          <a:ln w="57150">
-            <a:solidFill>
-              <a:srgbClr val="993300"/>
-            </a:solidFill>
-          </a:ln>
-        </p:spPr>
-        <p:style>
-          <a:lnRef idx="2">
-            <a:schemeClr val="accent1">
-              <a:shade val="15000"/>
-            </a:schemeClr>
-          </a:lnRef>
-          <a:fillRef idx="1">
-            <a:schemeClr val="accent1"/>
-          </a:fillRef>
-          <a:effectRef idx="0">
-            <a:schemeClr val="accent1"/>
-          </a:effectRef>
-          <a:fontRef idx="minor">
-            <a:schemeClr val="lt1"/>
-          </a:fontRef>
-        </p:style>
-        <p:txBody>
-          <a:bodyPr rtlCol="0" anchor="ctr"/>
-          <a:lstStyle/>
-          <a:p>
-            <a:pPr algn="ctr"/>
-            <a:endParaRPr lang="en-US"/>
-          </a:p>
-        </p:txBody>
-      </p:sp>
-    </p:spTree>
-    <p:extLst>
-      <p:ext uri="{BB962C8B-B14F-4D97-AF65-F5344CB8AC3E}">
-        <p14:creationId xmlns:p14="http://schemas.microsoft.com/office/powerpoint/2010/main" val="669199843"/>
       </p:ext>
     </p:extLst>
   </p:cSld>
@@ -15438,17 +15598,6 @@
 </file>
 
 <file path=customXml/item2.xml><?xml version="1.0" encoding="utf-8"?>
-<p:properties xmlns:p="http://schemas.microsoft.com/office/2006/metadata/properties" xmlns:xsi="http://www.w3.org/2001/XMLSchema-instance" xmlns:pc="http://schemas.microsoft.com/office/infopath/2007/PartnerControls">
-  <documentManagement>
-    <lcf76f155ced4ddcb4097134ff3c332f xmlns="b5e40aea-b4ae-4b94-9008-c1fed4a5c359">
-      <Terms xmlns="http://schemas.microsoft.com/office/infopath/2007/PartnerControls"/>
-    </lcf76f155ced4ddcb4097134ff3c332f>
-    <TaxCatchAll xmlns="c95f7331-2dea-4b91-a62c-a2ea58dcbe03" xsi:nil="true"/>
-  </documentManagement>
-</p:properties>
-</file>
-
-<file path=customXml/item3.xml><?xml version="1.0" encoding="utf-8"?>
 <ct:contentTypeSchema xmlns:ct="http://schemas.microsoft.com/office/2006/metadata/contentType" xmlns:ma="http://schemas.microsoft.com/office/2006/metadata/properties/metaAttributes" ct:_="" ma:_="" ma:contentTypeName="Dokument" ma:contentTypeID="0x010100483762EB5A18C04DBFA29C99AD83F26B" ma:contentTypeVersion="15" ma:contentTypeDescription="Vytvoří nový dokument" ma:contentTypeScope="" ma:versionID="d9ef6691753f8d1d5aac364a0a95b869">
   <xsd:schema xmlns:xsd="http://www.w3.org/2001/XMLSchema" xmlns:xs="http://www.w3.org/2001/XMLSchema" xmlns:p="http://schemas.microsoft.com/office/2006/metadata/properties" xmlns:ns2="b5e40aea-b4ae-4b94-9008-c1fed4a5c359" xmlns:ns3="c95f7331-2dea-4b91-a62c-a2ea58dcbe03" targetNamespace="http://schemas.microsoft.com/office/2006/metadata/properties" ma:root="true" ma:fieldsID="8ffb3d0fa66fdebc604d2e8eddcb4819" ns2:_="" ns3:_="">
     <xsd:import namespace="b5e40aea-b4ae-4b94-9008-c1fed4a5c359"/>
@@ -15683,6 +15832,17 @@
 </ct:contentTypeSchema>
 </file>
 
+<file path=customXml/item3.xml><?xml version="1.0" encoding="utf-8"?>
+<p:properties xmlns:p="http://schemas.microsoft.com/office/2006/metadata/properties" xmlns:xsi="http://www.w3.org/2001/XMLSchema-instance" xmlns:pc="http://schemas.microsoft.com/office/infopath/2007/PartnerControls">
+  <documentManagement>
+    <lcf76f155ced4ddcb4097134ff3c332f xmlns="b5e40aea-b4ae-4b94-9008-c1fed4a5c359">
+      <Terms xmlns="http://schemas.microsoft.com/office/infopath/2007/PartnerControls"/>
+    </lcf76f155ced4ddcb4097134ff3c332f>
+    <TaxCatchAll xmlns="c95f7331-2dea-4b91-a62c-a2ea58dcbe03" xsi:nil="true"/>
+  </documentManagement>
+</p:properties>
+</file>
+
 <file path=customXml/itemProps1.xml><?xml version="1.0" encoding="utf-8"?>
 <ds:datastoreItem xmlns:ds="http://schemas.openxmlformats.org/officeDocument/2006/customXml" ds:itemID="{35AAFBE4-E0F2-46C8-9B9D-C83397D2F04E}">
   <ds:schemaRefs>
@@ -15692,17 +15852,6 @@
 </file>
 
 <file path=customXml/itemProps2.xml><?xml version="1.0" encoding="utf-8"?>
-<ds:datastoreItem xmlns:ds="http://schemas.openxmlformats.org/officeDocument/2006/customXml" ds:itemID="{E33785A2-D7CE-4CE1-98CE-0E3D5DDB8231}">
-  <ds:schemaRefs>
-    <ds:schemaRef ds:uri="http://schemas.microsoft.com/office/2006/metadata/properties"/>
-    <ds:schemaRef ds:uri="http://schemas.microsoft.com/office/infopath/2007/PartnerControls"/>
-    <ds:schemaRef ds:uri="b5e40aea-b4ae-4b94-9008-c1fed4a5c359"/>
-    <ds:schemaRef ds:uri="c95f7331-2dea-4b91-a62c-a2ea58dcbe03"/>
-  </ds:schemaRefs>
-</ds:datastoreItem>
-</file>
-
-<file path=customXml/itemProps3.xml><?xml version="1.0" encoding="utf-8"?>
 <ds:datastoreItem xmlns:ds="http://schemas.openxmlformats.org/officeDocument/2006/customXml" ds:itemID="{9FF36B38-92E1-4434-B928-0B6896AEBC4E}">
   <ds:schemaRefs>
     <ds:schemaRef ds:uri="http://schemas.microsoft.com/office/2006/metadata/contentType"/>
@@ -15719,4 +15868,15 @@
     <ds:schemaRef ds:uri="http://schemas.microsoft.com/internal/obd"/>
   </ds:schemaRefs>
 </ds:datastoreItem>
+</file>
+
+<file path=customXml/itemProps3.xml><?xml version="1.0" encoding="utf-8"?>
+<ds:datastoreItem xmlns:ds="http://schemas.openxmlformats.org/officeDocument/2006/customXml" ds:itemID="{E33785A2-D7CE-4CE1-98CE-0E3D5DDB8231}">
+  <ds:schemaRefs>
+    <ds:schemaRef ds:uri="http://schemas.microsoft.com/office/2006/metadata/properties"/>
+    <ds:schemaRef ds:uri="http://schemas.microsoft.com/office/infopath/2007/PartnerControls"/>
+    <ds:schemaRef ds:uri="b5e40aea-b4ae-4b94-9008-c1fed4a5c359"/>
+    <ds:schemaRef ds:uri="c95f7331-2dea-4b91-a62c-a2ea58dcbe03"/>
+  </ds:schemaRefs>
+</ds:datastoreItem>
 </file>
--- a/Prezentace/1_uvod_do_analyzy_dat.pptx
+++ b/Prezentace/1_uvod_do_analyzy_dat.pptx
@@ -15589,12 +15589,14 @@
 </file>
 
 <file path=customXml/item1.xml><?xml version="1.0" encoding="utf-8"?>
-<?mso-contentType ?>
-<FormTemplates xmlns="http://schemas.microsoft.com/sharepoint/v3/contenttype/forms">
-  <Display>DocumentLibraryForm</Display>
-  <Edit>DocumentLibraryForm</Edit>
-  <New>DocumentLibraryForm</New>
-</FormTemplates>
+<p:properties xmlns:p="http://schemas.microsoft.com/office/2006/metadata/properties" xmlns:xsi="http://www.w3.org/2001/XMLSchema-instance" xmlns:pc="http://schemas.microsoft.com/office/infopath/2007/PartnerControls">
+  <documentManagement>
+    <lcf76f155ced4ddcb4097134ff3c332f xmlns="b5e40aea-b4ae-4b94-9008-c1fed4a5c359">
+      <Terms xmlns="http://schemas.microsoft.com/office/infopath/2007/PartnerControls"/>
+    </lcf76f155ced4ddcb4097134ff3c332f>
+    <TaxCatchAll xmlns="c95f7331-2dea-4b91-a62c-a2ea58dcbe03" xsi:nil="true"/>
+  </documentManagement>
+</p:properties>
 </file>
 
 <file path=customXml/item2.xml><?xml version="1.0" encoding="utf-8"?>
@@ -15833,20 +15835,21 @@
 </file>
 
 <file path=customXml/item3.xml><?xml version="1.0" encoding="utf-8"?>
-<p:properties xmlns:p="http://schemas.microsoft.com/office/2006/metadata/properties" xmlns:xsi="http://www.w3.org/2001/XMLSchema-instance" xmlns:pc="http://schemas.microsoft.com/office/infopath/2007/PartnerControls">
-  <documentManagement>
-    <lcf76f155ced4ddcb4097134ff3c332f xmlns="b5e40aea-b4ae-4b94-9008-c1fed4a5c359">
-      <Terms xmlns="http://schemas.microsoft.com/office/infopath/2007/PartnerControls"/>
-    </lcf76f155ced4ddcb4097134ff3c332f>
-    <TaxCatchAll xmlns="c95f7331-2dea-4b91-a62c-a2ea58dcbe03" xsi:nil="true"/>
-  </documentManagement>
-</p:properties>
+<?mso-contentType ?>
+<FormTemplates xmlns="http://schemas.microsoft.com/sharepoint/v3/contenttype/forms">
+  <Display>DocumentLibraryForm</Display>
+  <Edit>DocumentLibraryForm</Edit>
+  <New>DocumentLibraryForm</New>
+</FormTemplates>
 </file>
 
 <file path=customXml/itemProps1.xml><?xml version="1.0" encoding="utf-8"?>
-<ds:datastoreItem xmlns:ds="http://schemas.openxmlformats.org/officeDocument/2006/customXml" ds:itemID="{35AAFBE4-E0F2-46C8-9B9D-C83397D2F04E}">
+<ds:datastoreItem xmlns:ds="http://schemas.openxmlformats.org/officeDocument/2006/customXml" ds:itemID="{E33785A2-D7CE-4CE1-98CE-0E3D5DDB8231}">
   <ds:schemaRefs>
-    <ds:schemaRef ds:uri="http://schemas.microsoft.com/sharepoint/v3/contenttype/forms"/>
+    <ds:schemaRef ds:uri="http://schemas.microsoft.com/office/2006/metadata/properties"/>
+    <ds:schemaRef ds:uri="http://schemas.microsoft.com/office/infopath/2007/PartnerControls"/>
+    <ds:schemaRef ds:uri="b5e40aea-b4ae-4b94-9008-c1fed4a5c359"/>
+    <ds:schemaRef ds:uri="c95f7331-2dea-4b91-a62c-a2ea58dcbe03"/>
   </ds:schemaRefs>
 </ds:datastoreItem>
 </file>
@@ -15871,12 +15874,9 @@
 </file>
 
 <file path=customXml/itemProps3.xml><?xml version="1.0" encoding="utf-8"?>
-<ds:datastoreItem xmlns:ds="http://schemas.openxmlformats.org/officeDocument/2006/customXml" ds:itemID="{E33785A2-D7CE-4CE1-98CE-0E3D5DDB8231}">
+<ds:datastoreItem xmlns:ds="http://schemas.openxmlformats.org/officeDocument/2006/customXml" ds:itemID="{35AAFBE4-E0F2-46C8-9B9D-C83397D2F04E}">
   <ds:schemaRefs>
-    <ds:schemaRef ds:uri="http://schemas.microsoft.com/office/2006/metadata/properties"/>
-    <ds:schemaRef ds:uri="http://schemas.microsoft.com/office/infopath/2007/PartnerControls"/>
-    <ds:schemaRef ds:uri="b5e40aea-b4ae-4b94-9008-c1fed4a5c359"/>
-    <ds:schemaRef ds:uri="c95f7331-2dea-4b91-a62c-a2ea58dcbe03"/>
+    <ds:schemaRef ds:uri="http://schemas.microsoft.com/sharepoint/v3/contenttype/forms"/>
   </ds:schemaRefs>
 </ds:datastoreItem>
 </file>
--- a/Prezentace/1_uvod_do_analyzy_dat.pptx
+++ b/Prezentace/1_uvod_do_analyzy_dat.pptx
@@ -12448,53 +12448,6 @@
           <a:chExt cx="0" cy="0"/>
         </a:xfrm>
       </p:grpSpPr>
-      <p:pic>
-        <p:nvPicPr>
-          <p:cNvPr id="1026" name="Picture 2" descr="Standards">
-            <a:extLst>
-              <a:ext uri="{FF2B5EF4-FFF2-40B4-BE49-F238E27FC236}">
-                <a16:creationId xmlns:a16="http://schemas.microsoft.com/office/drawing/2014/main" id="{A55BD3AD-0772-58DE-0EC6-6833C79AACF3}"/>
-              </a:ext>
-            </a:extLst>
-          </p:cNvPr>
-          <p:cNvPicPr>
-            <a:picLocks noChangeAspect="1" noChangeArrowheads="1"/>
-          </p:cNvPicPr>
-          <p:nvPr/>
-        </p:nvPicPr>
-        <p:blipFill>
-          <a:blip r:embed="rId2">
-            <a:extLst>
-              <a:ext uri="{28A0092B-C50C-407E-A947-70E740481C1C}">
-                <a14:useLocalDpi xmlns:a14="http://schemas.microsoft.com/office/drawing/2010/main" val="0"/>
-              </a:ext>
-            </a:extLst>
-          </a:blip>
-          <a:srcRect/>
-          <a:stretch>
-            <a:fillRect/>
-          </a:stretch>
-        </p:blipFill>
-        <p:spPr bwMode="auto">
-          <a:xfrm>
-            <a:off x="672726" y="235678"/>
-            <a:ext cx="9045138" cy="5119548"/>
-          </a:xfrm>
-          <a:prstGeom prst="rect">
-            <a:avLst/>
-          </a:prstGeom>
-          <a:noFill/>
-          <a:extLst>
-            <a:ext uri="{909E8E84-426E-40DD-AFC4-6F175D3DCCD1}">
-              <a14:hiddenFill xmlns:a14="http://schemas.microsoft.com/office/drawing/2010/main">
-                <a:solidFill>
-                  <a:srgbClr val="FFFFFF"/>
-                </a:solidFill>
-              </a14:hiddenFill>
-            </a:ext>
-          </a:extLst>
-        </p:spPr>
-      </p:pic>
       <p:sp>
         <p:nvSpPr>
           <p:cNvPr id="5" name="TextBox 4">
@@ -12559,7 +12512,7 @@
         </p:blipFill>
         <p:spPr bwMode="auto">
           <a:xfrm>
-            <a:off x="825126" y="388078"/>
+            <a:off x="825126" y="274566"/>
             <a:ext cx="9045138" cy="5119548"/>
           </a:xfrm>
           <a:prstGeom prst="rect">
@@ -15589,15 +15542,6 @@
 </file>
 
 <file path=customXml/item1.xml><?xml version="1.0" encoding="utf-8"?>
-<?mso-contentType ?>
-<FormTemplates xmlns="http://schemas.microsoft.com/sharepoint/v3/contenttype/forms">
-  <Display>DocumentLibraryForm</Display>
-  <Edit>DocumentLibraryForm</Edit>
-  <New>DocumentLibraryForm</New>
-</FormTemplates>
-</file>
-
-<file path=customXml/item2.xml><?xml version="1.0" encoding="utf-8"?>
 <ct:contentTypeSchema xmlns:ct="http://schemas.microsoft.com/office/2006/metadata/contentType" xmlns:ma="http://schemas.microsoft.com/office/2006/metadata/properties/metaAttributes" ct:_="" ma:_="" ma:contentTypeName="Dokument" ma:contentTypeID="0x010100483762EB5A18C04DBFA29C99AD83F26B" ma:contentTypeVersion="15" ma:contentTypeDescription="Vytvoří nový dokument" ma:contentTypeScope="" ma:versionID="d9ef6691753f8d1d5aac364a0a95b869">
   <xsd:schema xmlns:xsd="http://www.w3.org/2001/XMLSchema" xmlns:xs="http://www.w3.org/2001/XMLSchema" xmlns:p="http://schemas.microsoft.com/office/2006/metadata/properties" xmlns:ns2="b5e40aea-b4ae-4b94-9008-c1fed4a5c359" xmlns:ns3="c95f7331-2dea-4b91-a62c-a2ea58dcbe03" targetNamespace="http://schemas.microsoft.com/office/2006/metadata/properties" ma:root="true" ma:fieldsID="8ffb3d0fa66fdebc604d2e8eddcb4819" ns2:_="" ns3:_="">
     <xsd:import namespace="b5e40aea-b4ae-4b94-9008-c1fed4a5c359"/>
@@ -15832,6 +15776,15 @@
 </ct:contentTypeSchema>
 </file>
 
+<file path=customXml/item2.xml><?xml version="1.0" encoding="utf-8"?>
+<?mso-contentType ?>
+<FormTemplates xmlns="http://schemas.microsoft.com/sharepoint/v3/contenttype/forms">
+  <Display>DocumentLibraryForm</Display>
+  <Edit>DocumentLibraryForm</Edit>
+  <New>DocumentLibraryForm</New>
+</FormTemplates>
+</file>
+
 <file path=customXml/item3.xml><?xml version="1.0" encoding="utf-8"?>
 <p:properties xmlns:p="http://schemas.microsoft.com/office/2006/metadata/properties" xmlns:xsi="http://www.w3.org/2001/XMLSchema-instance" xmlns:pc="http://schemas.microsoft.com/office/infopath/2007/PartnerControls">
   <documentManagement>
@@ -15844,14 +15797,6 @@
 </file>
 
 <file path=customXml/itemProps1.xml><?xml version="1.0" encoding="utf-8"?>
-<ds:datastoreItem xmlns:ds="http://schemas.openxmlformats.org/officeDocument/2006/customXml" ds:itemID="{35AAFBE4-E0F2-46C8-9B9D-C83397D2F04E}">
-  <ds:schemaRefs>
-    <ds:schemaRef ds:uri="http://schemas.microsoft.com/sharepoint/v3/contenttype/forms"/>
-  </ds:schemaRefs>
-</ds:datastoreItem>
-</file>
-
-<file path=customXml/itemProps2.xml><?xml version="1.0" encoding="utf-8"?>
 <ds:datastoreItem xmlns:ds="http://schemas.openxmlformats.org/officeDocument/2006/customXml" ds:itemID="{9FF36B38-92E1-4434-B928-0B6896AEBC4E}">
   <ds:schemaRefs>
     <ds:schemaRef ds:uri="http://schemas.microsoft.com/office/2006/metadata/contentType"/>
@@ -15870,6 +15815,14 @@
 </ds:datastoreItem>
 </file>
 
+<file path=customXml/itemProps2.xml><?xml version="1.0" encoding="utf-8"?>
+<ds:datastoreItem xmlns:ds="http://schemas.openxmlformats.org/officeDocument/2006/customXml" ds:itemID="{35AAFBE4-E0F2-46C8-9B9D-C83397D2F04E}">
+  <ds:schemaRefs>
+    <ds:schemaRef ds:uri="http://schemas.microsoft.com/sharepoint/v3/contenttype/forms"/>
+  </ds:schemaRefs>
+</ds:datastoreItem>
+</file>
+
 <file path=customXml/itemProps3.xml><?xml version="1.0" encoding="utf-8"?>
 <ds:datastoreItem xmlns:ds="http://schemas.openxmlformats.org/officeDocument/2006/customXml" ds:itemID="{E33785A2-D7CE-4CE1-98CE-0E3D5DDB8231}">
   <ds:schemaRefs>
